--- a/PPT/数据建设知识体系.pptx
+++ b/PPT/数据建设知识体系.pptx
@@ -5,20 +5,29 @@
     <p:sldMasterId id="2147483648" r:id="rId1"/>
   </p:sldMasterIdLst>
   <p:notesMasterIdLst>
-    <p:notesMasterId r:id="rId10"/>
+    <p:notesMasterId r:id="rId19"/>
   </p:notesMasterIdLst>
   <p:handoutMasterIdLst>
-    <p:handoutMasterId r:id="rId11"/>
+    <p:handoutMasterId r:id="rId20"/>
   </p:handoutMasterIdLst>
   <p:sldIdLst>
     <p:sldId id="308" r:id="rId2"/>
-    <p:sldId id="309" r:id="rId3"/>
-    <p:sldId id="1705" r:id="rId4"/>
-    <p:sldId id="1707" r:id="rId5"/>
-    <p:sldId id="1706" r:id="rId6"/>
-    <p:sldId id="1709" r:id="rId7"/>
-    <p:sldId id="1708" r:id="rId8"/>
-    <p:sldId id="1580" r:id="rId9"/>
+    <p:sldId id="1712" r:id="rId3"/>
+    <p:sldId id="1713" r:id="rId4"/>
+    <p:sldId id="1714" r:id="rId5"/>
+    <p:sldId id="1715" r:id="rId6"/>
+    <p:sldId id="1716" r:id="rId7"/>
+    <p:sldId id="309" r:id="rId8"/>
+    <p:sldId id="1706" r:id="rId9"/>
+    <p:sldId id="1718" r:id="rId10"/>
+    <p:sldId id="1719" r:id="rId11"/>
+    <p:sldId id="1711" r:id="rId12"/>
+    <p:sldId id="1705" r:id="rId13"/>
+    <p:sldId id="1707" r:id="rId14"/>
+    <p:sldId id="1710" r:id="rId15"/>
+    <p:sldId id="1709" r:id="rId16"/>
+    <p:sldId id="1708" r:id="rId17"/>
+    <p:sldId id="1580" r:id="rId18"/>
   </p:sldIdLst>
   <p:sldSz cx="12192000" cy="6858000"/>
   <p:notesSz cx="7104063" cy="10234613"/>
@@ -132,6 +141,9 @@
         </p15:guide>
       </p15:sldGuideLst>
     </p:ext>
+    <p:ext uri="{2D200454-40CA-4A62-9FC3-DE9A4176ACB9}">
+      <p15:notesGuideLst xmlns:p15="http://schemas.microsoft.com/office/powerpoint/2012/main"/>
+    </p:ext>
   </p:extLst>
 </p:presentation>
 </file>
@@ -224,7 +236,7 @@
           <a:p>
             <a:fld id="{0F9B84EA-7D68-4D60-9CB1-D50884785D1C}" type="datetimeFigureOut">
               <a:rPr lang="zh-CN" altLang="en-US" smtClean="0"/>
-              <a:t>2021/5/26</a:t>
+              <a:t>2021/7/11</a:t>
             </a:fld>
             <a:endParaRPr lang="zh-CN" altLang="en-US"/>
           </a:p>
@@ -389,7 +401,7 @@
           <a:p>
             <a:fld id="{D2A48B96-639E-45A3-A0BA-2464DFDB1FAA}" type="datetimeFigureOut">
               <a:rPr lang="zh-CN" altLang="en-US" smtClean="0"/>
-              <a:t>2021/5/26</a:t>
+              <a:t>2021/7/11</a:t>
             </a:fld>
             <a:endParaRPr lang="zh-CN" altLang="en-US"/>
           </a:p>
@@ -745,7 +757,7 @@
 </p:notes>
 </file>
 
-<file path=ppt/notesSlides/notesSlide2.xml><?xml version="1.0" encoding="utf-8"?>
+<file path=ppt/notesSlides/notesSlide10.xml><?xml version="1.0" encoding="utf-8"?>
 <p:notes xmlns:a="http://schemas.openxmlformats.org/drawingml/2006/main" xmlns:r="http://schemas.openxmlformats.org/officeDocument/2006/relationships" xmlns:p="http://schemas.openxmlformats.org/presentationml/2006/main">
   <p:cSld>
     <p:spTree>
@@ -815,7 +827,7 @@
           <a:p>
             <a:fld id="{B4032DF1-3372-4BE1-A4B8-29BB2EC88706}" type="slidenum">
               <a:rPr lang="zh-CN" altLang="en-US" smtClean="0"/>
-              <a:t>2</a:t>
+              <a:t>10</a:t>
             </a:fld>
             <a:endParaRPr lang="zh-CN" altLang="en-US"/>
           </a:p>
@@ -824,7 +836,7 @@
     </p:spTree>
     <p:extLst>
       <p:ext uri="{BB962C8B-B14F-4D97-AF65-F5344CB8AC3E}">
-        <p14:creationId xmlns:p14="http://schemas.microsoft.com/office/powerpoint/2010/main" val="2118643493"/>
+        <p14:creationId xmlns:p14="http://schemas.microsoft.com/office/powerpoint/2010/main" val="3116728412"/>
       </p:ext>
     </p:extLst>
   </p:cSld>
@@ -834,7 +846,7 @@
 </p:notes>
 </file>
 
-<file path=ppt/notesSlides/notesSlide3.xml><?xml version="1.0" encoding="utf-8"?>
+<file path=ppt/notesSlides/notesSlide11.xml><?xml version="1.0" encoding="utf-8"?>
 <p:notes xmlns:a="http://schemas.openxmlformats.org/drawingml/2006/main" xmlns:r="http://schemas.openxmlformats.org/officeDocument/2006/relationships" xmlns:p="http://schemas.openxmlformats.org/presentationml/2006/main">
   <p:cSld>
     <p:spTree>
@@ -904,7 +916,7 @@
           <a:p>
             <a:fld id="{B4032DF1-3372-4BE1-A4B8-29BB2EC88706}" type="slidenum">
               <a:rPr lang="zh-CN" altLang="en-US" smtClean="0"/>
-              <a:t>3</a:t>
+              <a:t>11</a:t>
             </a:fld>
             <a:endParaRPr lang="zh-CN" altLang="en-US"/>
           </a:p>
@@ -913,7 +925,7 @@
     </p:spTree>
     <p:extLst>
       <p:ext uri="{BB962C8B-B14F-4D97-AF65-F5344CB8AC3E}">
-        <p14:creationId xmlns:p14="http://schemas.microsoft.com/office/powerpoint/2010/main" val="1968573073"/>
+        <p14:creationId xmlns:p14="http://schemas.microsoft.com/office/powerpoint/2010/main" val="1850913920"/>
       </p:ext>
     </p:extLst>
   </p:cSld>
@@ -923,7 +935,7 @@
 </p:notes>
 </file>
 
-<file path=ppt/notesSlides/notesSlide4.xml><?xml version="1.0" encoding="utf-8"?>
+<file path=ppt/notesSlides/notesSlide12.xml><?xml version="1.0" encoding="utf-8"?>
 <p:notes xmlns:a="http://schemas.openxmlformats.org/drawingml/2006/main" xmlns:r="http://schemas.openxmlformats.org/officeDocument/2006/relationships" xmlns:p="http://schemas.openxmlformats.org/presentationml/2006/main">
   <p:cSld>
     <p:spTree>
@@ -993,7 +1005,7 @@
           <a:p>
             <a:fld id="{B4032DF1-3372-4BE1-A4B8-29BB2EC88706}" type="slidenum">
               <a:rPr lang="zh-CN" altLang="en-US" smtClean="0"/>
-              <a:t>4</a:t>
+              <a:t>12</a:t>
             </a:fld>
             <a:endParaRPr lang="zh-CN" altLang="en-US"/>
           </a:p>
@@ -1002,7 +1014,7 @@
     </p:spTree>
     <p:extLst>
       <p:ext uri="{BB962C8B-B14F-4D97-AF65-F5344CB8AC3E}">
-        <p14:creationId xmlns:p14="http://schemas.microsoft.com/office/powerpoint/2010/main" val="3259062046"/>
+        <p14:creationId xmlns:p14="http://schemas.microsoft.com/office/powerpoint/2010/main" val="1968573073"/>
       </p:ext>
     </p:extLst>
   </p:cSld>
@@ -1012,7 +1024,7 @@
 </p:notes>
 </file>
 
-<file path=ppt/notesSlides/notesSlide5.xml><?xml version="1.0" encoding="utf-8"?>
+<file path=ppt/notesSlides/notesSlide13.xml><?xml version="1.0" encoding="utf-8"?>
 <p:notes xmlns:a="http://schemas.openxmlformats.org/drawingml/2006/main" xmlns:r="http://schemas.openxmlformats.org/officeDocument/2006/relationships" xmlns:p="http://schemas.openxmlformats.org/presentationml/2006/main">
   <p:cSld>
     <p:spTree>
@@ -1082,7 +1094,7 @@
           <a:p>
             <a:fld id="{B4032DF1-3372-4BE1-A4B8-29BB2EC88706}" type="slidenum">
               <a:rPr lang="zh-CN" altLang="en-US" smtClean="0"/>
-              <a:t>5</a:t>
+              <a:t>13</a:t>
             </a:fld>
             <a:endParaRPr lang="zh-CN" altLang="en-US"/>
           </a:p>
@@ -1091,7 +1103,7 @@
     </p:spTree>
     <p:extLst>
       <p:ext uri="{BB962C8B-B14F-4D97-AF65-F5344CB8AC3E}">
-        <p14:creationId xmlns:p14="http://schemas.microsoft.com/office/powerpoint/2010/main" val="3199345018"/>
+        <p14:creationId xmlns:p14="http://schemas.microsoft.com/office/powerpoint/2010/main" val="3259062046"/>
       </p:ext>
     </p:extLst>
   </p:cSld>
@@ -1101,7 +1113,96 @@
 </p:notes>
 </file>
 
-<file path=ppt/notesSlides/notesSlide6.xml><?xml version="1.0" encoding="utf-8"?>
+<file path=ppt/notesSlides/notesSlide14.xml><?xml version="1.0" encoding="utf-8"?>
+<p:notes xmlns:a="http://schemas.openxmlformats.org/drawingml/2006/main" xmlns:r="http://schemas.openxmlformats.org/officeDocument/2006/relationships" xmlns:p="http://schemas.openxmlformats.org/presentationml/2006/main">
+  <p:cSld>
+    <p:spTree>
+      <p:nvGrpSpPr>
+        <p:cNvPr id="1" name=""/>
+        <p:cNvGrpSpPr/>
+        <p:nvPr/>
+      </p:nvGrpSpPr>
+      <p:grpSpPr>
+        <a:xfrm>
+          <a:off x="0" y="0"/>
+          <a:ext cx="0" cy="0"/>
+          <a:chOff x="0" y="0"/>
+          <a:chExt cx="0" cy="0"/>
+        </a:xfrm>
+      </p:grpSpPr>
+      <p:sp>
+        <p:nvSpPr>
+          <p:cNvPr id="2" name="幻灯片图像占位符 1"/>
+          <p:cNvSpPr>
+            <a:spLocks noGrp="1" noRot="1" noChangeAspect="1"/>
+          </p:cNvSpPr>
+          <p:nvPr>
+            <p:ph type="sldImg"/>
+          </p:nvPr>
+        </p:nvSpPr>
+        <p:spPr>
+          <a:xfrm>
+            <a:off x="481013" y="1279525"/>
+            <a:ext cx="6140450" cy="3454400"/>
+          </a:xfrm>
+        </p:spPr>
+      </p:sp>
+      <p:sp>
+        <p:nvSpPr>
+          <p:cNvPr id="3" name="备注占位符 2"/>
+          <p:cNvSpPr>
+            <a:spLocks noGrp="1"/>
+          </p:cNvSpPr>
+          <p:nvPr>
+            <p:ph type="body" idx="1"/>
+          </p:nvPr>
+        </p:nvSpPr>
+        <p:spPr/>
+        <p:txBody>
+          <a:bodyPr/>
+          <a:lstStyle/>
+          <a:p>
+            <a:endParaRPr lang="zh-CN" altLang="en-US" dirty="0"/>
+          </a:p>
+        </p:txBody>
+      </p:sp>
+      <p:sp>
+        <p:nvSpPr>
+          <p:cNvPr id="4" name="灯片编号占位符 3"/>
+          <p:cNvSpPr>
+            <a:spLocks noGrp="1"/>
+          </p:cNvSpPr>
+          <p:nvPr>
+            <p:ph type="sldNum" sz="quarter" idx="10"/>
+          </p:nvPr>
+        </p:nvSpPr>
+        <p:spPr/>
+        <p:txBody>
+          <a:bodyPr/>
+          <a:lstStyle/>
+          <a:p>
+            <a:fld id="{B4032DF1-3372-4BE1-A4B8-29BB2EC88706}" type="slidenum">
+              <a:rPr lang="zh-CN" altLang="en-US" smtClean="0"/>
+              <a:t>14</a:t>
+            </a:fld>
+            <a:endParaRPr lang="zh-CN" altLang="en-US"/>
+          </a:p>
+        </p:txBody>
+      </p:sp>
+    </p:spTree>
+    <p:extLst>
+      <p:ext uri="{BB962C8B-B14F-4D97-AF65-F5344CB8AC3E}">
+        <p14:creationId xmlns:p14="http://schemas.microsoft.com/office/powerpoint/2010/main" val="3579289701"/>
+      </p:ext>
+    </p:extLst>
+  </p:cSld>
+  <p:clrMapOvr>
+    <a:masterClrMapping/>
+  </p:clrMapOvr>
+</p:notes>
+</file>
+
+<file path=ppt/notesSlides/notesSlide15.xml><?xml version="1.0" encoding="utf-8"?>
 <p:notes xmlns:a="http://schemas.openxmlformats.org/drawingml/2006/main" xmlns:r="http://schemas.openxmlformats.org/officeDocument/2006/relationships" xmlns:p="http://schemas.openxmlformats.org/presentationml/2006/main">
   <p:cSld>
     <p:spTree>
@@ -1224,6 +1325,1026 @@
           <a:p>
             <a:fld id="{B4032DF1-3372-4BE1-A4B8-29BB2EC88706}" type="slidenum">
               <a:rPr lang="zh-CN" altLang="en-US" smtClean="0"/>
+              <a:t>15</a:t>
+            </a:fld>
+            <a:endParaRPr lang="zh-CN" altLang="en-US"/>
+          </a:p>
+        </p:txBody>
+      </p:sp>
+    </p:spTree>
+    <p:extLst>
+      <p:ext uri="{BB962C8B-B14F-4D97-AF65-F5344CB8AC3E}">
+        <p14:creationId xmlns:p14="http://schemas.microsoft.com/office/powerpoint/2010/main" val="1954543330"/>
+      </p:ext>
+    </p:extLst>
+  </p:cSld>
+  <p:clrMapOvr>
+    <a:masterClrMapping/>
+  </p:clrMapOvr>
+</p:notes>
+</file>
+
+<file path=ppt/notesSlides/notesSlide16.xml><?xml version="1.0" encoding="utf-8"?>
+<p:notes xmlns:a="http://schemas.openxmlformats.org/drawingml/2006/main" xmlns:r="http://schemas.openxmlformats.org/officeDocument/2006/relationships" xmlns:p="http://schemas.openxmlformats.org/presentationml/2006/main">
+  <p:cSld>
+    <p:spTree>
+      <p:nvGrpSpPr>
+        <p:cNvPr id="1" name=""/>
+        <p:cNvGrpSpPr/>
+        <p:nvPr/>
+      </p:nvGrpSpPr>
+      <p:grpSpPr>
+        <a:xfrm>
+          <a:off x="0" y="0"/>
+          <a:ext cx="0" cy="0"/>
+          <a:chOff x="0" y="0"/>
+          <a:chExt cx="0" cy="0"/>
+        </a:xfrm>
+      </p:grpSpPr>
+      <p:sp>
+        <p:nvSpPr>
+          <p:cNvPr id="2" name="幻灯片图像占位符 1"/>
+          <p:cNvSpPr>
+            <a:spLocks noGrp="1" noRot="1" noChangeAspect="1"/>
+          </p:cNvSpPr>
+          <p:nvPr>
+            <p:ph type="sldImg"/>
+          </p:nvPr>
+        </p:nvSpPr>
+        <p:spPr>
+          <a:xfrm>
+            <a:off x="481013" y="1279525"/>
+            <a:ext cx="6140450" cy="3454400"/>
+          </a:xfrm>
+        </p:spPr>
+      </p:sp>
+      <p:sp>
+        <p:nvSpPr>
+          <p:cNvPr id="3" name="备注占位符 2"/>
+          <p:cNvSpPr>
+            <a:spLocks noGrp="1"/>
+          </p:cNvSpPr>
+          <p:nvPr>
+            <p:ph type="body" idx="1"/>
+          </p:nvPr>
+        </p:nvSpPr>
+        <p:spPr/>
+        <p:txBody>
+          <a:bodyPr/>
+          <a:lstStyle/>
+          <a:p>
+            <a:endParaRPr lang="zh-CN" altLang="en-US" dirty="0"/>
+          </a:p>
+        </p:txBody>
+      </p:sp>
+      <p:sp>
+        <p:nvSpPr>
+          <p:cNvPr id="4" name="灯片编号占位符 3"/>
+          <p:cNvSpPr>
+            <a:spLocks noGrp="1"/>
+          </p:cNvSpPr>
+          <p:nvPr>
+            <p:ph type="sldNum" sz="quarter" idx="10"/>
+          </p:nvPr>
+        </p:nvSpPr>
+        <p:spPr/>
+        <p:txBody>
+          <a:bodyPr/>
+          <a:lstStyle/>
+          <a:p>
+            <a:fld id="{B4032DF1-3372-4BE1-A4B8-29BB2EC88706}" type="slidenum">
+              <a:rPr lang="zh-CN" altLang="en-US" smtClean="0"/>
+              <a:t>16</a:t>
+            </a:fld>
+            <a:endParaRPr lang="zh-CN" altLang="en-US"/>
+          </a:p>
+        </p:txBody>
+      </p:sp>
+    </p:spTree>
+    <p:extLst>
+      <p:ext uri="{BB962C8B-B14F-4D97-AF65-F5344CB8AC3E}">
+        <p14:creationId xmlns:p14="http://schemas.microsoft.com/office/powerpoint/2010/main" val="1556773865"/>
+      </p:ext>
+    </p:extLst>
+  </p:cSld>
+  <p:clrMapOvr>
+    <a:masterClrMapping/>
+  </p:clrMapOvr>
+</p:notes>
+</file>
+
+<file path=ppt/notesSlides/notesSlide17.xml><?xml version="1.0" encoding="utf-8"?>
+<p:notes xmlns:a="http://schemas.openxmlformats.org/drawingml/2006/main" xmlns:r="http://schemas.openxmlformats.org/officeDocument/2006/relationships" xmlns:p="http://schemas.openxmlformats.org/presentationml/2006/main">
+  <p:cSld>
+    <p:spTree>
+      <p:nvGrpSpPr>
+        <p:cNvPr id="1" name=""/>
+        <p:cNvGrpSpPr/>
+        <p:nvPr/>
+      </p:nvGrpSpPr>
+      <p:grpSpPr>
+        <a:xfrm>
+          <a:off x="0" y="0"/>
+          <a:ext cx="0" cy="0"/>
+          <a:chOff x="0" y="0"/>
+          <a:chExt cx="0" cy="0"/>
+        </a:xfrm>
+      </p:grpSpPr>
+      <p:sp>
+        <p:nvSpPr>
+          <p:cNvPr id="2" name="幻灯片图像占位符 1"/>
+          <p:cNvSpPr>
+            <a:spLocks noGrp="1" noRot="1" noChangeAspect="1"/>
+          </p:cNvSpPr>
+          <p:nvPr>
+            <p:ph type="sldImg"/>
+          </p:nvPr>
+        </p:nvSpPr>
+        <p:spPr>
+          <a:xfrm>
+            <a:off x="481013" y="1279525"/>
+            <a:ext cx="6140450" cy="3454400"/>
+          </a:xfrm>
+        </p:spPr>
+      </p:sp>
+      <p:sp>
+        <p:nvSpPr>
+          <p:cNvPr id="3" name="备注占位符 2"/>
+          <p:cNvSpPr>
+            <a:spLocks noGrp="1"/>
+          </p:cNvSpPr>
+          <p:nvPr>
+            <p:ph type="body" idx="1"/>
+          </p:nvPr>
+        </p:nvSpPr>
+        <p:spPr/>
+        <p:txBody>
+          <a:bodyPr/>
+          <a:lstStyle/>
+          <a:p>
+            <a:endParaRPr lang="zh-CN" altLang="en-US"/>
+          </a:p>
+        </p:txBody>
+      </p:sp>
+      <p:sp>
+        <p:nvSpPr>
+          <p:cNvPr id="4" name="灯片编号占位符 3"/>
+          <p:cNvSpPr>
+            <a:spLocks noGrp="1"/>
+          </p:cNvSpPr>
+          <p:nvPr>
+            <p:ph type="sldNum" sz="quarter" idx="10"/>
+          </p:nvPr>
+        </p:nvSpPr>
+        <p:spPr/>
+        <p:txBody>
+          <a:bodyPr/>
+          <a:lstStyle/>
+          <a:p>
+            <a:fld id="{B4032DF1-3372-4BE1-A4B8-29BB2EC88706}" type="slidenum">
+              <a:rPr lang="zh-CN" altLang="en-US" smtClean="0"/>
+              <a:t>17</a:t>
+            </a:fld>
+            <a:endParaRPr lang="zh-CN" altLang="en-US"/>
+          </a:p>
+        </p:txBody>
+      </p:sp>
+    </p:spTree>
+    <p:extLst>
+      <p:ext uri="{BB962C8B-B14F-4D97-AF65-F5344CB8AC3E}">
+        <p14:creationId xmlns:p14="http://schemas.microsoft.com/office/powerpoint/2010/main" val="3565283895"/>
+      </p:ext>
+    </p:extLst>
+  </p:cSld>
+  <p:clrMapOvr>
+    <a:masterClrMapping/>
+  </p:clrMapOvr>
+</p:notes>
+</file>
+
+<file path=ppt/notesSlides/notesSlide2.xml><?xml version="1.0" encoding="utf-8"?>
+<p:notes xmlns:a="http://schemas.openxmlformats.org/drawingml/2006/main" xmlns:r="http://schemas.openxmlformats.org/officeDocument/2006/relationships" xmlns:p="http://schemas.openxmlformats.org/presentationml/2006/main">
+  <p:cSld>
+    <p:spTree>
+      <p:nvGrpSpPr>
+        <p:cNvPr id="1" name=""/>
+        <p:cNvGrpSpPr/>
+        <p:nvPr/>
+      </p:nvGrpSpPr>
+      <p:grpSpPr>
+        <a:xfrm>
+          <a:off x="0" y="0"/>
+          <a:ext cx="0" cy="0"/>
+          <a:chOff x="0" y="0"/>
+          <a:chExt cx="0" cy="0"/>
+        </a:xfrm>
+      </p:grpSpPr>
+      <p:sp>
+        <p:nvSpPr>
+          <p:cNvPr id="2" name="幻灯片图像占位符 1"/>
+          <p:cNvSpPr>
+            <a:spLocks noGrp="1" noRot="1" noChangeAspect="1"/>
+          </p:cNvSpPr>
+          <p:nvPr>
+            <p:ph type="sldImg"/>
+          </p:nvPr>
+        </p:nvSpPr>
+        <p:spPr>
+          <a:xfrm>
+            <a:off x="481013" y="1279525"/>
+            <a:ext cx="6140450" cy="3454400"/>
+          </a:xfrm>
+        </p:spPr>
+      </p:sp>
+      <p:sp>
+        <p:nvSpPr>
+          <p:cNvPr id="3" name="备注占位符 2"/>
+          <p:cNvSpPr>
+            <a:spLocks noGrp="1"/>
+          </p:cNvSpPr>
+          <p:nvPr>
+            <p:ph type="body" idx="1"/>
+          </p:nvPr>
+        </p:nvSpPr>
+        <p:spPr/>
+        <p:txBody>
+          <a:bodyPr/>
+          <a:lstStyle/>
+          <a:p>
+            <a:endParaRPr lang="zh-CN" altLang="en-US" dirty="0"/>
+          </a:p>
+        </p:txBody>
+      </p:sp>
+      <p:sp>
+        <p:nvSpPr>
+          <p:cNvPr id="4" name="灯片编号占位符 3"/>
+          <p:cNvSpPr>
+            <a:spLocks noGrp="1"/>
+          </p:cNvSpPr>
+          <p:nvPr>
+            <p:ph type="sldNum" sz="quarter" idx="10"/>
+          </p:nvPr>
+        </p:nvSpPr>
+        <p:spPr/>
+        <p:txBody>
+          <a:bodyPr/>
+          <a:lstStyle/>
+          <a:p>
+            <a:fld id="{B4032DF1-3372-4BE1-A4B8-29BB2EC88706}" type="slidenum">
+              <a:rPr lang="zh-CN" altLang="en-US" smtClean="0"/>
+              <a:t>2</a:t>
+            </a:fld>
+            <a:endParaRPr lang="zh-CN" altLang="en-US"/>
+          </a:p>
+        </p:txBody>
+      </p:sp>
+    </p:spTree>
+    <p:extLst>
+      <p:ext uri="{BB962C8B-B14F-4D97-AF65-F5344CB8AC3E}">
+        <p14:creationId xmlns:p14="http://schemas.microsoft.com/office/powerpoint/2010/main" val="957961577"/>
+      </p:ext>
+    </p:extLst>
+  </p:cSld>
+  <p:clrMapOvr>
+    <a:masterClrMapping/>
+  </p:clrMapOvr>
+</p:notes>
+</file>
+
+<file path=ppt/notesSlides/notesSlide3.xml><?xml version="1.0" encoding="utf-8"?>
+<p:notes xmlns:a="http://schemas.openxmlformats.org/drawingml/2006/main" xmlns:r="http://schemas.openxmlformats.org/officeDocument/2006/relationships" xmlns:p="http://schemas.openxmlformats.org/presentationml/2006/main">
+  <p:cSld>
+    <p:spTree>
+      <p:nvGrpSpPr>
+        <p:cNvPr id="1" name=""/>
+        <p:cNvGrpSpPr/>
+        <p:nvPr/>
+      </p:nvGrpSpPr>
+      <p:grpSpPr>
+        <a:xfrm>
+          <a:off x="0" y="0"/>
+          <a:ext cx="0" cy="0"/>
+          <a:chOff x="0" y="0"/>
+          <a:chExt cx="0" cy="0"/>
+        </a:xfrm>
+      </p:grpSpPr>
+      <p:sp>
+        <p:nvSpPr>
+          <p:cNvPr id="2" name="幻灯片图像占位符 1"/>
+          <p:cNvSpPr>
+            <a:spLocks noGrp="1" noRot="1" noChangeAspect="1"/>
+          </p:cNvSpPr>
+          <p:nvPr>
+            <p:ph type="sldImg"/>
+          </p:nvPr>
+        </p:nvSpPr>
+        <p:spPr>
+          <a:xfrm>
+            <a:off x="481013" y="1279525"/>
+            <a:ext cx="6140450" cy="3454400"/>
+          </a:xfrm>
+        </p:spPr>
+      </p:sp>
+      <p:sp>
+        <p:nvSpPr>
+          <p:cNvPr id="3" name="备注占位符 2"/>
+          <p:cNvSpPr>
+            <a:spLocks noGrp="1"/>
+          </p:cNvSpPr>
+          <p:nvPr>
+            <p:ph type="body" idx="1"/>
+          </p:nvPr>
+        </p:nvSpPr>
+        <p:spPr/>
+        <p:txBody>
+          <a:bodyPr/>
+          <a:lstStyle/>
+          <a:p>
+            <a:r>
+              <a:rPr lang="zh-CN" altLang="en-US" sz="1200" b="0" i="0" kern="1200" dirty="0" smtClean="0">
+                <a:solidFill>
+                  <a:schemeClr val="tx1"/>
+                </a:solidFill>
+                <a:effectLst/>
+                <a:latin typeface="+mn-lt"/>
+                <a:ea typeface="+mn-ea"/>
+                <a:cs typeface="+mn-cs"/>
+              </a:rPr>
+              <a:t>数据中台：消灭这些跨部门的小数仓，实现数据的复用，所以强调数据只加工一次，不会因为不同的应用场景，不同的部门数据重复加工。</a:t>
+            </a:r>
+            <a:endParaRPr lang="en-US" altLang="zh-CN" sz="1200" b="0" i="0" kern="1200" dirty="0" smtClean="0">
+              <a:solidFill>
+                <a:schemeClr val="tx1"/>
+              </a:solidFill>
+              <a:effectLst/>
+              <a:latin typeface="+mn-lt"/>
+              <a:ea typeface="+mn-ea"/>
+              <a:cs typeface="+mn-cs"/>
+            </a:endParaRPr>
+          </a:p>
+          <a:p>
+            <a:endParaRPr lang="en-US" altLang="zh-CN" sz="1200" b="0" i="0" kern="1200" dirty="0" smtClean="0">
+              <a:solidFill>
+                <a:schemeClr val="tx1"/>
+              </a:solidFill>
+              <a:effectLst/>
+              <a:latin typeface="+mn-lt"/>
+              <a:ea typeface="+mn-ea"/>
+              <a:cs typeface="+mn-cs"/>
+            </a:endParaRPr>
+          </a:p>
+          <a:p>
+            <a:r>
+              <a:rPr lang="zh-CN" altLang="en-US" sz="1200" b="0" i="0" kern="1200" dirty="0" smtClean="0">
+                <a:solidFill>
+                  <a:schemeClr val="tx1"/>
+                </a:solidFill>
+                <a:effectLst/>
+                <a:latin typeface="+mn-lt"/>
+                <a:ea typeface="+mn-ea"/>
+                <a:cs typeface="+mn-cs"/>
+              </a:rPr>
+              <a:t>分主题域管理：存在几万张表，怎么管理。好的主题域划分，是相对稳定，尽可能地覆盖绝大多数的表。并尽可能覆盖所有业务过程。</a:t>
+            </a:r>
+            <a:r>
+              <a:rPr lang="en-US" altLang="zh-CN" sz="1200" b="0" i="0" kern="1200" dirty="0" smtClean="0">
+                <a:solidFill>
+                  <a:schemeClr val="tx1"/>
+                </a:solidFill>
+                <a:effectLst/>
+                <a:latin typeface="+mn-lt"/>
+                <a:ea typeface="+mn-ea"/>
+                <a:cs typeface="+mn-cs"/>
+              </a:rPr>
+              <a:t>[</a:t>
+            </a:r>
+            <a:r>
+              <a:rPr lang="zh-CN" altLang="en-US" sz="1200" b="0" i="0" kern="1200" dirty="0" smtClean="0">
+                <a:solidFill>
+                  <a:schemeClr val="tx1"/>
+                </a:solidFill>
+                <a:effectLst/>
+                <a:latin typeface="+mn-lt"/>
+                <a:ea typeface="+mn-ea"/>
+                <a:cs typeface="+mn-cs"/>
+              </a:rPr>
+              <a:t>总线矩阵</a:t>
+            </a:r>
+            <a:r>
+              <a:rPr lang="en-US" altLang="zh-CN" sz="1200" b="0" i="0" kern="1200" dirty="0" smtClean="0">
+                <a:solidFill>
+                  <a:schemeClr val="tx1"/>
+                </a:solidFill>
+                <a:effectLst/>
+                <a:latin typeface="+mn-lt"/>
+                <a:ea typeface="+mn-ea"/>
+                <a:cs typeface="+mn-cs"/>
+              </a:rPr>
+              <a:t>]</a:t>
+            </a:r>
+          </a:p>
+          <a:p>
+            <a:endParaRPr lang="en-US" altLang="zh-CN" sz="1200" b="0" i="0" kern="1200" dirty="0" smtClean="0">
+              <a:solidFill>
+                <a:schemeClr val="tx1"/>
+              </a:solidFill>
+              <a:effectLst/>
+              <a:latin typeface="+mn-lt"/>
+              <a:ea typeface="+mn-ea"/>
+              <a:cs typeface="+mn-cs"/>
+            </a:endParaRPr>
+          </a:p>
+          <a:p>
+            <a:endParaRPr lang="en-US" altLang="zh-CN" sz="1200" b="0" i="0" kern="1200" dirty="0" smtClean="0">
+              <a:solidFill>
+                <a:schemeClr val="tx1"/>
+              </a:solidFill>
+              <a:effectLst/>
+              <a:latin typeface="+mn-lt"/>
+              <a:ea typeface="+mn-ea"/>
+              <a:cs typeface="+mn-cs"/>
+            </a:endParaRPr>
+          </a:p>
+          <a:p>
+            <a:r>
+              <a:rPr lang="en-US" altLang="zh-CN" sz="1200" b="0" i="0" kern="1200" dirty="0" err="1" smtClean="0">
+                <a:solidFill>
+                  <a:schemeClr val="tx1"/>
+                </a:solidFill>
+                <a:effectLst/>
+                <a:latin typeface="+mn-lt"/>
+                <a:ea typeface="+mn-ea"/>
+                <a:cs typeface="+mn-cs"/>
+              </a:rPr>
+              <a:t>OneService</a:t>
+            </a:r>
+            <a:r>
+              <a:rPr lang="en-US" altLang="zh-CN" sz="1200" b="0" i="0" kern="1200" dirty="0" smtClean="0">
+                <a:solidFill>
+                  <a:schemeClr val="tx1"/>
+                </a:solidFill>
+                <a:effectLst/>
+                <a:latin typeface="+mn-lt"/>
+                <a:ea typeface="+mn-ea"/>
+                <a:cs typeface="+mn-cs"/>
+              </a:rPr>
+              <a:t> </a:t>
+            </a:r>
+            <a:r>
+              <a:rPr lang="zh-CN" altLang="en-US" sz="1200" b="0" i="0" kern="1200" dirty="0" smtClean="0">
+                <a:solidFill>
+                  <a:schemeClr val="tx1"/>
+                </a:solidFill>
+                <a:effectLst/>
+                <a:latin typeface="+mn-lt"/>
+                <a:ea typeface="+mn-ea"/>
+                <a:cs typeface="+mn-cs"/>
+              </a:rPr>
+              <a:t>体系的目标是提高数据的共享能力，让数据可以被用得好，用得爽。</a:t>
+            </a:r>
+            <a:endParaRPr lang="en-US" altLang="zh-CN" sz="1200" b="0" i="0" kern="1200" dirty="0" smtClean="0">
+              <a:solidFill>
+                <a:schemeClr val="tx1"/>
+              </a:solidFill>
+              <a:effectLst/>
+              <a:latin typeface="+mn-lt"/>
+              <a:ea typeface="+mn-ea"/>
+              <a:cs typeface="+mn-cs"/>
+            </a:endParaRPr>
+          </a:p>
+          <a:p>
+            <a:r>
+              <a:rPr lang="zh-CN" altLang="en-US" sz="1200" b="0" i="0" kern="1200" dirty="0" smtClean="0">
+                <a:solidFill>
+                  <a:schemeClr val="tx1"/>
+                </a:solidFill>
+                <a:effectLst/>
+                <a:latin typeface="+mn-lt"/>
+                <a:ea typeface="+mn-ea"/>
+                <a:cs typeface="+mn-cs"/>
+              </a:rPr>
+              <a:t>问题：</a:t>
+            </a:r>
+            <a:r>
+              <a:rPr lang="en-US" altLang="zh-CN" sz="1200" b="0" i="0" kern="1200" dirty="0" smtClean="0">
+                <a:solidFill>
+                  <a:schemeClr val="tx1"/>
+                </a:solidFill>
+                <a:effectLst/>
+                <a:latin typeface="+mn-lt"/>
+                <a:ea typeface="+mn-ea"/>
+                <a:cs typeface="+mn-cs"/>
+              </a:rPr>
+              <a:t>1.</a:t>
+            </a:r>
+            <a:r>
+              <a:rPr lang="zh-CN" altLang="en-US" sz="1200" b="0" i="0" kern="1200" dirty="0" smtClean="0">
+                <a:solidFill>
+                  <a:schemeClr val="tx1"/>
+                </a:solidFill>
+                <a:effectLst/>
+                <a:latin typeface="+mn-lt"/>
+                <a:ea typeface="+mn-ea"/>
+                <a:cs typeface="+mn-cs"/>
+              </a:rPr>
+              <a:t>“上线容易，下线难”的窘境 </a:t>
+            </a:r>
+            <a:r>
+              <a:rPr lang="en-US" altLang="zh-CN" sz="1200" b="0" i="0" kern="1200" dirty="0" smtClean="0">
+                <a:solidFill>
+                  <a:schemeClr val="tx1"/>
+                </a:solidFill>
+                <a:effectLst/>
+                <a:latin typeface="+mn-lt"/>
+                <a:ea typeface="+mn-ea"/>
+                <a:cs typeface="+mn-cs"/>
+              </a:rPr>
+              <a:t>2.</a:t>
+            </a:r>
+            <a:r>
+              <a:rPr lang="zh-CN" altLang="en-US" sz="1200" b="0" i="0" kern="1200" dirty="0" smtClean="0">
+                <a:solidFill>
+                  <a:schemeClr val="tx1"/>
+                </a:solidFill>
+                <a:effectLst/>
+                <a:latin typeface="+mn-lt"/>
+                <a:ea typeface="+mn-ea"/>
+                <a:cs typeface="+mn-cs"/>
+              </a:rPr>
+              <a:t>不同的查询引擎，应用开发需要定制不同的访问接口</a:t>
+            </a:r>
+            <a:endParaRPr lang="en-US" altLang="zh-CN" sz="1200" b="0" i="0" kern="1200" dirty="0" smtClean="0">
+              <a:solidFill>
+                <a:schemeClr val="tx1"/>
+              </a:solidFill>
+              <a:effectLst/>
+              <a:latin typeface="+mn-lt"/>
+              <a:ea typeface="+mn-ea"/>
+              <a:cs typeface="+mn-cs"/>
+            </a:endParaRPr>
+          </a:p>
+          <a:p>
+            <a:endParaRPr lang="en-US" altLang="zh-CN" sz="1200" b="0" i="0" kern="1200" dirty="0" smtClean="0">
+              <a:solidFill>
+                <a:schemeClr val="tx1"/>
+              </a:solidFill>
+              <a:effectLst/>
+              <a:latin typeface="+mn-lt"/>
+              <a:ea typeface="+mn-ea"/>
+              <a:cs typeface="+mn-cs"/>
+            </a:endParaRPr>
+          </a:p>
+          <a:p>
+            <a:r>
+              <a:rPr lang="zh-CN" altLang="en-US" sz="1200" b="0" i="0" kern="1200" dirty="0" smtClean="0">
+                <a:solidFill>
+                  <a:schemeClr val="tx1"/>
+                </a:solidFill>
+                <a:effectLst/>
+                <a:latin typeface="+mn-lt"/>
+                <a:ea typeface="+mn-ea"/>
+                <a:cs typeface="+mn-cs"/>
+              </a:rPr>
+              <a:t>好处：</a:t>
+            </a:r>
+            <a:r>
+              <a:rPr lang="en-US" altLang="zh-CN" sz="1200" b="0" i="0" kern="1200" dirty="0" smtClean="0">
+                <a:solidFill>
+                  <a:schemeClr val="tx1"/>
+                </a:solidFill>
+                <a:effectLst/>
+                <a:latin typeface="+mn-lt"/>
+                <a:ea typeface="+mn-ea"/>
+                <a:cs typeface="+mn-cs"/>
+              </a:rPr>
+              <a:t>API </a:t>
+            </a:r>
+            <a:r>
+              <a:rPr lang="zh-CN" altLang="en-US" sz="1200" b="0" i="0" kern="1200" dirty="0" smtClean="0">
+                <a:solidFill>
+                  <a:schemeClr val="tx1"/>
+                </a:solidFill>
+                <a:effectLst/>
+                <a:latin typeface="+mn-lt"/>
+                <a:ea typeface="+mn-ea"/>
+                <a:cs typeface="+mn-cs"/>
+              </a:rPr>
+              <a:t>接口一方面对应用开发屏蔽了底层数据存储，使用统一标准的 </a:t>
+            </a:r>
+            <a:r>
+              <a:rPr lang="en-US" altLang="zh-CN" sz="1200" b="0" i="0" kern="1200" dirty="0" smtClean="0">
+                <a:solidFill>
+                  <a:schemeClr val="tx1"/>
+                </a:solidFill>
+                <a:effectLst/>
+                <a:latin typeface="+mn-lt"/>
+                <a:ea typeface="+mn-ea"/>
+                <a:cs typeface="+mn-cs"/>
+              </a:rPr>
+              <a:t>API </a:t>
+            </a:r>
+            <a:r>
+              <a:rPr lang="zh-CN" altLang="en-US" sz="1200" b="0" i="0" kern="1200" dirty="0" smtClean="0">
+                <a:solidFill>
+                  <a:schemeClr val="tx1"/>
+                </a:solidFill>
+                <a:effectLst/>
+                <a:latin typeface="+mn-lt"/>
+                <a:ea typeface="+mn-ea"/>
+                <a:cs typeface="+mn-cs"/>
+              </a:rPr>
+              <a:t>接口查询数据，提高了数据接入的速度。另一方面，对于数据开发，提高了数据应用的管理效率，建立了表到应用的链路关系</a:t>
+            </a:r>
+            <a:endParaRPr lang="en-US" altLang="zh-CN" sz="1200" b="0" i="0" kern="1200" dirty="0" smtClean="0">
+              <a:solidFill>
+                <a:schemeClr val="tx1"/>
+              </a:solidFill>
+              <a:effectLst/>
+              <a:latin typeface="+mn-lt"/>
+              <a:ea typeface="+mn-ea"/>
+              <a:cs typeface="+mn-cs"/>
+            </a:endParaRPr>
+          </a:p>
+          <a:p>
+            <a:endParaRPr lang="en-US" altLang="zh-CN" sz="1200" b="0" i="0" kern="1200" dirty="0" smtClean="0">
+              <a:solidFill>
+                <a:schemeClr val="tx1"/>
+              </a:solidFill>
+              <a:effectLst/>
+              <a:latin typeface="+mn-lt"/>
+              <a:ea typeface="+mn-ea"/>
+              <a:cs typeface="+mn-cs"/>
+            </a:endParaRPr>
+          </a:p>
+          <a:p>
+            <a:endParaRPr lang="zh-CN" altLang="en-US" dirty="0"/>
+          </a:p>
+        </p:txBody>
+      </p:sp>
+      <p:sp>
+        <p:nvSpPr>
+          <p:cNvPr id="4" name="灯片编号占位符 3"/>
+          <p:cNvSpPr>
+            <a:spLocks noGrp="1"/>
+          </p:cNvSpPr>
+          <p:nvPr>
+            <p:ph type="sldNum" sz="quarter" idx="10"/>
+          </p:nvPr>
+        </p:nvSpPr>
+        <p:spPr/>
+        <p:txBody>
+          <a:bodyPr/>
+          <a:lstStyle/>
+          <a:p>
+            <a:fld id="{B4032DF1-3372-4BE1-A4B8-29BB2EC88706}" type="slidenum">
+              <a:rPr lang="zh-CN" altLang="en-US" smtClean="0"/>
+              <a:t>3</a:t>
+            </a:fld>
+            <a:endParaRPr lang="zh-CN" altLang="en-US"/>
+          </a:p>
+        </p:txBody>
+      </p:sp>
+    </p:spTree>
+    <p:extLst>
+      <p:ext uri="{BB962C8B-B14F-4D97-AF65-F5344CB8AC3E}">
+        <p14:creationId xmlns:p14="http://schemas.microsoft.com/office/powerpoint/2010/main" val="2214148668"/>
+      </p:ext>
+    </p:extLst>
+  </p:cSld>
+  <p:clrMapOvr>
+    <a:masterClrMapping/>
+  </p:clrMapOvr>
+</p:notes>
+</file>
+
+<file path=ppt/notesSlides/notesSlide4.xml><?xml version="1.0" encoding="utf-8"?>
+<p:notes xmlns:a="http://schemas.openxmlformats.org/drawingml/2006/main" xmlns:r="http://schemas.openxmlformats.org/officeDocument/2006/relationships" xmlns:p="http://schemas.openxmlformats.org/presentationml/2006/main">
+  <p:cSld>
+    <p:spTree>
+      <p:nvGrpSpPr>
+        <p:cNvPr id="1" name=""/>
+        <p:cNvGrpSpPr/>
+        <p:nvPr/>
+      </p:nvGrpSpPr>
+      <p:grpSpPr>
+        <a:xfrm>
+          <a:off x="0" y="0"/>
+          <a:ext cx="0" cy="0"/>
+          <a:chOff x="0" y="0"/>
+          <a:chExt cx="0" cy="0"/>
+        </a:xfrm>
+      </p:grpSpPr>
+      <p:sp>
+        <p:nvSpPr>
+          <p:cNvPr id="2" name="幻灯片图像占位符 1"/>
+          <p:cNvSpPr>
+            <a:spLocks noGrp="1" noRot="1" noChangeAspect="1"/>
+          </p:cNvSpPr>
+          <p:nvPr>
+            <p:ph type="sldImg"/>
+          </p:nvPr>
+        </p:nvSpPr>
+        <p:spPr>
+          <a:xfrm>
+            <a:off x="481013" y="1279525"/>
+            <a:ext cx="6140450" cy="3454400"/>
+          </a:xfrm>
+        </p:spPr>
+      </p:sp>
+      <p:sp>
+        <p:nvSpPr>
+          <p:cNvPr id="3" name="备注占位符 2"/>
+          <p:cNvSpPr>
+            <a:spLocks noGrp="1"/>
+          </p:cNvSpPr>
+          <p:nvPr>
+            <p:ph type="body" idx="1"/>
+          </p:nvPr>
+        </p:nvSpPr>
+        <p:spPr/>
+        <p:txBody>
+          <a:bodyPr/>
+          <a:lstStyle/>
+          <a:p>
+            <a:endParaRPr lang="zh-CN" altLang="en-US" dirty="0"/>
+          </a:p>
+        </p:txBody>
+      </p:sp>
+      <p:sp>
+        <p:nvSpPr>
+          <p:cNvPr id="4" name="灯片编号占位符 3"/>
+          <p:cNvSpPr>
+            <a:spLocks noGrp="1"/>
+          </p:cNvSpPr>
+          <p:nvPr>
+            <p:ph type="sldNum" sz="quarter" idx="10"/>
+          </p:nvPr>
+        </p:nvSpPr>
+        <p:spPr/>
+        <p:txBody>
+          <a:bodyPr/>
+          <a:lstStyle/>
+          <a:p>
+            <a:fld id="{B4032DF1-3372-4BE1-A4B8-29BB2EC88706}" type="slidenum">
+              <a:rPr lang="zh-CN" altLang="en-US" smtClean="0"/>
+              <a:t>4</a:t>
+            </a:fld>
+            <a:endParaRPr lang="zh-CN" altLang="en-US"/>
+          </a:p>
+        </p:txBody>
+      </p:sp>
+    </p:spTree>
+    <p:extLst>
+      <p:ext uri="{BB962C8B-B14F-4D97-AF65-F5344CB8AC3E}">
+        <p14:creationId xmlns:p14="http://schemas.microsoft.com/office/powerpoint/2010/main" val="2319888686"/>
+      </p:ext>
+    </p:extLst>
+  </p:cSld>
+  <p:clrMapOvr>
+    <a:masterClrMapping/>
+  </p:clrMapOvr>
+</p:notes>
+</file>
+
+<file path=ppt/notesSlides/notesSlide5.xml><?xml version="1.0" encoding="utf-8"?>
+<p:notes xmlns:a="http://schemas.openxmlformats.org/drawingml/2006/main" xmlns:r="http://schemas.openxmlformats.org/officeDocument/2006/relationships" xmlns:p="http://schemas.openxmlformats.org/presentationml/2006/main">
+  <p:cSld>
+    <p:spTree>
+      <p:nvGrpSpPr>
+        <p:cNvPr id="1" name=""/>
+        <p:cNvGrpSpPr/>
+        <p:nvPr/>
+      </p:nvGrpSpPr>
+      <p:grpSpPr>
+        <a:xfrm>
+          <a:off x="0" y="0"/>
+          <a:ext cx="0" cy="0"/>
+          <a:chOff x="0" y="0"/>
+          <a:chExt cx="0" cy="0"/>
+        </a:xfrm>
+      </p:grpSpPr>
+      <p:sp>
+        <p:nvSpPr>
+          <p:cNvPr id="2" name="幻灯片图像占位符 1"/>
+          <p:cNvSpPr>
+            <a:spLocks noGrp="1" noRot="1" noChangeAspect="1"/>
+          </p:cNvSpPr>
+          <p:nvPr>
+            <p:ph type="sldImg"/>
+          </p:nvPr>
+        </p:nvSpPr>
+        <p:spPr>
+          <a:xfrm>
+            <a:off x="481013" y="1279525"/>
+            <a:ext cx="6140450" cy="3454400"/>
+          </a:xfrm>
+        </p:spPr>
+      </p:sp>
+      <p:sp>
+        <p:nvSpPr>
+          <p:cNvPr id="3" name="备注占位符 2"/>
+          <p:cNvSpPr>
+            <a:spLocks noGrp="1"/>
+          </p:cNvSpPr>
+          <p:nvPr>
+            <p:ph type="body" idx="1"/>
+          </p:nvPr>
+        </p:nvSpPr>
+        <p:spPr/>
+        <p:txBody>
+          <a:bodyPr/>
+          <a:lstStyle/>
+          <a:p>
+            <a:endParaRPr lang="zh-CN" altLang="en-US" dirty="0"/>
+          </a:p>
+        </p:txBody>
+      </p:sp>
+      <p:sp>
+        <p:nvSpPr>
+          <p:cNvPr id="4" name="灯片编号占位符 3"/>
+          <p:cNvSpPr>
+            <a:spLocks noGrp="1"/>
+          </p:cNvSpPr>
+          <p:nvPr>
+            <p:ph type="sldNum" sz="quarter" idx="10"/>
+          </p:nvPr>
+        </p:nvSpPr>
+        <p:spPr/>
+        <p:txBody>
+          <a:bodyPr/>
+          <a:lstStyle/>
+          <a:p>
+            <a:fld id="{B4032DF1-3372-4BE1-A4B8-29BB2EC88706}" type="slidenum">
+              <a:rPr lang="zh-CN" altLang="en-US" smtClean="0"/>
+              <a:t>5</a:t>
+            </a:fld>
+            <a:endParaRPr lang="zh-CN" altLang="en-US"/>
+          </a:p>
+        </p:txBody>
+      </p:sp>
+    </p:spTree>
+    <p:extLst>
+      <p:ext uri="{BB962C8B-B14F-4D97-AF65-F5344CB8AC3E}">
+        <p14:creationId xmlns:p14="http://schemas.microsoft.com/office/powerpoint/2010/main" val="2069944013"/>
+      </p:ext>
+    </p:extLst>
+  </p:cSld>
+  <p:clrMapOvr>
+    <a:masterClrMapping/>
+  </p:clrMapOvr>
+</p:notes>
+</file>
+
+<file path=ppt/notesSlides/notesSlide6.xml><?xml version="1.0" encoding="utf-8"?>
+<p:notes xmlns:a="http://schemas.openxmlformats.org/drawingml/2006/main" xmlns:r="http://schemas.openxmlformats.org/officeDocument/2006/relationships" xmlns:p="http://schemas.openxmlformats.org/presentationml/2006/main">
+  <p:cSld>
+    <p:spTree>
+      <p:nvGrpSpPr>
+        <p:cNvPr id="1" name=""/>
+        <p:cNvGrpSpPr/>
+        <p:nvPr/>
+      </p:nvGrpSpPr>
+      <p:grpSpPr>
+        <a:xfrm>
+          <a:off x="0" y="0"/>
+          <a:ext cx="0" cy="0"/>
+          <a:chOff x="0" y="0"/>
+          <a:chExt cx="0" cy="0"/>
+        </a:xfrm>
+      </p:grpSpPr>
+      <p:sp>
+        <p:nvSpPr>
+          <p:cNvPr id="2" name="幻灯片图像占位符 1"/>
+          <p:cNvSpPr>
+            <a:spLocks noGrp="1" noRot="1" noChangeAspect="1"/>
+          </p:cNvSpPr>
+          <p:nvPr>
+            <p:ph type="sldImg"/>
+          </p:nvPr>
+        </p:nvSpPr>
+        <p:spPr>
+          <a:xfrm>
+            <a:off x="481013" y="1279525"/>
+            <a:ext cx="6140450" cy="3454400"/>
+          </a:xfrm>
+        </p:spPr>
+      </p:sp>
+      <p:sp>
+        <p:nvSpPr>
+          <p:cNvPr id="3" name="备注占位符 2"/>
+          <p:cNvSpPr>
+            <a:spLocks noGrp="1"/>
+          </p:cNvSpPr>
+          <p:nvPr>
+            <p:ph type="body" idx="1"/>
+          </p:nvPr>
+        </p:nvSpPr>
+        <p:spPr/>
+        <p:txBody>
+          <a:bodyPr/>
+          <a:lstStyle/>
+          <a:p>
+            <a:r>
+              <a:rPr lang="zh-CN" altLang="en-US" sz="1200" b="0" i="0" kern="1200" dirty="0" smtClean="0">
+                <a:solidFill>
+                  <a:schemeClr val="tx1"/>
+                </a:solidFill>
+                <a:effectLst/>
+                <a:latin typeface="+mn-lt"/>
+                <a:ea typeface="+mn-ea"/>
+                <a:cs typeface="+mn-cs"/>
+              </a:rPr>
+              <a:t>适合数据中台的组织架构是建设数据中台的第一步，数据中台组织一定是独立的部门，同时要避免与业务脱节，深入业务，要与业务目标绑定。</a:t>
+            </a:r>
+            <a:endParaRPr lang="en-US" altLang="zh-CN" sz="1200" b="0" i="0" kern="1200" dirty="0" smtClean="0">
+              <a:solidFill>
+                <a:schemeClr val="tx1"/>
+              </a:solidFill>
+              <a:effectLst/>
+              <a:latin typeface="+mn-lt"/>
+              <a:ea typeface="+mn-ea"/>
+              <a:cs typeface="+mn-cs"/>
+            </a:endParaRPr>
+          </a:p>
+          <a:p>
+            <a:endParaRPr lang="en-US" altLang="zh-CN" sz="1200" b="0" i="0" kern="1200" dirty="0" smtClean="0">
+              <a:solidFill>
+                <a:schemeClr val="tx1"/>
+              </a:solidFill>
+              <a:effectLst/>
+              <a:latin typeface="+mn-lt"/>
+              <a:ea typeface="+mn-ea"/>
+              <a:cs typeface="+mn-cs"/>
+            </a:endParaRPr>
+          </a:p>
+          <a:p>
+            <a:r>
+              <a:rPr lang="zh-CN" altLang="en-US" sz="1200" b="0" i="0" kern="1200" dirty="0" smtClean="0">
+                <a:solidFill>
+                  <a:schemeClr val="tx1"/>
+                </a:solidFill>
+                <a:effectLst/>
+                <a:latin typeface="+mn-lt"/>
+                <a:ea typeface="+mn-ea"/>
+                <a:cs typeface="+mn-cs"/>
+              </a:rPr>
+              <a:t>数据中台支撑技术大规模落地，需要有成熟的系统工具作为支撑，同时要注意这些系统工具之间的联动和打通。</a:t>
+            </a:r>
+            <a:endParaRPr lang="en-US" altLang="zh-CN" sz="1200" b="0" i="0" kern="1200" dirty="0" smtClean="0">
+              <a:solidFill>
+                <a:schemeClr val="tx1"/>
+              </a:solidFill>
+              <a:effectLst/>
+              <a:latin typeface="+mn-lt"/>
+              <a:ea typeface="+mn-ea"/>
+              <a:cs typeface="+mn-cs"/>
+            </a:endParaRPr>
+          </a:p>
+          <a:p>
+            <a:endParaRPr lang="en-US" altLang="zh-CN" sz="1200" b="0" i="0" kern="1200" dirty="0" smtClean="0">
+              <a:solidFill>
+                <a:schemeClr val="tx1"/>
+              </a:solidFill>
+              <a:effectLst/>
+              <a:latin typeface="+mn-lt"/>
+              <a:ea typeface="+mn-ea"/>
+              <a:cs typeface="+mn-cs"/>
+            </a:endParaRPr>
+          </a:p>
+          <a:p>
+            <a:r>
+              <a:rPr lang="zh-CN" altLang="en-US" sz="1200" b="0" i="0" kern="1200" dirty="0" smtClean="0">
+                <a:solidFill>
+                  <a:schemeClr val="tx1"/>
+                </a:solidFill>
+                <a:effectLst/>
+                <a:latin typeface="+mn-lt"/>
+                <a:ea typeface="+mn-ea"/>
+                <a:cs typeface="+mn-cs"/>
+              </a:rPr>
+              <a:t>数据中台的方法论可以借鉴，但是不能完全照搬，每个公司的数据应用水平和当前遇到的问题都不相同，可以针对这些问题，分阶段制定数据中台的建设计划，选择性的应用一些技术，例如当前最主要的问题是数据质量问题，那就应该优先落地数据质量中心，提升质量。</a:t>
+            </a:r>
+            <a:endParaRPr lang="zh-CN" altLang="en-US" dirty="0"/>
+          </a:p>
+        </p:txBody>
+      </p:sp>
+      <p:sp>
+        <p:nvSpPr>
+          <p:cNvPr id="4" name="灯片编号占位符 3"/>
+          <p:cNvSpPr>
+            <a:spLocks noGrp="1"/>
+          </p:cNvSpPr>
+          <p:nvPr>
+            <p:ph type="sldNum" sz="quarter" idx="10"/>
+          </p:nvPr>
+        </p:nvSpPr>
+        <p:spPr/>
+        <p:txBody>
+          <a:bodyPr/>
+          <a:lstStyle/>
+          <a:p>
+            <a:fld id="{B4032DF1-3372-4BE1-A4B8-29BB2EC88706}" type="slidenum">
+              <a:rPr lang="zh-CN" altLang="en-US" smtClean="0"/>
               <a:t>6</a:t>
             </a:fld>
             <a:endParaRPr lang="zh-CN" altLang="en-US"/>
@@ -1233,7 +2354,7 @@
     </p:spTree>
     <p:extLst>
       <p:ext uri="{BB962C8B-B14F-4D97-AF65-F5344CB8AC3E}">
-        <p14:creationId xmlns:p14="http://schemas.microsoft.com/office/powerpoint/2010/main" val="1954543330"/>
+        <p14:creationId xmlns:p14="http://schemas.microsoft.com/office/powerpoint/2010/main" val="705699172"/>
       </p:ext>
     </p:extLst>
   </p:cSld>
@@ -1322,7 +2443,7 @@
     </p:spTree>
     <p:extLst>
       <p:ext uri="{BB962C8B-B14F-4D97-AF65-F5344CB8AC3E}">
-        <p14:creationId xmlns:p14="http://schemas.microsoft.com/office/powerpoint/2010/main" val="1556773865"/>
+        <p14:creationId xmlns:p14="http://schemas.microsoft.com/office/powerpoint/2010/main" val="2118643493"/>
       </p:ext>
     </p:extLst>
   </p:cSld>
@@ -1381,7 +2502,7 @@
           <a:bodyPr/>
           <a:lstStyle/>
           <a:p>
-            <a:endParaRPr lang="zh-CN" altLang="en-US"/>
+            <a:endParaRPr lang="zh-CN" altLang="en-US" dirty="0"/>
           </a:p>
         </p:txBody>
       </p:sp>
@@ -1411,7 +2532,96 @@
     </p:spTree>
     <p:extLst>
       <p:ext uri="{BB962C8B-B14F-4D97-AF65-F5344CB8AC3E}">
-        <p14:creationId xmlns:p14="http://schemas.microsoft.com/office/powerpoint/2010/main" val="3565283895"/>
+        <p14:creationId xmlns:p14="http://schemas.microsoft.com/office/powerpoint/2010/main" val="3199345018"/>
+      </p:ext>
+    </p:extLst>
+  </p:cSld>
+  <p:clrMapOvr>
+    <a:masterClrMapping/>
+  </p:clrMapOvr>
+</p:notes>
+</file>
+
+<file path=ppt/notesSlides/notesSlide9.xml><?xml version="1.0" encoding="utf-8"?>
+<p:notes xmlns:a="http://schemas.openxmlformats.org/drawingml/2006/main" xmlns:r="http://schemas.openxmlformats.org/officeDocument/2006/relationships" xmlns:p="http://schemas.openxmlformats.org/presentationml/2006/main">
+  <p:cSld>
+    <p:spTree>
+      <p:nvGrpSpPr>
+        <p:cNvPr id="1" name=""/>
+        <p:cNvGrpSpPr/>
+        <p:nvPr/>
+      </p:nvGrpSpPr>
+      <p:grpSpPr>
+        <a:xfrm>
+          <a:off x="0" y="0"/>
+          <a:ext cx="0" cy="0"/>
+          <a:chOff x="0" y="0"/>
+          <a:chExt cx="0" cy="0"/>
+        </a:xfrm>
+      </p:grpSpPr>
+      <p:sp>
+        <p:nvSpPr>
+          <p:cNvPr id="2" name="幻灯片图像占位符 1"/>
+          <p:cNvSpPr>
+            <a:spLocks noGrp="1" noRot="1" noChangeAspect="1"/>
+          </p:cNvSpPr>
+          <p:nvPr>
+            <p:ph type="sldImg"/>
+          </p:nvPr>
+        </p:nvSpPr>
+        <p:spPr>
+          <a:xfrm>
+            <a:off x="481013" y="1279525"/>
+            <a:ext cx="6140450" cy="3454400"/>
+          </a:xfrm>
+        </p:spPr>
+      </p:sp>
+      <p:sp>
+        <p:nvSpPr>
+          <p:cNvPr id="3" name="备注占位符 2"/>
+          <p:cNvSpPr>
+            <a:spLocks noGrp="1"/>
+          </p:cNvSpPr>
+          <p:nvPr>
+            <p:ph type="body" idx="1"/>
+          </p:nvPr>
+        </p:nvSpPr>
+        <p:spPr/>
+        <p:txBody>
+          <a:bodyPr/>
+          <a:lstStyle/>
+          <a:p>
+            <a:endParaRPr lang="zh-CN" altLang="en-US" dirty="0"/>
+          </a:p>
+        </p:txBody>
+      </p:sp>
+      <p:sp>
+        <p:nvSpPr>
+          <p:cNvPr id="4" name="灯片编号占位符 3"/>
+          <p:cNvSpPr>
+            <a:spLocks noGrp="1"/>
+          </p:cNvSpPr>
+          <p:nvPr>
+            <p:ph type="sldNum" sz="quarter" idx="10"/>
+          </p:nvPr>
+        </p:nvSpPr>
+        <p:spPr/>
+        <p:txBody>
+          <a:bodyPr/>
+          <a:lstStyle/>
+          <a:p>
+            <a:fld id="{B4032DF1-3372-4BE1-A4B8-29BB2EC88706}" type="slidenum">
+              <a:rPr lang="zh-CN" altLang="en-US" smtClean="0"/>
+              <a:t>9</a:t>
+            </a:fld>
+            <a:endParaRPr lang="zh-CN" altLang="en-US"/>
+          </a:p>
+        </p:txBody>
+      </p:sp>
+    </p:spTree>
+    <p:extLst>
+      <p:ext uri="{BB962C8B-B14F-4D97-AF65-F5344CB8AC3E}">
+        <p14:creationId xmlns:p14="http://schemas.microsoft.com/office/powerpoint/2010/main" val="1697378043"/>
       </p:ext>
     </p:extLst>
   </p:cSld>
@@ -1438,30 +2648,6 @@
           <a:chExt cx="0" cy="0"/>
         </a:xfrm>
       </p:grpSpPr>
-      <p:pic>
-        <p:nvPicPr>
-          <p:cNvPr id="11" name="图片 10" descr="装饰彩色2"/>
-          <p:cNvPicPr>
-            <a:picLocks noChangeAspect="1"/>
-          </p:cNvPicPr>
-          <p:nvPr userDrawn="1"/>
-        </p:nvPicPr>
-        <p:blipFill>
-          <a:blip r:embed="rId2"/>
-          <a:stretch>
-            <a:fillRect/>
-          </a:stretch>
-        </p:blipFill>
-        <p:spPr>
-          <a:xfrm>
-            <a:off x="10522585" y="375285"/>
-            <a:ext cx="1341755" cy="307340"/>
-          </a:xfrm>
-          <a:prstGeom prst="rect">
-            <a:avLst/>
-          </a:prstGeom>
-        </p:spPr>
-      </p:pic>
       <p:sp>
         <p:nvSpPr>
           <p:cNvPr id="2" name="矩形 1"/>
@@ -41141,7 +42327,7 @@
         <p:spPr>
           <a:xfrm>
             <a:off x="659588" y="2484594"/>
-            <a:ext cx="11137876" cy="1243330"/>
+            <a:ext cx="11137876" cy="628377"/>
           </a:xfrm>
           <a:prstGeom prst="rect">
             <a:avLst/>
@@ -41162,18 +42348,6 @@
               </a:spcBef>
             </a:pPr>
             <a:r>
-              <a:rPr lang="zh-CN" altLang="en-US" sz="4000" dirty="0">
-                <a:solidFill>
-                  <a:schemeClr val="bg1"/>
-                </a:solidFill>
-                <a:latin typeface="微软雅黑" charset="0"/>
-                <a:ea typeface="微软雅黑" charset="0"/>
-                <a:cs typeface="微软雅黑" charset="0"/>
-                <a:sym typeface="+mn-ea"/>
-              </a:rPr>
-              <a:t>邮储</a:t>
-            </a:r>
-            <a:r>
               <a:rPr lang="zh-CN" altLang="en-US" sz="4000" dirty="0" smtClean="0">
                 <a:solidFill>
                   <a:schemeClr val="bg1"/>
@@ -41183,62 +42357,7 @@
                 <a:cs typeface="微软雅黑" charset="0"/>
                 <a:sym typeface="+mn-ea"/>
               </a:rPr>
-              <a:t>银行数据集市咨询</a:t>
-            </a:r>
-            <a:r>
-              <a:rPr lang="zh-CN" altLang="en-US" sz="4000" dirty="0">
-                <a:solidFill>
-                  <a:schemeClr val="bg1"/>
-                </a:solidFill>
-                <a:latin typeface="微软雅黑" charset="0"/>
-                <a:ea typeface="微软雅黑" charset="0"/>
-                <a:cs typeface="微软雅黑" charset="0"/>
-                <a:sym typeface="+mn-ea"/>
-              </a:rPr>
-              <a:t>项目</a:t>
-            </a:r>
-            <a:r>
-              <a:rPr lang="en-US" altLang="zh-CN" sz="4000" dirty="0">
-                <a:solidFill>
-                  <a:schemeClr val="bg1"/>
-                </a:solidFill>
-                <a:latin typeface="微软雅黑" charset="0"/>
-                <a:ea typeface="微软雅黑" charset="0"/>
-                <a:cs typeface="微软雅黑" charset="0"/>
-              </a:rPr>
-              <a:t/>
-            </a:r>
-            <a:br>
-              <a:rPr lang="en-US" altLang="zh-CN" sz="4000" dirty="0">
-                <a:solidFill>
-                  <a:schemeClr val="bg1"/>
-                </a:solidFill>
-                <a:latin typeface="微软雅黑" charset="0"/>
-                <a:ea typeface="微软雅黑" charset="0"/>
-                <a:cs typeface="微软雅黑" charset="0"/>
-              </a:rPr>
-            </a:br>
-            <a:r>
-              <a:rPr lang="en-US" altLang="zh-CN" sz="4000" dirty="0" smtClean="0">
-                <a:solidFill>
-                  <a:schemeClr val="bg1"/>
-                </a:solidFill>
-                <a:latin typeface="微软雅黑" charset="0"/>
-                <a:ea typeface="微软雅黑" charset="0"/>
-                <a:cs typeface="微软雅黑" charset="0"/>
-              </a:rPr>
-              <a:t>   </a:t>
-            </a:r>
-            <a:r>
-              <a:rPr lang="zh-CN" altLang="en-US" sz="4000" dirty="0" smtClean="0">
-                <a:solidFill>
-                  <a:schemeClr val="bg1"/>
-                </a:solidFill>
-                <a:latin typeface="微软雅黑" charset="0"/>
-                <a:ea typeface="微软雅黑" charset="0"/>
-                <a:cs typeface="微软雅黑" charset="0"/>
-              </a:rPr>
-              <a:t>数据运营策略优化方案</a:t>
+              <a:t>数据建设知识体系</a:t>
             </a:r>
             <a:endParaRPr lang="en-US" altLang="zh-CN" sz="4000" b="1" dirty="0">
               <a:solidFill>
@@ -41309,7 +42428,361 @@
 </p:sld>
 </file>
 
-<file path=ppt/slides/slide2.xml><?xml version="1.0" encoding="utf-8"?>
+<file path=ppt/slides/slide10.xml><?xml version="1.0" encoding="utf-8"?>
+<p:sld xmlns:a="http://schemas.openxmlformats.org/drawingml/2006/main" xmlns:r="http://schemas.openxmlformats.org/officeDocument/2006/relationships" xmlns:p="http://schemas.openxmlformats.org/presentationml/2006/main">
+  <p:cSld>
+    <p:spTree>
+      <p:nvGrpSpPr>
+        <p:cNvPr id="1" name=""/>
+        <p:cNvGrpSpPr/>
+        <p:nvPr/>
+      </p:nvGrpSpPr>
+      <p:grpSpPr>
+        <a:xfrm>
+          <a:off x="0" y="0"/>
+          <a:ext cx="0" cy="0"/>
+          <a:chOff x="0" y="0"/>
+          <a:chExt cx="0" cy="0"/>
+        </a:xfrm>
+      </p:grpSpPr>
+      <p:sp>
+        <p:nvSpPr>
+          <p:cNvPr id="2" name="文本框 1"/>
+          <p:cNvSpPr txBox="1"/>
+          <p:nvPr/>
+        </p:nvSpPr>
+        <p:spPr>
+          <a:xfrm>
+            <a:off x="309879" y="295275"/>
+            <a:ext cx="10100946" cy="523220"/>
+          </a:xfrm>
+          <a:prstGeom prst="rect">
+            <a:avLst/>
+          </a:prstGeom>
+          <a:noFill/>
+        </p:spPr>
+        <p:txBody>
+          <a:bodyPr wrap="square" rtlCol="0">
+            <a:spAutoFit/>
+          </a:bodyPr>
+          <a:lstStyle/>
+          <a:p>
+            <a:r>
+              <a:rPr lang="zh-CN" altLang="en-US" sz="2800" b="1" dirty="0" smtClean="0">
+                <a:solidFill>
+                  <a:srgbClr val="1290FC"/>
+                </a:solidFill>
+                <a:latin typeface="微软雅黑" charset="0"/>
+                <a:ea typeface="微软雅黑" charset="0"/>
+                <a:sym typeface="+mn-ea"/>
+              </a:rPr>
+              <a:t>元数据中心</a:t>
+            </a:r>
+            <a:endParaRPr lang="en-US" altLang="zh-CN" sz="2800" b="1" dirty="0">
+              <a:solidFill>
+                <a:srgbClr val="1290FC"/>
+              </a:solidFill>
+              <a:latin typeface="微软雅黑" charset="0"/>
+              <a:ea typeface="微软雅黑" charset="0"/>
+              <a:sym typeface="+mn-ea"/>
+            </a:endParaRPr>
+          </a:p>
+        </p:txBody>
+      </p:sp>
+      <p:sp>
+        <p:nvSpPr>
+          <p:cNvPr id="3" name="矩形 2"/>
+          <p:cNvSpPr/>
+          <p:nvPr/>
+        </p:nvSpPr>
+        <p:spPr>
+          <a:xfrm>
+            <a:off x="480150" y="949391"/>
+            <a:ext cx="2241319" cy="369332"/>
+          </a:xfrm>
+          <a:prstGeom prst="rect">
+            <a:avLst/>
+          </a:prstGeom>
+        </p:spPr>
+        <p:txBody>
+          <a:bodyPr wrap="none">
+            <a:spAutoFit/>
+          </a:bodyPr>
+          <a:lstStyle/>
+          <a:p>
+            <a:r>
+              <a:rPr lang="zh-CN" altLang="en-US" dirty="0" smtClean="0">
+                <a:solidFill>
+                  <a:schemeClr val="accent1"/>
+                </a:solidFill>
+                <a:latin typeface="微软雅黑" panose="020B0503020204020204" pitchFamily="34" charset="-122"/>
+                <a:ea typeface="微软雅黑" panose="020B0503020204020204" pitchFamily="34" charset="-122"/>
+              </a:rPr>
+              <a:t>开源实现：</a:t>
+            </a:r>
+            <a:r>
+              <a:rPr lang="en-US" altLang="zh-CN" dirty="0" err="1" smtClean="0">
+                <a:solidFill>
+                  <a:schemeClr val="accent1"/>
+                </a:solidFill>
+                <a:latin typeface="微软雅黑" panose="020B0503020204020204" pitchFamily="34" charset="-122"/>
+                <a:ea typeface="微软雅黑" panose="020B0503020204020204" pitchFamily="34" charset="-122"/>
+              </a:rPr>
+              <a:t>Metacat</a:t>
+            </a:r>
+            <a:endParaRPr lang="zh-CN" altLang="en-US" dirty="0">
+              <a:solidFill>
+                <a:schemeClr val="accent4"/>
+              </a:solidFill>
+              <a:latin typeface="微软雅黑" panose="020B0503020204020204" pitchFamily="34" charset="-122"/>
+              <a:ea typeface="微软雅黑" panose="020B0503020204020204" pitchFamily="34" charset="-122"/>
+            </a:endParaRPr>
+          </a:p>
+        </p:txBody>
+      </p:sp>
+      <p:sp>
+        <p:nvSpPr>
+          <p:cNvPr id="4" name="矩形 3"/>
+          <p:cNvSpPr/>
+          <p:nvPr/>
+        </p:nvSpPr>
+        <p:spPr>
+          <a:xfrm>
+            <a:off x="2317113" y="449016"/>
+            <a:ext cx="7449219" cy="369332"/>
+          </a:xfrm>
+          <a:prstGeom prst="rect">
+            <a:avLst/>
+          </a:prstGeom>
+        </p:spPr>
+        <p:txBody>
+          <a:bodyPr wrap="none">
+            <a:spAutoFit/>
+          </a:bodyPr>
+          <a:lstStyle/>
+          <a:p>
+            <a:r>
+              <a:rPr lang="zh-CN" altLang="en-US" dirty="0">
+                <a:latin typeface="微软雅黑" panose="020B0503020204020204" pitchFamily="34" charset="-122"/>
+                <a:ea typeface="微软雅黑" panose="020B0503020204020204" pitchFamily="34" charset="-122"/>
+              </a:rPr>
+              <a:t>开源的有 Netflix 的 Metacat、Apache </a:t>
+            </a:r>
+            <a:r>
+              <a:rPr lang="zh-CN" altLang="en-US" dirty="0" smtClean="0">
+                <a:latin typeface="微软雅黑" panose="020B0503020204020204" pitchFamily="34" charset="-122"/>
+                <a:ea typeface="微软雅黑" panose="020B0503020204020204" pitchFamily="34" charset="-122"/>
+              </a:rPr>
+              <a:t>Atlas，</a:t>
+            </a:r>
+            <a:r>
+              <a:rPr lang="en-US" altLang="zh-CN" dirty="0" smtClean="0">
+                <a:latin typeface="微软雅黑" panose="020B0503020204020204" pitchFamily="34" charset="-122"/>
+                <a:ea typeface="微软雅黑" panose="020B0503020204020204" pitchFamily="34" charset="-122"/>
+              </a:rPr>
+              <a:t>LinkedIn</a:t>
+            </a:r>
+            <a:r>
+              <a:rPr lang="zh-CN" altLang="en-US" dirty="0" smtClean="0">
+                <a:latin typeface="微软雅黑" panose="020B0503020204020204" pitchFamily="34" charset="-122"/>
+                <a:ea typeface="微软雅黑" panose="020B0503020204020204" pitchFamily="34" charset="-122"/>
+              </a:rPr>
+              <a:t>的</a:t>
+            </a:r>
+            <a:r>
+              <a:rPr lang="en-US" altLang="zh-CN" dirty="0" err="1" smtClean="0">
+                <a:latin typeface="微软雅黑" panose="020B0503020204020204" pitchFamily="34" charset="-122"/>
+                <a:ea typeface="微软雅黑" panose="020B0503020204020204" pitchFamily="34" charset="-122"/>
+              </a:rPr>
+              <a:t>DataHub</a:t>
+            </a:r>
+            <a:r>
+              <a:rPr lang="zh-CN" altLang="en-US" dirty="0" smtClean="0">
+                <a:latin typeface="微软雅黑" panose="020B0503020204020204" pitchFamily="34" charset="-122"/>
+                <a:ea typeface="微软雅黑" panose="020B0503020204020204" pitchFamily="34" charset="-122"/>
+              </a:rPr>
+              <a:t>；</a:t>
+            </a:r>
+            <a:endParaRPr lang="zh-CN" altLang="en-US" dirty="0">
+              <a:latin typeface="微软雅黑" panose="020B0503020204020204" pitchFamily="34" charset="-122"/>
+              <a:ea typeface="微软雅黑" panose="020B0503020204020204" pitchFamily="34" charset="-122"/>
+            </a:endParaRPr>
+          </a:p>
+        </p:txBody>
+      </p:sp>
+      <p:pic>
+        <p:nvPicPr>
+          <p:cNvPr id="5" name="图片 4"/>
+          <p:cNvPicPr>
+            <a:picLocks noChangeAspect="1"/>
+          </p:cNvPicPr>
+          <p:nvPr/>
+        </p:nvPicPr>
+        <p:blipFill>
+          <a:blip r:embed="rId3">
+            <a:extLst>
+              <a:ext uri="{28A0092B-C50C-407E-A947-70E740481C1C}">
+                <a14:useLocalDpi xmlns:a14="http://schemas.microsoft.com/office/drawing/2010/main" val="0"/>
+              </a:ext>
+            </a:extLst>
+          </a:blip>
+          <a:stretch>
+            <a:fillRect/>
+          </a:stretch>
+        </p:blipFill>
+        <p:spPr>
+          <a:xfrm>
+            <a:off x="2050904" y="1318723"/>
+            <a:ext cx="8359921" cy="3806619"/>
+          </a:xfrm>
+          <a:prstGeom prst="rect">
+            <a:avLst/>
+          </a:prstGeom>
+        </p:spPr>
+      </p:pic>
+      <p:sp>
+        <p:nvSpPr>
+          <p:cNvPr id="7" name="矩形 6"/>
+          <p:cNvSpPr/>
+          <p:nvPr/>
+        </p:nvSpPr>
+        <p:spPr>
+          <a:xfrm>
+            <a:off x="1332880" y="5264448"/>
+            <a:ext cx="9207839" cy="1477328"/>
+          </a:xfrm>
+          <a:prstGeom prst="rect">
+            <a:avLst/>
+          </a:prstGeom>
+          <a:solidFill>
+            <a:schemeClr val="accent1">
+              <a:lumMod val="20000"/>
+              <a:lumOff val="80000"/>
+            </a:schemeClr>
+          </a:solidFill>
+        </p:spPr>
+        <p:txBody>
+          <a:bodyPr wrap="square">
+            <a:spAutoFit/>
+          </a:bodyPr>
+          <a:lstStyle/>
+          <a:p>
+            <a:pPr marL="342900" indent="-342900">
+              <a:buAutoNum type="arabicPeriod"/>
+            </a:pPr>
+            <a:r>
+              <a:rPr lang="zh-CN" altLang="en-US" dirty="0" smtClean="0"/>
+              <a:t>多</a:t>
+            </a:r>
+            <a:r>
+              <a:rPr lang="zh-CN" altLang="en-US" dirty="0"/>
+              <a:t>数据源的可扩展架构</a:t>
+            </a:r>
+            <a:r>
+              <a:rPr lang="zh-CN" altLang="en-US" dirty="0" smtClean="0"/>
+              <a:t>设计：支持</a:t>
+            </a:r>
+            <a:r>
+              <a:rPr lang="zh-CN" altLang="en-US" dirty="0"/>
+              <a:t>不同数据源，建立一个可扩展的、统一的元数据层是非常重要</a:t>
+            </a:r>
+            <a:r>
+              <a:rPr lang="zh-CN" altLang="en-US" dirty="0" smtClean="0"/>
+              <a:t>的</a:t>
+            </a:r>
+            <a:endParaRPr lang="en-US" altLang="zh-CN" dirty="0" smtClean="0"/>
+          </a:p>
+          <a:p>
+            <a:pPr marL="342900" indent="-342900">
+              <a:buAutoNum type="arabicPeriod"/>
+            </a:pPr>
+            <a:r>
+              <a:rPr lang="zh-CN" altLang="en-US" dirty="0"/>
+              <a:t>采取直连数据源拉的</a:t>
+            </a:r>
+            <a:r>
+              <a:rPr lang="zh-CN" altLang="en-US" dirty="0" smtClean="0"/>
+              <a:t>方式</a:t>
+            </a:r>
+            <a:endParaRPr lang="en-US" altLang="zh-CN" dirty="0" smtClean="0"/>
+          </a:p>
+          <a:p>
+            <a:pPr marL="742950" lvl="1" indent="-285750">
+              <a:buFontTx/>
+              <a:buChar char="-"/>
+            </a:pPr>
+            <a:r>
+              <a:rPr lang="zh-CN" altLang="en-US" dirty="0" smtClean="0"/>
+              <a:t>不</a:t>
+            </a:r>
+            <a:r>
+              <a:rPr lang="zh-CN" altLang="en-US" dirty="0"/>
+              <a:t>存在保存两份元数据一致性的</a:t>
+            </a:r>
+            <a:r>
+              <a:rPr lang="zh-CN" altLang="en-US" dirty="0" smtClean="0"/>
+              <a:t>问题</a:t>
+            </a:r>
+            <a:endParaRPr lang="en-US" altLang="zh-CN" dirty="0" smtClean="0"/>
+          </a:p>
+          <a:p>
+            <a:pPr marL="742950" lvl="1" indent="-285750">
+              <a:buFontTx/>
+              <a:buChar char="-"/>
+            </a:pPr>
+            <a:r>
+              <a:rPr lang="zh-CN" altLang="en-US" dirty="0" smtClean="0"/>
+              <a:t>这种架构</a:t>
+            </a:r>
+            <a:r>
+              <a:rPr lang="zh-CN" altLang="en-US" dirty="0"/>
+              <a:t>设计很轻</a:t>
+            </a:r>
+            <a:r>
+              <a:rPr lang="zh-CN" altLang="en-US" dirty="0" smtClean="0"/>
+              <a:t>量化，</a:t>
+            </a:r>
+            <a:r>
+              <a:rPr lang="zh-CN" altLang="en-US" dirty="0"/>
+              <a:t>扩展成本很</a:t>
+            </a:r>
+            <a:r>
+              <a:rPr lang="zh-CN" altLang="en-US" dirty="0" smtClean="0"/>
+              <a:t>低（</a:t>
+            </a:r>
+            <a:r>
+              <a:rPr lang="zh-CN" altLang="en-US" dirty="0"/>
+              <a:t>集成型设计</a:t>
+            </a:r>
+            <a:r>
+              <a:rPr lang="zh-CN" altLang="en-US" dirty="0" smtClean="0"/>
+              <a:t>）</a:t>
+            </a:r>
+            <a:endParaRPr lang="en-US" altLang="zh-CN" dirty="0" smtClean="0"/>
+          </a:p>
+        </p:txBody>
+      </p:sp>
+    </p:spTree>
+    <p:extLst>
+      <p:ext uri="{BB962C8B-B14F-4D97-AF65-F5344CB8AC3E}">
+        <p14:creationId xmlns:p14="http://schemas.microsoft.com/office/powerpoint/2010/main" val="958237565"/>
+      </p:ext>
+    </p:extLst>
+  </p:cSld>
+  <p:clrMapOvr>
+    <a:masterClrMapping/>
+  </p:clrMapOvr>
+  <p:timing>
+    <p:tnLst>
+      <p:par>
+        <p:cTn id="1" dur="indefinite" restart="never" nodeType="tmRoot"/>
+      </p:par>
+    </p:tnLst>
+  </p:timing>
+</p:sld>
+</file>
+
+<file path=ppt/slides/slide11.xml><?xml version="1.0" encoding="utf-8"?>
 <p:sld xmlns:a="http://schemas.openxmlformats.org/drawingml/2006/main" xmlns:r="http://schemas.openxmlformats.org/officeDocument/2006/relationships" xmlns:p="http://schemas.openxmlformats.org/presentationml/2006/main">
   <p:cSld>
     <p:spTree>
@@ -41333,7 +42806,7 @@
             <a:spLocks noGrp="1"/>
           </p:cNvSpPr>
           <p:nvPr>
-            <p:ph type="title"/>
+            <p:ph type="title" idx="4294967295"/>
           </p:nvPr>
         </p:nvSpPr>
         <p:spPr>
@@ -42007,19 +43480,6 @@
               </a:spcBef>
             </a:pPr>
             <a:r>
-              <a:rPr lang="zh-CN" altLang="en-US" b="1" spc="-5" dirty="0">
-                <a:solidFill>
-                  <a:schemeClr val="bg2">
-                    <a:lumMod val="25000"/>
-                  </a:schemeClr>
-                </a:solidFill>
-                <a:latin typeface="微软雅黑" charset="0"/>
-                <a:ea typeface="微软雅黑" charset="0"/>
-                <a:cs typeface="微软雅黑" charset="0"/>
-              </a:rPr>
-              <a:t>数据</a:t>
-            </a:r>
-            <a:r>
               <a:rPr lang="zh-CN" altLang="en-US" b="1" spc="-5" dirty="0" smtClean="0">
                 <a:solidFill>
                   <a:schemeClr val="bg2">
@@ -42030,7 +43490,7 @@
                 <a:ea typeface="微软雅黑" charset="0"/>
                 <a:cs typeface="微软雅黑" charset="0"/>
               </a:rPr>
-              <a:t>需求具体情况</a:t>
+              <a:t>数据需求具体情况</a:t>
             </a:r>
             <a:endParaRPr lang="zh-CN" altLang="en-US" sz="1800" b="1" spc="-5" dirty="0">
               <a:solidFill>
@@ -42046,6 +43506,11 @@
         </p:txBody>
       </p:sp>
     </p:spTree>
+    <p:extLst>
+      <p:ext uri="{BB962C8B-B14F-4D97-AF65-F5344CB8AC3E}">
+        <p14:creationId xmlns:p14="http://schemas.microsoft.com/office/powerpoint/2010/main" val="3495219625"/>
+      </p:ext>
+    </p:extLst>
   </p:cSld>
   <p:clrMapOvr>
     <a:masterClrMapping/>
@@ -42060,7 +43525,7 @@
 </p:sld>
 </file>
 
-<file path=ppt/slides/slide3.xml><?xml version="1.0" encoding="utf-8"?>
+<file path=ppt/slides/slide12.xml><?xml version="1.0" encoding="utf-8"?>
 <p:sld xmlns:a="http://schemas.openxmlformats.org/drawingml/2006/main" xmlns:r="http://schemas.openxmlformats.org/officeDocument/2006/relationships" xmlns:p="http://schemas.openxmlformats.org/presentationml/2006/main">
   <p:cSld>
     <p:spTree>
@@ -43515,7 +44980,7 @@
 </p:sld>
 </file>
 
-<file path=ppt/slides/slide4.xml><?xml version="1.0" encoding="utf-8"?>
+<file path=ppt/slides/slide13.xml><?xml version="1.0" encoding="utf-8"?>
 <p:sld xmlns:a="http://schemas.openxmlformats.org/drawingml/2006/main" xmlns:r="http://schemas.openxmlformats.org/officeDocument/2006/relationships" xmlns:p="http://schemas.openxmlformats.org/presentationml/2006/main">
   <p:cSld>
     <p:spTree>
@@ -43704,7 +45169,7 @@
 </p:sld>
 </file>
 
-<file path=ppt/slides/slide5.xml><?xml version="1.0" encoding="utf-8"?>
+<file path=ppt/slides/slide14.xml><?xml version="1.0" encoding="utf-8"?>
 <p:sld xmlns:a="http://schemas.openxmlformats.org/drawingml/2006/main" xmlns:r="http://schemas.openxmlformats.org/officeDocument/2006/relationships" xmlns:p="http://schemas.openxmlformats.org/presentationml/2006/main">
   <p:cSld>
     <p:spTree>
@@ -43779,7 +45244,7 @@
     </p:spTree>
     <p:extLst>
       <p:ext uri="{BB962C8B-B14F-4D97-AF65-F5344CB8AC3E}">
-        <p14:creationId xmlns:p14="http://schemas.microsoft.com/office/powerpoint/2010/main" val="1985382062"/>
+        <p14:creationId xmlns:p14="http://schemas.microsoft.com/office/powerpoint/2010/main" val="1078450203"/>
       </p:ext>
     </p:extLst>
   </p:cSld>
@@ -43796,7 +45261,7 @@
 </p:sld>
 </file>
 
-<file path=ppt/slides/slide6.xml><?xml version="1.0" encoding="utf-8"?>
+<file path=ppt/slides/slide15.xml><?xml version="1.0" encoding="utf-8"?>
 <p:sld xmlns:a="http://schemas.openxmlformats.org/drawingml/2006/main" xmlns:r="http://schemas.openxmlformats.org/officeDocument/2006/relationships" xmlns:p="http://schemas.openxmlformats.org/presentationml/2006/main">
   <p:cSld>
     <p:spTree>
@@ -43910,18 +45375,7 @@
                 <a:ea typeface="微软雅黑" panose="020B0503020204020204" pitchFamily="34" charset="-122"/>
                 <a:sym typeface="+mn-ea"/>
               </a:rPr>
-              <a:t>1</a:t>
-            </a:r>
-            <a:r>
-              <a:rPr lang="en-US" altLang="zh-CN" sz="2000" dirty="0" smtClean="0">
-                <a:solidFill>
-                  <a:srgbClr val="358BFF"/>
-                </a:solidFill>
-                <a:latin typeface="微软雅黑" panose="020B0503020204020204" pitchFamily="34" charset="-122"/>
-                <a:ea typeface="微软雅黑" panose="020B0503020204020204" pitchFamily="34" charset="-122"/>
-                <a:sym typeface="+mn-ea"/>
-              </a:rPr>
-              <a:t>.</a:t>
+              <a:t>1.</a:t>
             </a:r>
             <a:r>
               <a:rPr lang="zh-CN" altLang="en-US" sz="2000" dirty="0" smtClean="0">
@@ -44442,13 +45896,6 @@
               </a:rPr>
               <a:t>数据质量风险监控</a:t>
             </a:r>
-            <a:endParaRPr lang="zh-CN" altLang="en-US" sz="2000" dirty="0">
-              <a:solidFill>
-                <a:srgbClr val="FFFFFF"/>
-              </a:solidFill>
-              <a:latin typeface="Arial" panose="020B0604020202090204" pitchFamily="34" charset="0"/>
-              <a:cs typeface="Arial" panose="020B0604020202090204" pitchFamily="34" charset="0"/>
-            </a:endParaRPr>
           </a:p>
         </p:txBody>
       </p:sp>
@@ -44793,7 +46240,7 @@
 </p:sld>
 </file>
 
-<file path=ppt/slides/slide7.xml><?xml version="1.0" encoding="utf-8"?>
+<file path=ppt/slides/slide16.xml><?xml version="1.0" encoding="utf-8"?>
 <p:sld xmlns:a="http://schemas.openxmlformats.org/drawingml/2006/main" xmlns:r="http://schemas.openxmlformats.org/officeDocument/2006/relationships" xmlns:p="http://schemas.openxmlformats.org/presentationml/2006/main">
   <p:cSld>
     <p:spTree>
@@ -45238,7 +46685,7 @@
 </p:sld>
 </file>
 
-<file path=ppt/slides/slide8.xml><?xml version="1.0" encoding="utf-8"?>
+<file path=ppt/slides/slide17.xml><?xml version="1.0" encoding="utf-8"?>
 <p:sld xmlns:a="http://schemas.openxmlformats.org/drawingml/2006/main" xmlns:r="http://schemas.openxmlformats.org/officeDocument/2006/relationships" xmlns:p="http://schemas.openxmlformats.org/presentationml/2006/main">
   <p:cSld>
     <p:spTree>
@@ -45829,9 +47276,5062 @@
 </p:sld>
 </file>
 
+<file path=ppt/slides/slide2.xml><?xml version="1.0" encoding="utf-8"?>
+<p:sld xmlns:a="http://schemas.openxmlformats.org/drawingml/2006/main" xmlns:r="http://schemas.openxmlformats.org/officeDocument/2006/relationships" xmlns:p="http://schemas.openxmlformats.org/presentationml/2006/main">
+  <p:cSld>
+    <p:spTree>
+      <p:nvGrpSpPr>
+        <p:cNvPr id="1" name=""/>
+        <p:cNvGrpSpPr/>
+        <p:nvPr/>
+      </p:nvGrpSpPr>
+      <p:grpSpPr>
+        <a:xfrm>
+          <a:off x="0" y="0"/>
+          <a:ext cx="0" cy="0"/>
+          <a:chOff x="0" y="0"/>
+          <a:chExt cx="0" cy="0"/>
+        </a:xfrm>
+      </p:grpSpPr>
+      <p:sp>
+        <p:nvSpPr>
+          <p:cNvPr id="2" name="文本框 1"/>
+          <p:cNvSpPr txBox="1"/>
+          <p:nvPr/>
+        </p:nvSpPr>
+        <p:spPr>
+          <a:xfrm>
+            <a:off x="309879" y="295275"/>
+            <a:ext cx="10100946" cy="523220"/>
+          </a:xfrm>
+          <a:prstGeom prst="rect">
+            <a:avLst/>
+          </a:prstGeom>
+          <a:noFill/>
+        </p:spPr>
+        <p:txBody>
+          <a:bodyPr wrap="square" rtlCol="0">
+            <a:spAutoFit/>
+          </a:bodyPr>
+          <a:lstStyle/>
+          <a:p>
+            <a:r>
+              <a:rPr lang="zh-CN" altLang="en-US" sz="2800" b="1" dirty="0" smtClean="0">
+                <a:solidFill>
+                  <a:srgbClr val="1290FC"/>
+                </a:solidFill>
+                <a:latin typeface="微软雅黑" charset="0"/>
+                <a:ea typeface="微软雅黑" charset="0"/>
+                <a:sym typeface="+mn-ea"/>
+              </a:rPr>
+              <a:t>数据中台建设的三板斧</a:t>
+            </a:r>
+            <a:endParaRPr lang="en-US" altLang="zh-CN" sz="2800" b="1" dirty="0">
+              <a:solidFill>
+                <a:srgbClr val="1290FC"/>
+              </a:solidFill>
+              <a:latin typeface="微软雅黑" charset="0"/>
+              <a:ea typeface="微软雅黑" charset="0"/>
+              <a:sym typeface="+mn-ea"/>
+            </a:endParaRPr>
+          </a:p>
+        </p:txBody>
+      </p:sp>
+      <p:sp>
+        <p:nvSpPr>
+          <p:cNvPr id="3" name="矩形 2"/>
+          <p:cNvSpPr/>
+          <p:nvPr/>
+        </p:nvSpPr>
+        <p:spPr>
+          <a:xfrm>
+            <a:off x="1834906" y="5416021"/>
+            <a:ext cx="8507604" cy="923330"/>
+          </a:xfrm>
+          <a:prstGeom prst="rect">
+            <a:avLst/>
+          </a:prstGeom>
+          <a:solidFill>
+            <a:schemeClr val="accent1">
+              <a:lumMod val="20000"/>
+              <a:lumOff val="80000"/>
+            </a:schemeClr>
+          </a:solidFill>
+        </p:spPr>
+        <p:txBody>
+          <a:bodyPr wrap="square">
+            <a:spAutoFit/>
+          </a:bodyPr>
+          <a:lstStyle/>
+          <a:p>
+            <a:pPr>
+              <a:lnSpc>
+                <a:spcPct val="150000"/>
+              </a:lnSpc>
+            </a:pPr>
+            <a:r>
+              <a:rPr lang="zh-CN" altLang="en-US" dirty="0">
+                <a:solidFill>
+                  <a:srgbClr val="333333"/>
+                </a:solidFill>
+                <a:latin typeface="微软雅黑" panose="020B0503020204020204" pitchFamily="34" charset="-122"/>
+                <a:ea typeface="微软雅黑" panose="020B0503020204020204" pitchFamily="34" charset="-122"/>
+              </a:rPr>
+              <a:t>如果我们把建数据中台比作是盖房子，那么设计图纸就是数据中台建设的方法论；工具是数据中台的支撑技术；施工队伍就是数据中台的组织架构</a:t>
+            </a:r>
+            <a:endParaRPr lang="zh-CN" altLang="en-US" dirty="0">
+              <a:latin typeface="微软雅黑" panose="020B0503020204020204" pitchFamily="34" charset="-122"/>
+              <a:ea typeface="微软雅黑" panose="020B0503020204020204" pitchFamily="34" charset="-122"/>
+            </a:endParaRPr>
+          </a:p>
+        </p:txBody>
+      </p:sp>
+      <p:sp>
+        <p:nvSpPr>
+          <p:cNvPr id="4" name="building_48774">
+            <a:extLst>
+              <a:ext uri="{FF2B5EF4-FFF2-40B4-BE49-F238E27FC236}">
+                <a16:creationId xmlns="" xmlns:a16="http://schemas.microsoft.com/office/drawing/2014/main" xmlns:p14="http://schemas.microsoft.com/office/powerpoint/2010/main" id="{54405246-CCE2-4201-BBB1-D3F3EB6E740D}"/>
+              </a:ext>
+            </a:extLst>
+          </p:cNvPr>
+          <p:cNvSpPr/>
+          <p:nvPr/>
+        </p:nvSpPr>
+        <p:spPr>
+          <a:xfrm>
+            <a:off x="1685591" y="1707794"/>
+            <a:ext cx="1604019" cy="1479404"/>
+          </a:xfrm>
+          <a:custGeom>
+            <a:avLst/>
+            <a:gdLst>
+              <a:gd name="T0" fmla="*/ 277 w 427"/>
+              <a:gd name="T1" fmla="*/ 15 h 331"/>
+              <a:gd name="T2" fmla="*/ 216 w 427"/>
+              <a:gd name="T3" fmla="*/ 0 h 331"/>
+              <a:gd name="T4" fmla="*/ 135 w 427"/>
+              <a:gd name="T5" fmla="*/ 61 h 331"/>
+              <a:gd name="T6" fmla="*/ 216 w 427"/>
+              <a:gd name="T7" fmla="*/ 331 h 331"/>
+              <a:gd name="T8" fmla="*/ 287 w 427"/>
+              <a:gd name="T9" fmla="*/ 322 h 331"/>
+              <a:gd name="T10" fmla="*/ 15 w 427"/>
+              <a:gd name="T11" fmla="*/ 161 h 331"/>
+              <a:gd name="T12" fmla="*/ 15 w 427"/>
+              <a:gd name="T13" fmla="*/ 161 h 331"/>
+              <a:gd name="T14" fmla="*/ 58 w 427"/>
+              <a:gd name="T15" fmla="*/ 251 h 331"/>
+              <a:gd name="T16" fmla="*/ 15 w 427"/>
+              <a:gd name="T17" fmla="*/ 229 h 331"/>
+              <a:gd name="T18" fmla="*/ 15 w 427"/>
+              <a:gd name="T19" fmla="*/ 216 h 331"/>
+              <a:gd name="T20" fmla="*/ 58 w 427"/>
+              <a:gd name="T21" fmla="*/ 193 h 331"/>
+              <a:gd name="T22" fmla="*/ 58 w 427"/>
+              <a:gd name="T23" fmla="*/ 193 h 331"/>
+              <a:gd name="T24" fmla="*/ 70 w 427"/>
+              <a:gd name="T25" fmla="*/ 168 h 331"/>
+              <a:gd name="T26" fmla="*/ 70 w 427"/>
+              <a:gd name="T27" fmla="*/ 252 h 331"/>
+              <a:gd name="T28" fmla="*/ 70 w 427"/>
+              <a:gd name="T29" fmla="*/ 240 h 331"/>
+              <a:gd name="T30" fmla="*/ 120 w 427"/>
+              <a:gd name="T31" fmla="*/ 215 h 331"/>
+              <a:gd name="T32" fmla="*/ 120 w 427"/>
+              <a:gd name="T33" fmla="*/ 215 h 331"/>
+              <a:gd name="T34" fmla="*/ 120 w 427"/>
+              <a:gd name="T35" fmla="*/ 179 h 331"/>
+              <a:gd name="T36" fmla="*/ 204 w 427"/>
+              <a:gd name="T37" fmla="*/ 78 h 331"/>
+              <a:gd name="T38" fmla="*/ 204 w 427"/>
+              <a:gd name="T39" fmla="*/ 91 h 331"/>
+              <a:gd name="T40" fmla="*/ 144 w 427"/>
+              <a:gd name="T41" fmla="*/ 125 h 331"/>
+              <a:gd name="T42" fmla="*/ 144 w 427"/>
+              <a:gd name="T43" fmla="*/ 125 h 331"/>
+              <a:gd name="T44" fmla="*/ 144 w 427"/>
+              <a:gd name="T45" fmla="*/ 162 h 331"/>
+              <a:gd name="T46" fmla="*/ 144 w 427"/>
+              <a:gd name="T47" fmla="*/ 254 h 331"/>
+              <a:gd name="T48" fmla="*/ 144 w 427"/>
+              <a:gd name="T49" fmla="*/ 241 h 331"/>
+              <a:gd name="T50" fmla="*/ 204 w 427"/>
+              <a:gd name="T51" fmla="*/ 214 h 331"/>
+              <a:gd name="T52" fmla="*/ 204 w 427"/>
+              <a:gd name="T53" fmla="*/ 214 h 331"/>
+              <a:gd name="T54" fmla="*/ 204 w 427"/>
+              <a:gd name="T55" fmla="*/ 174 h 331"/>
+              <a:gd name="T56" fmla="*/ 287 w 427"/>
+              <a:gd name="T57" fmla="*/ 88 h 331"/>
+              <a:gd name="T58" fmla="*/ 286 w 427"/>
+              <a:gd name="T59" fmla="*/ 126 h 331"/>
+              <a:gd name="T60" fmla="*/ 229 w 427"/>
+              <a:gd name="T61" fmla="*/ 146 h 331"/>
+              <a:gd name="T62" fmla="*/ 229 w 427"/>
+              <a:gd name="T63" fmla="*/ 146 h 331"/>
+              <a:gd name="T64" fmla="*/ 229 w 427"/>
+              <a:gd name="T65" fmla="*/ 215 h 331"/>
+              <a:gd name="T66" fmla="*/ 229 w 427"/>
+              <a:gd name="T67" fmla="*/ 230 h 331"/>
+              <a:gd name="T68" fmla="*/ 229 w 427"/>
+              <a:gd name="T69" fmla="*/ 188 h 331"/>
+              <a:gd name="T70" fmla="*/ 287 w 427"/>
+              <a:gd name="T71" fmla="*/ 112 h 331"/>
+              <a:gd name="T72" fmla="*/ 287 w 427"/>
+              <a:gd name="T73" fmla="*/ 112 h 331"/>
+              <a:gd name="T74" fmla="*/ 308 w 427"/>
+              <a:gd name="T75" fmla="*/ 164 h 331"/>
+              <a:gd name="T76" fmla="*/ 309 w 427"/>
+              <a:gd name="T77" fmla="*/ 191 h 331"/>
+              <a:gd name="T78" fmla="*/ 357 w 427"/>
+              <a:gd name="T79" fmla="*/ 204 h 331"/>
+              <a:gd name="T80" fmla="*/ 309 w 427"/>
+              <a:gd name="T81" fmla="*/ 229 h 331"/>
+              <a:gd name="T82" fmla="*/ 309 w 427"/>
+              <a:gd name="T83" fmla="*/ 229 h 331"/>
+              <a:gd name="T84" fmla="*/ 357 w 427"/>
+              <a:gd name="T85" fmla="*/ 251 h 331"/>
+              <a:gd name="T86" fmla="*/ 412 w 427"/>
+              <a:gd name="T87" fmla="*/ 171 h 331"/>
+              <a:gd name="T88" fmla="*/ 412 w 427"/>
+              <a:gd name="T89" fmla="*/ 195 h 331"/>
+              <a:gd name="T90" fmla="*/ 371 w 427"/>
+              <a:gd name="T91" fmla="*/ 205 h 331"/>
+              <a:gd name="T92" fmla="*/ 371 w 427"/>
+              <a:gd name="T93" fmla="*/ 205 h 331"/>
+              <a:gd name="T94" fmla="*/ 371 w 427"/>
+              <a:gd name="T95" fmla="*/ 239 h 331"/>
+              <a:gd name="T96" fmla="*/ 371 w 427"/>
+              <a:gd name="T97" fmla="*/ 250 h 331"/>
+            </a:gdLst>
+            <a:ahLst/>
+            <a:cxnLst>
+              <a:cxn ang="0">
+                <a:pos x="T0" y="T1"/>
+              </a:cxn>
+              <a:cxn ang="0">
+                <a:pos x="T2" y="T3"/>
+              </a:cxn>
+              <a:cxn ang="0">
+                <a:pos x="T4" y="T5"/>
+              </a:cxn>
+              <a:cxn ang="0">
+                <a:pos x="T6" y="T7"/>
+              </a:cxn>
+              <a:cxn ang="0">
+                <a:pos x="T8" y="T9"/>
+              </a:cxn>
+              <a:cxn ang="0">
+                <a:pos x="T10" y="T11"/>
+              </a:cxn>
+              <a:cxn ang="0">
+                <a:pos x="T12" y="T13"/>
+              </a:cxn>
+              <a:cxn ang="0">
+                <a:pos x="T14" y="T15"/>
+              </a:cxn>
+              <a:cxn ang="0">
+                <a:pos x="T16" y="T17"/>
+              </a:cxn>
+              <a:cxn ang="0">
+                <a:pos x="T18" y="T19"/>
+              </a:cxn>
+              <a:cxn ang="0">
+                <a:pos x="T20" y="T21"/>
+              </a:cxn>
+              <a:cxn ang="0">
+                <a:pos x="T22" y="T23"/>
+              </a:cxn>
+              <a:cxn ang="0">
+                <a:pos x="T24" y="T25"/>
+              </a:cxn>
+              <a:cxn ang="0">
+                <a:pos x="T26" y="T27"/>
+              </a:cxn>
+              <a:cxn ang="0">
+                <a:pos x="T28" y="T29"/>
+              </a:cxn>
+              <a:cxn ang="0">
+                <a:pos x="T30" y="T31"/>
+              </a:cxn>
+              <a:cxn ang="0">
+                <a:pos x="T32" y="T33"/>
+              </a:cxn>
+              <a:cxn ang="0">
+                <a:pos x="T34" y="T35"/>
+              </a:cxn>
+              <a:cxn ang="0">
+                <a:pos x="T36" y="T37"/>
+              </a:cxn>
+              <a:cxn ang="0">
+                <a:pos x="T38" y="T39"/>
+              </a:cxn>
+              <a:cxn ang="0">
+                <a:pos x="T40" y="T41"/>
+              </a:cxn>
+              <a:cxn ang="0">
+                <a:pos x="T42" y="T43"/>
+              </a:cxn>
+              <a:cxn ang="0">
+                <a:pos x="T44" y="T45"/>
+              </a:cxn>
+              <a:cxn ang="0">
+                <a:pos x="T46" y="T47"/>
+              </a:cxn>
+              <a:cxn ang="0">
+                <a:pos x="T48" y="T49"/>
+              </a:cxn>
+              <a:cxn ang="0">
+                <a:pos x="T50" y="T51"/>
+              </a:cxn>
+              <a:cxn ang="0">
+                <a:pos x="T52" y="T53"/>
+              </a:cxn>
+              <a:cxn ang="0">
+                <a:pos x="T54" y="T55"/>
+              </a:cxn>
+              <a:cxn ang="0">
+                <a:pos x="T56" y="T57"/>
+              </a:cxn>
+              <a:cxn ang="0">
+                <a:pos x="T58" y="T59"/>
+              </a:cxn>
+              <a:cxn ang="0">
+                <a:pos x="T60" y="T61"/>
+              </a:cxn>
+              <a:cxn ang="0">
+                <a:pos x="T62" y="T63"/>
+              </a:cxn>
+              <a:cxn ang="0">
+                <a:pos x="T64" y="T65"/>
+              </a:cxn>
+              <a:cxn ang="0">
+                <a:pos x="T66" y="T67"/>
+              </a:cxn>
+              <a:cxn ang="0">
+                <a:pos x="T68" y="T69"/>
+              </a:cxn>
+              <a:cxn ang="0">
+                <a:pos x="T70" y="T71"/>
+              </a:cxn>
+              <a:cxn ang="0">
+                <a:pos x="T72" y="T73"/>
+              </a:cxn>
+              <a:cxn ang="0">
+                <a:pos x="T74" y="T75"/>
+              </a:cxn>
+              <a:cxn ang="0">
+                <a:pos x="T76" y="T77"/>
+              </a:cxn>
+              <a:cxn ang="0">
+                <a:pos x="T78" y="T79"/>
+              </a:cxn>
+              <a:cxn ang="0">
+                <a:pos x="T80" y="T81"/>
+              </a:cxn>
+              <a:cxn ang="0">
+                <a:pos x="T82" y="T83"/>
+              </a:cxn>
+              <a:cxn ang="0">
+                <a:pos x="T84" y="T85"/>
+              </a:cxn>
+              <a:cxn ang="0">
+                <a:pos x="T86" y="T87"/>
+              </a:cxn>
+              <a:cxn ang="0">
+                <a:pos x="T88" y="T89"/>
+              </a:cxn>
+              <a:cxn ang="0">
+                <a:pos x="T90" y="T91"/>
+              </a:cxn>
+              <a:cxn ang="0">
+                <a:pos x="T92" y="T93"/>
+              </a:cxn>
+              <a:cxn ang="0">
+                <a:pos x="T94" y="T95"/>
+              </a:cxn>
+              <a:cxn ang="0">
+                <a:pos x="T96" y="T97"/>
+              </a:cxn>
+            </a:cxnLst>
+            <a:rect l="0" t="0" r="r" b="b"/>
+            <a:pathLst>
+              <a:path w="427" h="331">
+                <a:moveTo>
+                  <a:pt x="294" y="135"/>
+                </a:moveTo>
+                <a:lnTo>
+                  <a:pt x="294" y="60"/>
+                </a:lnTo>
+                <a:lnTo>
+                  <a:pt x="277" y="56"/>
+                </a:lnTo>
+                <a:lnTo>
+                  <a:pt x="277" y="15"/>
+                </a:lnTo>
+                <a:lnTo>
+                  <a:pt x="216" y="0"/>
+                </a:lnTo>
+                <a:lnTo>
+                  <a:pt x="216" y="0"/>
+                </a:lnTo>
+                <a:lnTo>
+                  <a:pt x="216" y="0"/>
+                </a:lnTo>
+                <a:lnTo>
+                  <a:pt x="216" y="0"/>
+                </a:lnTo>
+                <a:lnTo>
+                  <a:pt x="216" y="0"/>
+                </a:lnTo>
+                <a:lnTo>
+                  <a:pt x="152" y="15"/>
+                </a:lnTo>
+                <a:lnTo>
+                  <a:pt x="152" y="57"/>
+                </a:lnTo>
+                <a:lnTo>
+                  <a:pt x="135" y="61"/>
+                </a:lnTo>
+                <a:lnTo>
+                  <a:pt x="135" y="138"/>
+                </a:lnTo>
+                <a:lnTo>
+                  <a:pt x="0" y="151"/>
+                </a:lnTo>
+                <a:lnTo>
+                  <a:pt x="0" y="305"/>
+                </a:lnTo>
+                <a:lnTo>
+                  <a:pt x="216" y="331"/>
+                </a:lnTo>
+                <a:lnTo>
+                  <a:pt x="229" y="329"/>
+                </a:lnTo>
+                <a:lnTo>
+                  <a:pt x="229" y="256"/>
+                </a:lnTo>
+                <a:lnTo>
+                  <a:pt x="287" y="254"/>
+                </a:lnTo>
+                <a:lnTo>
+                  <a:pt x="287" y="322"/>
+                </a:lnTo>
+                <a:lnTo>
+                  <a:pt x="427" y="306"/>
+                </a:lnTo>
+                <a:lnTo>
+                  <a:pt x="427" y="149"/>
+                </a:lnTo>
+                <a:lnTo>
+                  <a:pt x="294" y="135"/>
+                </a:lnTo>
+                <a:close/>
+                <a:moveTo>
+                  <a:pt x="15" y="161"/>
+                </a:moveTo>
+                <a:lnTo>
+                  <a:pt x="58" y="158"/>
+                </a:lnTo>
+                <a:lnTo>
+                  <a:pt x="58" y="168"/>
+                </a:lnTo>
+                <a:lnTo>
+                  <a:pt x="15" y="171"/>
+                </a:lnTo>
+                <a:lnTo>
+                  <a:pt x="15" y="161"/>
+                </a:lnTo>
+                <a:close/>
+                <a:moveTo>
+                  <a:pt x="58" y="262"/>
+                </a:moveTo>
+                <a:lnTo>
+                  <a:pt x="15" y="260"/>
+                </a:lnTo>
+                <a:lnTo>
+                  <a:pt x="15" y="250"/>
+                </a:lnTo>
+                <a:lnTo>
+                  <a:pt x="58" y="251"/>
+                </a:lnTo>
+                <a:lnTo>
+                  <a:pt x="58" y="262"/>
+                </a:lnTo>
+                <a:close/>
+                <a:moveTo>
+                  <a:pt x="58" y="240"/>
+                </a:moveTo>
+                <a:lnTo>
+                  <a:pt x="15" y="239"/>
+                </a:lnTo>
+                <a:lnTo>
+                  <a:pt x="15" y="229"/>
+                </a:lnTo>
+                <a:lnTo>
+                  <a:pt x="58" y="229"/>
+                </a:lnTo>
+                <a:lnTo>
+                  <a:pt x="58" y="240"/>
+                </a:lnTo>
+                <a:close/>
+                <a:moveTo>
+                  <a:pt x="58" y="216"/>
+                </a:moveTo>
+                <a:lnTo>
+                  <a:pt x="15" y="216"/>
+                </a:lnTo>
+                <a:lnTo>
+                  <a:pt x="15" y="206"/>
+                </a:lnTo>
+                <a:lnTo>
+                  <a:pt x="58" y="205"/>
+                </a:lnTo>
+                <a:lnTo>
+                  <a:pt x="58" y="216"/>
+                </a:lnTo>
+                <a:close/>
+                <a:moveTo>
+                  <a:pt x="58" y="193"/>
+                </a:moveTo>
+                <a:lnTo>
+                  <a:pt x="15" y="195"/>
+                </a:lnTo>
+                <a:lnTo>
+                  <a:pt x="15" y="185"/>
+                </a:lnTo>
+                <a:lnTo>
+                  <a:pt x="58" y="182"/>
+                </a:lnTo>
+                <a:lnTo>
+                  <a:pt x="58" y="193"/>
+                </a:lnTo>
+                <a:close/>
+                <a:moveTo>
+                  <a:pt x="70" y="157"/>
+                </a:moveTo>
+                <a:lnTo>
+                  <a:pt x="120" y="152"/>
+                </a:lnTo>
+                <a:lnTo>
+                  <a:pt x="120" y="164"/>
+                </a:lnTo>
+                <a:lnTo>
+                  <a:pt x="70" y="168"/>
+                </a:lnTo>
+                <a:lnTo>
+                  <a:pt x="70" y="157"/>
+                </a:lnTo>
+                <a:close/>
+                <a:moveTo>
+                  <a:pt x="120" y="266"/>
+                </a:moveTo>
+                <a:lnTo>
+                  <a:pt x="70" y="263"/>
+                </a:lnTo>
+                <a:lnTo>
+                  <a:pt x="70" y="252"/>
+                </a:lnTo>
+                <a:lnTo>
+                  <a:pt x="120" y="254"/>
+                </a:lnTo>
+                <a:lnTo>
+                  <a:pt x="120" y="266"/>
+                </a:lnTo>
+                <a:close/>
+                <a:moveTo>
+                  <a:pt x="120" y="242"/>
+                </a:moveTo>
+                <a:lnTo>
+                  <a:pt x="70" y="240"/>
+                </a:lnTo>
+                <a:lnTo>
+                  <a:pt x="70" y="229"/>
+                </a:lnTo>
+                <a:lnTo>
+                  <a:pt x="120" y="230"/>
+                </a:lnTo>
+                <a:lnTo>
+                  <a:pt x="120" y="242"/>
+                </a:lnTo>
+                <a:close/>
+                <a:moveTo>
+                  <a:pt x="120" y="215"/>
+                </a:moveTo>
+                <a:lnTo>
+                  <a:pt x="70" y="216"/>
+                </a:lnTo>
+                <a:lnTo>
+                  <a:pt x="70" y="205"/>
+                </a:lnTo>
+                <a:lnTo>
+                  <a:pt x="120" y="203"/>
+                </a:lnTo>
+                <a:lnTo>
+                  <a:pt x="120" y="215"/>
+                </a:lnTo>
+                <a:close/>
+                <a:moveTo>
+                  <a:pt x="120" y="191"/>
+                </a:moveTo>
+                <a:lnTo>
+                  <a:pt x="70" y="193"/>
+                </a:lnTo>
+                <a:lnTo>
+                  <a:pt x="70" y="182"/>
+                </a:lnTo>
+                <a:lnTo>
+                  <a:pt x="120" y="179"/>
+                </a:lnTo>
+                <a:lnTo>
+                  <a:pt x="120" y="191"/>
+                </a:lnTo>
+                <a:close/>
+                <a:moveTo>
+                  <a:pt x="144" y="75"/>
+                </a:moveTo>
+                <a:lnTo>
+                  <a:pt x="204" y="65"/>
+                </a:lnTo>
+                <a:lnTo>
+                  <a:pt x="204" y="78"/>
+                </a:lnTo>
+                <a:lnTo>
+                  <a:pt x="144" y="87"/>
+                </a:lnTo>
+                <a:lnTo>
+                  <a:pt x="144" y="75"/>
+                </a:lnTo>
+                <a:close/>
+                <a:moveTo>
+                  <a:pt x="144" y="100"/>
+                </a:moveTo>
+                <a:lnTo>
+                  <a:pt x="204" y="91"/>
+                </a:lnTo>
+                <a:lnTo>
+                  <a:pt x="204" y="104"/>
+                </a:lnTo>
+                <a:lnTo>
+                  <a:pt x="144" y="112"/>
+                </a:lnTo>
+                <a:lnTo>
+                  <a:pt x="144" y="100"/>
+                </a:lnTo>
+                <a:close/>
+                <a:moveTo>
+                  <a:pt x="144" y="125"/>
+                </a:moveTo>
+                <a:lnTo>
+                  <a:pt x="204" y="118"/>
+                </a:lnTo>
+                <a:lnTo>
+                  <a:pt x="204" y="131"/>
+                </a:lnTo>
+                <a:lnTo>
+                  <a:pt x="144" y="137"/>
+                </a:lnTo>
+                <a:lnTo>
+                  <a:pt x="144" y="125"/>
+                </a:lnTo>
+                <a:close/>
+                <a:moveTo>
+                  <a:pt x="144" y="150"/>
+                </a:moveTo>
+                <a:lnTo>
+                  <a:pt x="204" y="144"/>
+                </a:lnTo>
+                <a:lnTo>
+                  <a:pt x="204" y="157"/>
+                </a:lnTo>
+                <a:lnTo>
+                  <a:pt x="144" y="162"/>
+                </a:lnTo>
+                <a:lnTo>
+                  <a:pt x="144" y="150"/>
+                </a:lnTo>
+                <a:close/>
+                <a:moveTo>
+                  <a:pt x="204" y="269"/>
+                </a:moveTo>
+                <a:lnTo>
+                  <a:pt x="144" y="266"/>
+                </a:lnTo>
+                <a:lnTo>
+                  <a:pt x="144" y="254"/>
+                </a:lnTo>
+                <a:lnTo>
+                  <a:pt x="204" y="256"/>
+                </a:lnTo>
+                <a:lnTo>
+                  <a:pt x="204" y="269"/>
+                </a:lnTo>
+                <a:close/>
+                <a:moveTo>
+                  <a:pt x="204" y="243"/>
+                </a:moveTo>
+                <a:lnTo>
+                  <a:pt x="144" y="241"/>
+                </a:lnTo>
+                <a:lnTo>
+                  <a:pt x="144" y="229"/>
+                </a:lnTo>
+                <a:lnTo>
+                  <a:pt x="204" y="230"/>
+                </a:lnTo>
+                <a:lnTo>
+                  <a:pt x="204" y="243"/>
+                </a:lnTo>
+                <a:close/>
+                <a:moveTo>
+                  <a:pt x="204" y="214"/>
+                </a:moveTo>
+                <a:lnTo>
+                  <a:pt x="144" y="214"/>
+                </a:lnTo>
+                <a:lnTo>
+                  <a:pt x="144" y="202"/>
+                </a:lnTo>
+                <a:lnTo>
+                  <a:pt x="204" y="201"/>
+                </a:lnTo>
+                <a:lnTo>
+                  <a:pt x="204" y="214"/>
+                </a:lnTo>
+                <a:close/>
+                <a:moveTo>
+                  <a:pt x="204" y="187"/>
+                </a:moveTo>
+                <a:lnTo>
+                  <a:pt x="144" y="189"/>
+                </a:lnTo>
+                <a:lnTo>
+                  <a:pt x="144" y="177"/>
+                </a:lnTo>
+                <a:lnTo>
+                  <a:pt x="204" y="174"/>
+                </a:lnTo>
+                <a:lnTo>
+                  <a:pt x="204" y="187"/>
+                </a:lnTo>
+                <a:close/>
+                <a:moveTo>
+                  <a:pt x="229" y="65"/>
+                </a:moveTo>
+                <a:lnTo>
+                  <a:pt x="287" y="75"/>
+                </a:lnTo>
+                <a:lnTo>
+                  <a:pt x="287" y="88"/>
+                </a:lnTo>
+                <a:lnTo>
+                  <a:pt x="229" y="79"/>
+                </a:lnTo>
+                <a:lnTo>
+                  <a:pt x="229" y="65"/>
+                </a:lnTo>
+                <a:close/>
+                <a:moveTo>
+                  <a:pt x="229" y="119"/>
+                </a:moveTo>
+                <a:lnTo>
+                  <a:pt x="286" y="126"/>
+                </a:lnTo>
+                <a:lnTo>
+                  <a:pt x="286" y="138"/>
+                </a:lnTo>
+                <a:lnTo>
+                  <a:pt x="229" y="133"/>
+                </a:lnTo>
+                <a:lnTo>
+                  <a:pt x="229" y="119"/>
+                </a:lnTo>
+                <a:close/>
+                <a:moveTo>
+                  <a:pt x="229" y="146"/>
+                </a:moveTo>
+                <a:lnTo>
+                  <a:pt x="286" y="151"/>
+                </a:lnTo>
+                <a:lnTo>
+                  <a:pt x="286" y="163"/>
+                </a:lnTo>
+                <a:lnTo>
+                  <a:pt x="229" y="159"/>
+                </a:lnTo>
+                <a:lnTo>
+                  <a:pt x="229" y="146"/>
+                </a:lnTo>
+                <a:close/>
+                <a:moveTo>
+                  <a:pt x="229" y="202"/>
+                </a:moveTo>
+                <a:lnTo>
+                  <a:pt x="287" y="203"/>
+                </a:lnTo>
+                <a:lnTo>
+                  <a:pt x="287" y="215"/>
+                </a:lnTo>
+                <a:lnTo>
+                  <a:pt x="229" y="215"/>
+                </a:lnTo>
+                <a:lnTo>
+                  <a:pt x="229" y="202"/>
+                </a:lnTo>
+                <a:close/>
+                <a:moveTo>
+                  <a:pt x="287" y="242"/>
+                </a:moveTo>
+                <a:lnTo>
+                  <a:pt x="229" y="243"/>
+                </a:lnTo>
+                <a:lnTo>
+                  <a:pt x="229" y="230"/>
+                </a:lnTo>
+                <a:lnTo>
+                  <a:pt x="287" y="229"/>
+                </a:lnTo>
+                <a:lnTo>
+                  <a:pt x="287" y="242"/>
+                </a:lnTo>
+                <a:close/>
+                <a:moveTo>
+                  <a:pt x="287" y="190"/>
+                </a:moveTo>
+                <a:lnTo>
+                  <a:pt x="229" y="188"/>
+                </a:lnTo>
+                <a:lnTo>
+                  <a:pt x="229" y="175"/>
+                </a:lnTo>
+                <a:lnTo>
+                  <a:pt x="287" y="178"/>
+                </a:lnTo>
+                <a:lnTo>
+                  <a:pt x="287" y="190"/>
+                </a:lnTo>
+                <a:close/>
+                <a:moveTo>
+                  <a:pt x="287" y="112"/>
+                </a:moveTo>
+                <a:lnTo>
+                  <a:pt x="229" y="105"/>
+                </a:lnTo>
+                <a:lnTo>
+                  <a:pt x="229" y="92"/>
+                </a:lnTo>
+                <a:lnTo>
+                  <a:pt x="287" y="100"/>
+                </a:lnTo>
+                <a:lnTo>
+                  <a:pt x="287" y="112"/>
+                </a:lnTo>
+                <a:close/>
+                <a:moveTo>
+                  <a:pt x="308" y="152"/>
+                </a:moveTo>
+                <a:lnTo>
+                  <a:pt x="357" y="156"/>
+                </a:lnTo>
+                <a:lnTo>
+                  <a:pt x="357" y="168"/>
+                </a:lnTo>
+                <a:lnTo>
+                  <a:pt x="308" y="164"/>
+                </a:lnTo>
+                <a:lnTo>
+                  <a:pt x="308" y="152"/>
+                </a:lnTo>
+                <a:close/>
+                <a:moveTo>
+                  <a:pt x="357" y="181"/>
+                </a:moveTo>
+                <a:lnTo>
+                  <a:pt x="357" y="193"/>
+                </a:lnTo>
+                <a:lnTo>
+                  <a:pt x="309" y="191"/>
+                </a:lnTo>
+                <a:lnTo>
+                  <a:pt x="309" y="179"/>
+                </a:lnTo>
+                <a:lnTo>
+                  <a:pt x="357" y="181"/>
+                </a:lnTo>
+                <a:close/>
+                <a:moveTo>
+                  <a:pt x="309" y="203"/>
+                </a:moveTo>
+                <a:lnTo>
+                  <a:pt x="357" y="204"/>
+                </a:lnTo>
+                <a:lnTo>
+                  <a:pt x="357" y="216"/>
+                </a:lnTo>
+                <a:lnTo>
+                  <a:pt x="309" y="215"/>
+                </a:lnTo>
+                <a:lnTo>
+                  <a:pt x="309" y="203"/>
+                </a:lnTo>
+                <a:close/>
+                <a:moveTo>
+                  <a:pt x="309" y="229"/>
+                </a:moveTo>
+                <a:lnTo>
+                  <a:pt x="357" y="228"/>
+                </a:lnTo>
+                <a:lnTo>
+                  <a:pt x="357" y="240"/>
+                </a:lnTo>
+                <a:lnTo>
+                  <a:pt x="309" y="241"/>
+                </a:lnTo>
+                <a:lnTo>
+                  <a:pt x="309" y="229"/>
+                </a:lnTo>
+                <a:close/>
+                <a:moveTo>
+                  <a:pt x="357" y="262"/>
+                </a:moveTo>
+                <a:lnTo>
+                  <a:pt x="309" y="265"/>
+                </a:lnTo>
+                <a:lnTo>
+                  <a:pt x="309" y="253"/>
+                </a:lnTo>
+                <a:lnTo>
+                  <a:pt x="357" y="251"/>
+                </a:lnTo>
+                <a:lnTo>
+                  <a:pt x="357" y="262"/>
+                </a:lnTo>
+                <a:close/>
+                <a:moveTo>
+                  <a:pt x="371" y="157"/>
+                </a:moveTo>
+                <a:lnTo>
+                  <a:pt x="412" y="161"/>
+                </a:lnTo>
+                <a:lnTo>
+                  <a:pt x="412" y="171"/>
+                </a:lnTo>
+                <a:lnTo>
+                  <a:pt x="371" y="168"/>
+                </a:lnTo>
+                <a:lnTo>
+                  <a:pt x="371" y="157"/>
+                </a:lnTo>
+                <a:close/>
+                <a:moveTo>
+                  <a:pt x="412" y="184"/>
+                </a:moveTo>
+                <a:lnTo>
+                  <a:pt x="412" y="195"/>
+                </a:lnTo>
+                <a:lnTo>
+                  <a:pt x="371" y="193"/>
+                </a:lnTo>
+                <a:lnTo>
+                  <a:pt x="371" y="182"/>
+                </a:lnTo>
+                <a:lnTo>
+                  <a:pt x="412" y="184"/>
+                </a:lnTo>
+                <a:close/>
+                <a:moveTo>
+                  <a:pt x="371" y="205"/>
+                </a:moveTo>
+                <a:lnTo>
+                  <a:pt x="412" y="205"/>
+                </a:lnTo>
+                <a:lnTo>
+                  <a:pt x="412" y="216"/>
+                </a:lnTo>
+                <a:lnTo>
+                  <a:pt x="371" y="216"/>
+                </a:lnTo>
+                <a:lnTo>
+                  <a:pt x="371" y="205"/>
+                </a:lnTo>
+                <a:close/>
+                <a:moveTo>
+                  <a:pt x="371" y="228"/>
+                </a:moveTo>
+                <a:lnTo>
+                  <a:pt x="412" y="228"/>
+                </a:lnTo>
+                <a:lnTo>
+                  <a:pt x="412" y="239"/>
+                </a:lnTo>
+                <a:lnTo>
+                  <a:pt x="371" y="239"/>
+                </a:lnTo>
+                <a:lnTo>
+                  <a:pt x="371" y="228"/>
+                </a:lnTo>
+                <a:close/>
+                <a:moveTo>
+                  <a:pt x="412" y="259"/>
+                </a:moveTo>
+                <a:lnTo>
+                  <a:pt x="371" y="262"/>
+                </a:lnTo>
+                <a:lnTo>
+                  <a:pt x="371" y="250"/>
+                </a:lnTo>
+                <a:lnTo>
+                  <a:pt x="412" y="249"/>
+                </a:lnTo>
+                <a:lnTo>
+                  <a:pt x="412" y="259"/>
+                </a:lnTo>
+                <a:close/>
+              </a:path>
+            </a:pathLst>
+          </a:custGeom>
+          <a:solidFill>
+            <a:schemeClr val="accent1"/>
+          </a:solidFill>
+          <a:ln>
+            <a:noFill/>
+          </a:ln>
+        </p:spPr>
+        <p:style>
+          <a:lnRef idx="2">
+            <a:schemeClr val="accent1">
+              <a:shade val="50000"/>
+            </a:schemeClr>
+          </a:lnRef>
+          <a:fillRef idx="1">
+            <a:schemeClr val="accent1"/>
+          </a:fillRef>
+          <a:effectRef idx="0">
+            <a:schemeClr val="accent1"/>
+          </a:effectRef>
+          <a:fontRef idx="minor">
+            <a:schemeClr val="lt1"/>
+          </a:fontRef>
+        </p:style>
+        <p:txBody>
+          <a:bodyPr rtlCol="0" anchor="ctr"/>
+          <a:lstStyle/>
+          <a:p>
+            <a:pPr algn="ctr"/>
+            <a:endParaRPr lang="en-US"/>
+          </a:p>
+        </p:txBody>
+      </p:sp>
+      <p:sp>
+        <p:nvSpPr>
+          <p:cNvPr id="7" name="iconfont-1177-865987">
+            <a:extLst>
+              <a:ext uri="{FF2B5EF4-FFF2-40B4-BE49-F238E27FC236}">
+                <a16:creationId xmlns="" xmlns:lc="http://schemas.openxmlformats.org/drawingml/2006/lockedCanvas" xmlns:a16="http://schemas.microsoft.com/office/drawing/2014/main" xmlns:p14="http://schemas.microsoft.com/office/powerpoint/2010/main" id="{54405246-CCE2-4201-BBB1-D3F3EB6E740D}"/>
+              </a:ext>
+            </a:extLst>
+          </p:cNvPr>
+          <p:cNvSpPr/>
+          <p:nvPr/>
+        </p:nvSpPr>
+        <p:spPr>
+          <a:xfrm>
+            <a:off x="5219629" y="1707794"/>
+            <a:ext cx="1578554" cy="1594624"/>
+          </a:xfrm>
+          <a:custGeom>
+            <a:avLst/>
+            <a:gdLst>
+              <a:gd name="T0" fmla="*/ 4971 w 11254"/>
+              <a:gd name="T1" fmla="*/ 2790 h 11368"/>
+              <a:gd name="T2" fmla="*/ 3740 w 11254"/>
+              <a:gd name="T3" fmla="*/ 3650 h 11368"/>
+              <a:gd name="T4" fmla="*/ 4164 w 11254"/>
+              <a:gd name="T5" fmla="*/ 4625 h 11368"/>
+              <a:gd name="T6" fmla="*/ 5404 w 11254"/>
+              <a:gd name="T7" fmla="*/ 5464 h 11368"/>
+              <a:gd name="T8" fmla="*/ 2944 w 11254"/>
+              <a:gd name="T9" fmla="*/ 5464 h 11368"/>
+              <a:gd name="T10" fmla="*/ 2823 w 11254"/>
+              <a:gd name="T11" fmla="*/ 5464 h 11368"/>
+              <a:gd name="T12" fmla="*/ 2181 w 11254"/>
+              <a:gd name="T13" fmla="*/ 6107 h 11368"/>
+              <a:gd name="T14" fmla="*/ 2181 w 11254"/>
+              <a:gd name="T15" fmla="*/ 6107 h 11368"/>
+              <a:gd name="T16" fmla="*/ 2555 w 11254"/>
+              <a:gd name="T17" fmla="*/ 6690 h 11368"/>
+              <a:gd name="T18" fmla="*/ 2230 w 11254"/>
+              <a:gd name="T19" fmla="*/ 7249 h 11368"/>
+              <a:gd name="T20" fmla="*/ 2230 w 11254"/>
+              <a:gd name="T21" fmla="*/ 7249 h 11368"/>
+              <a:gd name="T22" fmla="*/ 2715 w 11254"/>
+              <a:gd name="T23" fmla="*/ 7872 h 11368"/>
+              <a:gd name="T24" fmla="*/ 2559 w 11254"/>
+              <a:gd name="T25" fmla="*/ 8290 h 11368"/>
+              <a:gd name="T26" fmla="*/ 2559 w 11254"/>
+              <a:gd name="T27" fmla="*/ 8290 h 11368"/>
+              <a:gd name="T28" fmla="*/ 3202 w 11254"/>
+              <a:gd name="T29" fmla="*/ 8932 h 11368"/>
+              <a:gd name="T30" fmla="*/ 3222 w 11254"/>
+              <a:gd name="T31" fmla="*/ 8932 h 11368"/>
+              <a:gd name="T32" fmla="*/ 3039 w 11254"/>
+              <a:gd name="T33" fmla="*/ 9381 h 11368"/>
+              <a:gd name="T34" fmla="*/ 3039 w 11254"/>
+              <a:gd name="T35" fmla="*/ 9381 h 11368"/>
+              <a:gd name="T36" fmla="*/ 3681 w 11254"/>
+              <a:gd name="T37" fmla="*/ 10024 h 11368"/>
+              <a:gd name="T38" fmla="*/ 4935 w 11254"/>
+              <a:gd name="T39" fmla="*/ 10024 h 11368"/>
+              <a:gd name="T40" fmla="*/ 6513 w 11254"/>
+              <a:gd name="T41" fmla="*/ 10024 h 11368"/>
+              <a:gd name="T42" fmla="*/ 6534 w 11254"/>
+              <a:gd name="T43" fmla="*/ 10024 h 11368"/>
+              <a:gd name="T44" fmla="*/ 7093 w 11254"/>
+              <a:gd name="T45" fmla="*/ 9464 h 11368"/>
+              <a:gd name="T46" fmla="*/ 8866 w 11254"/>
+              <a:gd name="T47" fmla="*/ 9280 h 11368"/>
+              <a:gd name="T48" fmla="*/ 8866 w 11254"/>
+              <a:gd name="T49" fmla="*/ 10101 h 11368"/>
+              <a:gd name="T50" fmla="*/ 11254 w 11254"/>
+              <a:gd name="T51" fmla="*/ 10101 h 11368"/>
+              <a:gd name="T52" fmla="*/ 11254 w 11254"/>
+              <a:gd name="T53" fmla="*/ 5146 h 11368"/>
+              <a:gd name="T54" fmla="*/ 8866 w 11254"/>
+              <a:gd name="T55" fmla="*/ 5146 h 11368"/>
+              <a:gd name="T56" fmla="*/ 8866 w 11254"/>
+              <a:gd name="T57" fmla="*/ 5770 h 11368"/>
+              <a:gd name="T58" fmla="*/ 8044 w 11254"/>
+              <a:gd name="T59" fmla="*/ 5769 h 11368"/>
+              <a:gd name="T60" fmla="*/ 4971 w 11254"/>
+              <a:gd name="T61" fmla="*/ 2790 h 11368"/>
+              <a:gd name="T62" fmla="*/ 3455 w 11254"/>
+              <a:gd name="T63" fmla="*/ 2726 h 11368"/>
+              <a:gd name="T64" fmla="*/ 3173 w 11254"/>
+              <a:gd name="T65" fmla="*/ 3013 h 11368"/>
+              <a:gd name="T66" fmla="*/ 4147 w 11254"/>
+              <a:gd name="T67" fmla="*/ 5252 h 11368"/>
+              <a:gd name="T68" fmla="*/ 2562 w 11254"/>
+              <a:gd name="T69" fmla="*/ 5252 h 11368"/>
+              <a:gd name="T70" fmla="*/ 1838 w 11254"/>
+              <a:gd name="T71" fmla="*/ 3594 h 11368"/>
+              <a:gd name="T72" fmla="*/ 256 w 11254"/>
+              <a:gd name="T73" fmla="*/ 3155 h 11368"/>
+              <a:gd name="T74" fmla="*/ 218 w 11254"/>
+              <a:gd name="T75" fmla="*/ 816 h 11368"/>
+              <a:gd name="T76" fmla="*/ 534 w 11254"/>
+              <a:gd name="T77" fmla="*/ 695 h 11368"/>
+              <a:gd name="T78" fmla="*/ 1105 w 11254"/>
+              <a:gd name="T79" fmla="*/ 2194 h 11368"/>
+              <a:gd name="T80" fmla="*/ 2612 w 11254"/>
+              <a:gd name="T81" fmla="*/ 1619 h 11368"/>
+              <a:gd name="T82" fmla="*/ 2041 w 11254"/>
+              <a:gd name="T83" fmla="*/ 120 h 11368"/>
+              <a:gd name="T84" fmla="*/ 2357 w 11254"/>
+              <a:gd name="T85" fmla="*/ 0 h 11368"/>
+              <a:gd name="T86" fmla="*/ 3886 w 11254"/>
+              <a:gd name="T87" fmla="*/ 1771 h 11368"/>
+              <a:gd name="T88" fmla="*/ 3455 w 11254"/>
+              <a:gd name="T89" fmla="*/ 2726 h 11368"/>
+              <a:gd name="T90" fmla="*/ 4889 w 11254"/>
+              <a:gd name="T91" fmla="*/ 10295 h 11368"/>
+              <a:gd name="T92" fmla="*/ 5152 w 11254"/>
+              <a:gd name="T93" fmla="*/ 10897 h 11368"/>
+              <a:gd name="T94" fmla="*/ 6631 w 11254"/>
+              <a:gd name="T95" fmla="*/ 10670 h 11368"/>
+              <a:gd name="T96" fmla="*/ 6468 w 11254"/>
+              <a:gd name="T97" fmla="*/ 10295 h 11368"/>
+              <a:gd name="T98" fmla="*/ 4889 w 11254"/>
+              <a:gd name="T99" fmla="*/ 10295 h 11368"/>
+            </a:gdLst>
+            <a:ahLst/>
+            <a:cxnLst>
+              <a:cxn ang="0">
+                <a:pos x="T0" y="T1"/>
+              </a:cxn>
+              <a:cxn ang="0">
+                <a:pos x="T2" y="T3"/>
+              </a:cxn>
+              <a:cxn ang="0">
+                <a:pos x="T4" y="T5"/>
+              </a:cxn>
+              <a:cxn ang="0">
+                <a:pos x="T6" y="T7"/>
+              </a:cxn>
+              <a:cxn ang="0">
+                <a:pos x="T8" y="T9"/>
+              </a:cxn>
+              <a:cxn ang="0">
+                <a:pos x="T10" y="T11"/>
+              </a:cxn>
+              <a:cxn ang="0">
+                <a:pos x="T12" y="T13"/>
+              </a:cxn>
+              <a:cxn ang="0">
+                <a:pos x="T14" y="T15"/>
+              </a:cxn>
+              <a:cxn ang="0">
+                <a:pos x="T16" y="T17"/>
+              </a:cxn>
+              <a:cxn ang="0">
+                <a:pos x="T18" y="T19"/>
+              </a:cxn>
+              <a:cxn ang="0">
+                <a:pos x="T20" y="T21"/>
+              </a:cxn>
+              <a:cxn ang="0">
+                <a:pos x="T22" y="T23"/>
+              </a:cxn>
+              <a:cxn ang="0">
+                <a:pos x="T24" y="T25"/>
+              </a:cxn>
+              <a:cxn ang="0">
+                <a:pos x="T26" y="T27"/>
+              </a:cxn>
+              <a:cxn ang="0">
+                <a:pos x="T28" y="T29"/>
+              </a:cxn>
+              <a:cxn ang="0">
+                <a:pos x="T30" y="T31"/>
+              </a:cxn>
+              <a:cxn ang="0">
+                <a:pos x="T32" y="T33"/>
+              </a:cxn>
+              <a:cxn ang="0">
+                <a:pos x="T34" y="T35"/>
+              </a:cxn>
+              <a:cxn ang="0">
+                <a:pos x="T36" y="T37"/>
+              </a:cxn>
+              <a:cxn ang="0">
+                <a:pos x="T38" y="T39"/>
+              </a:cxn>
+              <a:cxn ang="0">
+                <a:pos x="T40" y="T41"/>
+              </a:cxn>
+              <a:cxn ang="0">
+                <a:pos x="T42" y="T43"/>
+              </a:cxn>
+              <a:cxn ang="0">
+                <a:pos x="T44" y="T45"/>
+              </a:cxn>
+              <a:cxn ang="0">
+                <a:pos x="T46" y="T47"/>
+              </a:cxn>
+              <a:cxn ang="0">
+                <a:pos x="T48" y="T49"/>
+              </a:cxn>
+              <a:cxn ang="0">
+                <a:pos x="T50" y="T51"/>
+              </a:cxn>
+              <a:cxn ang="0">
+                <a:pos x="T52" y="T53"/>
+              </a:cxn>
+              <a:cxn ang="0">
+                <a:pos x="T54" y="T55"/>
+              </a:cxn>
+              <a:cxn ang="0">
+                <a:pos x="T56" y="T57"/>
+              </a:cxn>
+              <a:cxn ang="0">
+                <a:pos x="T58" y="T59"/>
+              </a:cxn>
+              <a:cxn ang="0">
+                <a:pos x="T60" y="T61"/>
+              </a:cxn>
+              <a:cxn ang="0">
+                <a:pos x="T62" y="T63"/>
+              </a:cxn>
+              <a:cxn ang="0">
+                <a:pos x="T64" y="T65"/>
+              </a:cxn>
+              <a:cxn ang="0">
+                <a:pos x="T66" y="T67"/>
+              </a:cxn>
+              <a:cxn ang="0">
+                <a:pos x="T68" y="T69"/>
+              </a:cxn>
+              <a:cxn ang="0">
+                <a:pos x="T70" y="T71"/>
+              </a:cxn>
+              <a:cxn ang="0">
+                <a:pos x="T72" y="T73"/>
+              </a:cxn>
+              <a:cxn ang="0">
+                <a:pos x="T74" y="T75"/>
+              </a:cxn>
+              <a:cxn ang="0">
+                <a:pos x="T76" y="T77"/>
+              </a:cxn>
+              <a:cxn ang="0">
+                <a:pos x="T78" y="T79"/>
+              </a:cxn>
+              <a:cxn ang="0">
+                <a:pos x="T80" y="T81"/>
+              </a:cxn>
+              <a:cxn ang="0">
+                <a:pos x="T82" y="T83"/>
+              </a:cxn>
+              <a:cxn ang="0">
+                <a:pos x="T84" y="T85"/>
+              </a:cxn>
+              <a:cxn ang="0">
+                <a:pos x="T86" y="T87"/>
+              </a:cxn>
+              <a:cxn ang="0">
+                <a:pos x="T88" y="T89"/>
+              </a:cxn>
+              <a:cxn ang="0">
+                <a:pos x="T90" y="T91"/>
+              </a:cxn>
+              <a:cxn ang="0">
+                <a:pos x="T92" y="T93"/>
+              </a:cxn>
+              <a:cxn ang="0">
+                <a:pos x="T94" y="T95"/>
+              </a:cxn>
+              <a:cxn ang="0">
+                <a:pos x="T96" y="T97"/>
+              </a:cxn>
+              <a:cxn ang="0">
+                <a:pos x="T98" y="T99"/>
+              </a:cxn>
+            </a:cxnLst>
+            <a:rect l="0" t="0" r="r" b="b"/>
+            <a:pathLst>
+              <a:path w="11254" h="11368">
+                <a:moveTo>
+                  <a:pt x="4971" y="2790"/>
+                </a:moveTo>
+                <a:cubicBezTo>
+                  <a:pt x="4394" y="2771"/>
+                  <a:pt x="3831" y="3140"/>
+                  <a:pt x="3740" y="3650"/>
+                </a:cubicBezTo>
+                <a:lnTo>
+                  <a:pt x="4164" y="4625"/>
+                </a:lnTo>
+                <a:cubicBezTo>
+                  <a:pt x="4525" y="4914"/>
+                  <a:pt x="5139" y="5184"/>
+                  <a:pt x="5404" y="5464"/>
+                </a:cubicBezTo>
+                <a:lnTo>
+                  <a:pt x="2944" y="5464"/>
+                </a:lnTo>
+                <a:lnTo>
+                  <a:pt x="2823" y="5464"/>
+                </a:lnTo>
+                <a:cubicBezTo>
+                  <a:pt x="2470" y="5464"/>
+                  <a:pt x="2181" y="5753"/>
+                  <a:pt x="2181" y="6107"/>
+                </a:cubicBezTo>
+                <a:lnTo>
+                  <a:pt x="2181" y="6107"/>
+                </a:lnTo>
+                <a:cubicBezTo>
+                  <a:pt x="2181" y="6364"/>
+                  <a:pt x="2335" y="6588"/>
+                  <a:pt x="2555" y="6690"/>
+                </a:cubicBezTo>
+                <a:cubicBezTo>
+                  <a:pt x="2361" y="6801"/>
+                  <a:pt x="2230" y="7010"/>
+                  <a:pt x="2230" y="7249"/>
+                </a:cubicBezTo>
+                <a:lnTo>
+                  <a:pt x="2230" y="7249"/>
+                </a:lnTo>
+                <a:cubicBezTo>
+                  <a:pt x="2230" y="7548"/>
+                  <a:pt x="2436" y="7801"/>
+                  <a:pt x="2715" y="7872"/>
+                </a:cubicBezTo>
+                <a:cubicBezTo>
+                  <a:pt x="2618" y="7985"/>
+                  <a:pt x="2559" y="8130"/>
+                  <a:pt x="2559" y="8290"/>
+                </a:cubicBezTo>
+                <a:lnTo>
+                  <a:pt x="2559" y="8290"/>
+                </a:lnTo>
+                <a:cubicBezTo>
+                  <a:pt x="2559" y="8643"/>
+                  <a:pt x="2848" y="8932"/>
+                  <a:pt x="3202" y="8932"/>
+                </a:cubicBezTo>
+                <a:lnTo>
+                  <a:pt x="3222" y="8932"/>
+                </a:lnTo>
+                <a:cubicBezTo>
+                  <a:pt x="3110" y="9048"/>
+                  <a:pt x="3039" y="9207"/>
+                  <a:pt x="3039" y="9381"/>
+                </a:cubicBezTo>
+                <a:lnTo>
+                  <a:pt x="3039" y="9381"/>
+                </a:lnTo>
+                <a:cubicBezTo>
+                  <a:pt x="3039" y="9735"/>
+                  <a:pt x="3328" y="10024"/>
+                  <a:pt x="3681" y="10024"/>
+                </a:cubicBezTo>
+                <a:lnTo>
+                  <a:pt x="4935" y="10024"/>
+                </a:lnTo>
+                <a:lnTo>
+                  <a:pt x="6513" y="10024"/>
+                </a:lnTo>
+                <a:lnTo>
+                  <a:pt x="6534" y="10024"/>
+                </a:lnTo>
+                <a:lnTo>
+                  <a:pt x="7093" y="9464"/>
+                </a:lnTo>
+                <a:lnTo>
+                  <a:pt x="8866" y="9280"/>
+                </a:lnTo>
+                <a:lnTo>
+                  <a:pt x="8866" y="10101"/>
+                </a:lnTo>
+                <a:lnTo>
+                  <a:pt x="11254" y="10101"/>
+                </a:lnTo>
+                <a:lnTo>
+                  <a:pt x="11254" y="5146"/>
+                </a:lnTo>
+                <a:lnTo>
+                  <a:pt x="8866" y="5146"/>
+                </a:lnTo>
+                <a:lnTo>
+                  <a:pt x="8866" y="5770"/>
+                </a:lnTo>
+                <a:lnTo>
+                  <a:pt x="8044" y="5769"/>
+                </a:lnTo>
+                <a:cubicBezTo>
+                  <a:pt x="7625" y="4261"/>
+                  <a:pt x="5238" y="4383"/>
+                  <a:pt x="4971" y="2790"/>
+                </a:cubicBezTo>
+                <a:close/>
+                <a:moveTo>
+                  <a:pt x="3455" y="2726"/>
+                </a:moveTo>
+                <a:lnTo>
+                  <a:pt x="3173" y="3013"/>
+                </a:lnTo>
+                <a:lnTo>
+                  <a:pt x="4147" y="5252"/>
+                </a:lnTo>
+                <a:lnTo>
+                  <a:pt x="2562" y="5252"/>
+                </a:lnTo>
+                <a:lnTo>
+                  <a:pt x="1838" y="3594"/>
+                </a:lnTo>
+                <a:cubicBezTo>
+                  <a:pt x="1280" y="3662"/>
+                  <a:pt x="706" y="3533"/>
+                  <a:pt x="256" y="3155"/>
+                </a:cubicBezTo>
+                <a:cubicBezTo>
+                  <a:pt x="0" y="2209"/>
+                  <a:pt x="48" y="1470"/>
+                  <a:pt x="218" y="816"/>
+                </a:cubicBezTo>
+                <a:cubicBezTo>
+                  <a:pt x="324" y="776"/>
+                  <a:pt x="429" y="736"/>
+                  <a:pt x="534" y="695"/>
+                </a:cubicBezTo>
+                <a:cubicBezTo>
+                  <a:pt x="724" y="1195"/>
+                  <a:pt x="915" y="1695"/>
+                  <a:pt x="1105" y="2194"/>
+                </a:cubicBezTo>
+                <a:cubicBezTo>
+                  <a:pt x="1722" y="2229"/>
+                  <a:pt x="2176" y="2055"/>
+                  <a:pt x="2612" y="1619"/>
+                </a:cubicBezTo>
+                <a:cubicBezTo>
+                  <a:pt x="2422" y="1119"/>
+                  <a:pt x="2231" y="619"/>
+                  <a:pt x="2041" y="120"/>
+                </a:cubicBezTo>
+                <a:cubicBezTo>
+                  <a:pt x="2146" y="80"/>
+                  <a:pt x="2251" y="40"/>
+                  <a:pt x="2357" y="0"/>
+                </a:cubicBezTo>
+                <a:cubicBezTo>
+                  <a:pt x="2919" y="375"/>
+                  <a:pt x="3447" y="893"/>
+                  <a:pt x="3886" y="1771"/>
+                </a:cubicBezTo>
+                <a:cubicBezTo>
+                  <a:pt x="3832" y="2133"/>
+                  <a:pt x="3677" y="2456"/>
+                  <a:pt x="3455" y="2726"/>
+                </a:cubicBezTo>
+                <a:close/>
+                <a:moveTo>
+                  <a:pt x="4889" y="10295"/>
+                </a:moveTo>
+                <a:lnTo>
+                  <a:pt x="5152" y="10897"/>
+                </a:lnTo>
+                <a:cubicBezTo>
+                  <a:pt x="5433" y="11368"/>
+                  <a:pt x="6522" y="11264"/>
+                  <a:pt x="6631" y="10670"/>
+                </a:cubicBezTo>
+                <a:lnTo>
+                  <a:pt x="6468" y="10295"/>
+                </a:lnTo>
+                <a:lnTo>
+                  <a:pt x="4889" y="10295"/>
+                </a:lnTo>
+                <a:close/>
+              </a:path>
+            </a:pathLst>
+          </a:custGeom>
+          <a:solidFill>
+            <a:schemeClr val="accent1"/>
+          </a:solidFill>
+          <a:ln>
+            <a:noFill/>
+          </a:ln>
+        </p:spPr>
+        <p:style>
+          <a:lnRef idx="2">
+            <a:schemeClr val="accent1">
+              <a:shade val="50000"/>
+            </a:schemeClr>
+          </a:lnRef>
+          <a:fillRef idx="1">
+            <a:schemeClr val="accent1"/>
+          </a:fillRef>
+          <a:effectRef idx="0">
+            <a:schemeClr val="accent1"/>
+          </a:effectRef>
+          <a:fontRef idx="minor">
+            <a:schemeClr val="lt1"/>
+          </a:fontRef>
+        </p:style>
+        <p:txBody>
+          <a:bodyPr rtlCol="0" anchor="ctr"/>
+          <a:lstStyle>
+            <a:defPPr>
+              <a:defRPr lang="zh-CN"/>
+            </a:defPPr>
+            <a:lvl1pPr marL="0" algn="l" defTabSz="914400" rtl="0" eaLnBrk="1" latinLnBrk="0" hangingPunct="1">
+              <a:defRPr sz="1800" kern="1200">
+                <a:solidFill>
+                  <a:schemeClr val="lt1"/>
+                </a:solidFill>
+                <a:latin typeface="+mn-lt"/>
+                <a:ea typeface="+mn-ea"/>
+                <a:cs typeface="+mn-cs"/>
+              </a:defRPr>
+            </a:lvl1pPr>
+            <a:lvl2pPr marL="457200" algn="l" defTabSz="914400" rtl="0" eaLnBrk="1" latinLnBrk="0" hangingPunct="1">
+              <a:defRPr sz="1800" kern="1200">
+                <a:solidFill>
+                  <a:schemeClr val="lt1"/>
+                </a:solidFill>
+                <a:latin typeface="+mn-lt"/>
+                <a:ea typeface="+mn-ea"/>
+                <a:cs typeface="+mn-cs"/>
+              </a:defRPr>
+            </a:lvl2pPr>
+            <a:lvl3pPr marL="914400" algn="l" defTabSz="914400" rtl="0" eaLnBrk="1" latinLnBrk="0" hangingPunct="1">
+              <a:defRPr sz="1800" kern="1200">
+                <a:solidFill>
+                  <a:schemeClr val="lt1"/>
+                </a:solidFill>
+                <a:latin typeface="+mn-lt"/>
+                <a:ea typeface="+mn-ea"/>
+                <a:cs typeface="+mn-cs"/>
+              </a:defRPr>
+            </a:lvl3pPr>
+            <a:lvl4pPr marL="1371600" algn="l" defTabSz="914400" rtl="0" eaLnBrk="1" latinLnBrk="0" hangingPunct="1">
+              <a:defRPr sz="1800" kern="1200">
+                <a:solidFill>
+                  <a:schemeClr val="lt1"/>
+                </a:solidFill>
+                <a:latin typeface="+mn-lt"/>
+                <a:ea typeface="+mn-ea"/>
+                <a:cs typeface="+mn-cs"/>
+              </a:defRPr>
+            </a:lvl4pPr>
+            <a:lvl5pPr marL="1828800" algn="l" defTabSz="914400" rtl="0" eaLnBrk="1" latinLnBrk="0" hangingPunct="1">
+              <a:defRPr sz="1800" kern="1200">
+                <a:solidFill>
+                  <a:schemeClr val="lt1"/>
+                </a:solidFill>
+                <a:latin typeface="+mn-lt"/>
+                <a:ea typeface="+mn-ea"/>
+                <a:cs typeface="+mn-cs"/>
+              </a:defRPr>
+            </a:lvl5pPr>
+            <a:lvl6pPr marL="2286000" algn="l" defTabSz="914400" rtl="0" eaLnBrk="1" latinLnBrk="0" hangingPunct="1">
+              <a:defRPr sz="1800" kern="1200">
+                <a:solidFill>
+                  <a:schemeClr val="lt1"/>
+                </a:solidFill>
+                <a:latin typeface="+mn-lt"/>
+                <a:ea typeface="+mn-ea"/>
+                <a:cs typeface="+mn-cs"/>
+              </a:defRPr>
+            </a:lvl6pPr>
+            <a:lvl7pPr marL="2743200" algn="l" defTabSz="914400" rtl="0" eaLnBrk="1" latinLnBrk="0" hangingPunct="1">
+              <a:defRPr sz="1800" kern="1200">
+                <a:solidFill>
+                  <a:schemeClr val="lt1"/>
+                </a:solidFill>
+                <a:latin typeface="+mn-lt"/>
+                <a:ea typeface="+mn-ea"/>
+                <a:cs typeface="+mn-cs"/>
+              </a:defRPr>
+            </a:lvl7pPr>
+            <a:lvl8pPr marL="3200400" algn="l" defTabSz="914400" rtl="0" eaLnBrk="1" latinLnBrk="0" hangingPunct="1">
+              <a:defRPr sz="1800" kern="1200">
+                <a:solidFill>
+                  <a:schemeClr val="lt1"/>
+                </a:solidFill>
+                <a:latin typeface="+mn-lt"/>
+                <a:ea typeface="+mn-ea"/>
+                <a:cs typeface="+mn-cs"/>
+              </a:defRPr>
+            </a:lvl8pPr>
+            <a:lvl9pPr marL="3657600" algn="l" defTabSz="914400" rtl="0" eaLnBrk="1" latinLnBrk="0" hangingPunct="1">
+              <a:defRPr sz="1800" kern="1200">
+                <a:solidFill>
+                  <a:schemeClr val="lt1"/>
+                </a:solidFill>
+                <a:latin typeface="+mn-lt"/>
+                <a:ea typeface="+mn-ea"/>
+                <a:cs typeface="+mn-cs"/>
+              </a:defRPr>
+            </a:lvl9pPr>
+          </a:lstStyle>
+          <a:p>
+            <a:pPr algn="ctr"/>
+            <a:endParaRPr lang="en-US"/>
+          </a:p>
+        </p:txBody>
+      </p:sp>
+      <p:sp>
+        <p:nvSpPr>
+          <p:cNvPr id="8" name="team_156684">
+            <a:extLst>
+              <a:ext uri="{FF2B5EF4-FFF2-40B4-BE49-F238E27FC236}">
+                <a16:creationId xmlns="" xmlns:a16="http://schemas.microsoft.com/office/drawing/2014/main" xmlns:p14="http://schemas.microsoft.com/office/powerpoint/2010/main" id="{54405246-CCE2-4201-BBB1-D3F3EB6E740D}"/>
+              </a:ext>
+            </a:extLst>
+          </p:cNvPr>
+          <p:cNvSpPr/>
+          <p:nvPr/>
+        </p:nvSpPr>
+        <p:spPr>
+          <a:xfrm>
+            <a:off x="8728201" y="1707794"/>
+            <a:ext cx="1865458" cy="1628206"/>
+          </a:xfrm>
+          <a:custGeom>
+            <a:avLst/>
+            <a:gdLst>
+              <a:gd name="connsiteX0" fmla="*/ 557093 w 606580"/>
+              <a:gd name="connsiteY0" fmla="*/ 503413 h 605592"/>
+              <a:gd name="connsiteX1" fmla="*/ 606580 w 606580"/>
+              <a:gd name="connsiteY1" fmla="*/ 549588 h 605592"/>
+              <a:gd name="connsiteX2" fmla="*/ 606580 w 606580"/>
+              <a:gd name="connsiteY2" fmla="*/ 605592 h 605592"/>
+              <a:gd name="connsiteX3" fmla="*/ 509835 w 606580"/>
+              <a:gd name="connsiteY3" fmla="*/ 605592 h 605592"/>
+              <a:gd name="connsiteX4" fmla="*/ 473494 w 606580"/>
+              <a:gd name="connsiteY4" fmla="*/ 503413 h 605592"/>
+              <a:gd name="connsiteX5" fmla="*/ 507496 w 606580"/>
+              <a:gd name="connsiteY5" fmla="*/ 503413 h 605592"/>
+              <a:gd name="connsiteX6" fmla="*/ 541590 w 606580"/>
+              <a:gd name="connsiteY6" fmla="*/ 503413 h 605592"/>
+              <a:gd name="connsiteX7" fmla="*/ 507496 w 606580"/>
+              <a:gd name="connsiteY7" fmla="*/ 578636 h 605592"/>
+              <a:gd name="connsiteX8" fmla="*/ 458011 w 606580"/>
+              <a:gd name="connsiteY8" fmla="*/ 503413 h 605592"/>
+              <a:gd name="connsiteX9" fmla="*/ 505177 w 606580"/>
+              <a:gd name="connsiteY9" fmla="*/ 605592 h 605592"/>
+              <a:gd name="connsiteX10" fmla="*/ 408432 w 606580"/>
+              <a:gd name="connsiteY10" fmla="*/ 605592 h 605592"/>
+              <a:gd name="connsiteX11" fmla="*/ 408432 w 606580"/>
+              <a:gd name="connsiteY11" fmla="*/ 549588 h 605592"/>
+              <a:gd name="connsiteX12" fmla="*/ 458011 w 606580"/>
+              <a:gd name="connsiteY12" fmla="*/ 503413 h 605592"/>
+              <a:gd name="connsiteX13" fmla="*/ 148660 w 606580"/>
+              <a:gd name="connsiteY13" fmla="*/ 503413 h 605592"/>
+              <a:gd name="connsiteX14" fmla="*/ 198147 w 606580"/>
+              <a:gd name="connsiteY14" fmla="*/ 549588 h 605592"/>
+              <a:gd name="connsiteX15" fmla="*/ 198147 w 606580"/>
+              <a:gd name="connsiteY15" fmla="*/ 605592 h 605592"/>
+              <a:gd name="connsiteX16" fmla="*/ 101402 w 606580"/>
+              <a:gd name="connsiteY16" fmla="*/ 605592 h 605592"/>
+              <a:gd name="connsiteX17" fmla="*/ 65061 w 606580"/>
+              <a:gd name="connsiteY17" fmla="*/ 503413 h 605592"/>
+              <a:gd name="connsiteX18" fmla="*/ 99038 w 606580"/>
+              <a:gd name="connsiteY18" fmla="*/ 503413 h 605592"/>
+              <a:gd name="connsiteX19" fmla="*/ 133015 w 606580"/>
+              <a:gd name="connsiteY19" fmla="*/ 503413 h 605592"/>
+              <a:gd name="connsiteX20" fmla="*/ 99038 w 606580"/>
+              <a:gd name="connsiteY20" fmla="*/ 578636 h 605592"/>
+              <a:gd name="connsiteX21" fmla="*/ 49579 w 606580"/>
+              <a:gd name="connsiteY21" fmla="*/ 503413 h 605592"/>
+              <a:gd name="connsiteX22" fmla="*/ 96745 w 606580"/>
+              <a:gd name="connsiteY22" fmla="*/ 605592 h 605592"/>
+              <a:gd name="connsiteX23" fmla="*/ 0 w 606580"/>
+              <a:gd name="connsiteY23" fmla="*/ 605592 h 605592"/>
+              <a:gd name="connsiteX24" fmla="*/ 0 w 606580"/>
+              <a:gd name="connsiteY24" fmla="*/ 549588 h 605592"/>
+              <a:gd name="connsiteX25" fmla="*/ 49579 w 606580"/>
+              <a:gd name="connsiteY25" fmla="*/ 503413 h 605592"/>
+              <a:gd name="connsiteX26" fmla="*/ 507542 w 606580"/>
+              <a:gd name="connsiteY26" fmla="*/ 394602 h 605592"/>
+              <a:gd name="connsiteX27" fmla="*/ 556409 w 606580"/>
+              <a:gd name="connsiteY27" fmla="*/ 443433 h 605592"/>
+              <a:gd name="connsiteX28" fmla="*/ 507542 w 606580"/>
+              <a:gd name="connsiteY28" fmla="*/ 492264 h 605592"/>
+              <a:gd name="connsiteX29" fmla="*/ 458675 w 606580"/>
+              <a:gd name="connsiteY29" fmla="*/ 443433 h 605592"/>
+              <a:gd name="connsiteX30" fmla="*/ 507542 w 606580"/>
+              <a:gd name="connsiteY30" fmla="*/ 394602 h 605592"/>
+              <a:gd name="connsiteX31" fmla="*/ 99110 w 606580"/>
+              <a:gd name="connsiteY31" fmla="*/ 394602 h 605592"/>
+              <a:gd name="connsiteX32" fmla="*/ 147977 w 606580"/>
+              <a:gd name="connsiteY32" fmla="*/ 443433 h 605592"/>
+              <a:gd name="connsiteX33" fmla="*/ 99110 w 606580"/>
+              <a:gd name="connsiteY33" fmla="*/ 492264 h 605592"/>
+              <a:gd name="connsiteX34" fmla="*/ 50243 w 606580"/>
+              <a:gd name="connsiteY34" fmla="*/ 443433 h 605592"/>
+              <a:gd name="connsiteX35" fmla="*/ 99110 w 606580"/>
+              <a:gd name="connsiteY35" fmla="*/ 394602 h 605592"/>
+              <a:gd name="connsiteX36" fmla="*/ 286589 w 606580"/>
+              <a:gd name="connsiteY36" fmla="*/ 248884 h 605592"/>
+              <a:gd name="connsiteX37" fmla="*/ 324564 w 606580"/>
+              <a:gd name="connsiteY37" fmla="*/ 248884 h 605592"/>
+              <a:gd name="connsiteX38" fmla="*/ 324564 w 606580"/>
+              <a:gd name="connsiteY38" fmla="*/ 283929 h 605592"/>
+              <a:gd name="connsiteX39" fmla="*/ 526418 w 606580"/>
+              <a:gd name="connsiteY39" fmla="*/ 283929 h 605592"/>
+              <a:gd name="connsiteX40" fmla="*/ 526418 w 606580"/>
+              <a:gd name="connsiteY40" fmla="*/ 356708 h 605592"/>
+              <a:gd name="connsiteX41" fmla="*/ 488536 w 606580"/>
+              <a:gd name="connsiteY41" fmla="*/ 356708 h 605592"/>
+              <a:gd name="connsiteX42" fmla="*/ 488536 w 606580"/>
+              <a:gd name="connsiteY42" fmla="*/ 321848 h 605592"/>
+              <a:gd name="connsiteX43" fmla="*/ 117974 w 606580"/>
+              <a:gd name="connsiteY43" fmla="*/ 321848 h 605592"/>
+              <a:gd name="connsiteX44" fmla="*/ 117974 w 606580"/>
+              <a:gd name="connsiteY44" fmla="*/ 356708 h 605592"/>
+              <a:gd name="connsiteX45" fmla="*/ 80092 w 606580"/>
+              <a:gd name="connsiteY45" fmla="*/ 356708 h 605592"/>
+              <a:gd name="connsiteX46" fmla="*/ 80092 w 606580"/>
+              <a:gd name="connsiteY46" fmla="*/ 283929 h 605592"/>
+              <a:gd name="connsiteX47" fmla="*/ 286589 w 606580"/>
+              <a:gd name="connsiteY47" fmla="*/ 283929 h 605592"/>
+              <a:gd name="connsiteX48" fmla="*/ 352785 w 606580"/>
+              <a:gd name="connsiteY48" fmla="*/ 108812 h 605592"/>
+              <a:gd name="connsiteX49" fmla="*/ 402364 w 606580"/>
+              <a:gd name="connsiteY49" fmla="*/ 154977 h 605592"/>
+              <a:gd name="connsiteX50" fmla="*/ 402364 w 606580"/>
+              <a:gd name="connsiteY50" fmla="*/ 211061 h 605592"/>
+              <a:gd name="connsiteX51" fmla="*/ 305619 w 606580"/>
+              <a:gd name="connsiteY51" fmla="*/ 211061 h 605592"/>
+              <a:gd name="connsiteX52" fmla="*/ 269277 w 606580"/>
+              <a:gd name="connsiteY52" fmla="*/ 108812 h 605592"/>
+              <a:gd name="connsiteX53" fmla="*/ 303336 w 606580"/>
+              <a:gd name="connsiteY53" fmla="*/ 108812 h 605592"/>
+              <a:gd name="connsiteX54" fmla="*/ 337302 w 606580"/>
+              <a:gd name="connsiteY54" fmla="*/ 108812 h 605592"/>
+              <a:gd name="connsiteX55" fmla="*/ 303336 w 606580"/>
+              <a:gd name="connsiteY55" fmla="*/ 184035 h 605592"/>
+              <a:gd name="connsiteX56" fmla="*/ 253774 w 606580"/>
+              <a:gd name="connsiteY56" fmla="*/ 108812 h 605592"/>
+              <a:gd name="connsiteX57" fmla="*/ 301032 w 606580"/>
+              <a:gd name="connsiteY57" fmla="*/ 211061 h 605592"/>
+              <a:gd name="connsiteX58" fmla="*/ 204287 w 606580"/>
+              <a:gd name="connsiteY58" fmla="*/ 211061 h 605592"/>
+              <a:gd name="connsiteX59" fmla="*/ 204287 w 606580"/>
+              <a:gd name="connsiteY59" fmla="*/ 154977 h 605592"/>
+              <a:gd name="connsiteX60" fmla="*/ 253774 w 606580"/>
+              <a:gd name="connsiteY60" fmla="*/ 108812 h 605592"/>
+              <a:gd name="connsiteX61" fmla="*/ 303290 w 606580"/>
+              <a:gd name="connsiteY61" fmla="*/ 0 h 605592"/>
+              <a:gd name="connsiteX62" fmla="*/ 352192 w 606580"/>
+              <a:gd name="connsiteY62" fmla="*/ 48796 h 605592"/>
+              <a:gd name="connsiteX63" fmla="*/ 303290 w 606580"/>
+              <a:gd name="connsiteY63" fmla="*/ 97592 h 605592"/>
+              <a:gd name="connsiteX64" fmla="*/ 254388 w 606580"/>
+              <a:gd name="connsiteY64" fmla="*/ 48796 h 605592"/>
+              <a:gd name="connsiteX65" fmla="*/ 303290 w 606580"/>
+              <a:gd name="connsiteY65" fmla="*/ 0 h 605592"/>
+            </a:gdLst>
+            <a:ahLst/>
+            <a:cxnLst>
+              <a:cxn ang="0">
+                <a:pos x="connsiteX0" y="connsiteY0"/>
+              </a:cxn>
+              <a:cxn ang="0">
+                <a:pos x="connsiteX1" y="connsiteY1"/>
+              </a:cxn>
+              <a:cxn ang="0">
+                <a:pos x="connsiteX2" y="connsiteY2"/>
+              </a:cxn>
+              <a:cxn ang="0">
+                <a:pos x="connsiteX3" y="connsiteY3"/>
+              </a:cxn>
+              <a:cxn ang="0">
+                <a:pos x="connsiteX4" y="connsiteY4"/>
+              </a:cxn>
+              <a:cxn ang="0">
+                <a:pos x="connsiteX5" y="connsiteY5"/>
+              </a:cxn>
+              <a:cxn ang="0">
+                <a:pos x="connsiteX6" y="connsiteY6"/>
+              </a:cxn>
+              <a:cxn ang="0">
+                <a:pos x="connsiteX7" y="connsiteY7"/>
+              </a:cxn>
+              <a:cxn ang="0">
+                <a:pos x="connsiteX8" y="connsiteY8"/>
+              </a:cxn>
+              <a:cxn ang="0">
+                <a:pos x="connsiteX9" y="connsiteY9"/>
+              </a:cxn>
+              <a:cxn ang="0">
+                <a:pos x="connsiteX10" y="connsiteY10"/>
+              </a:cxn>
+              <a:cxn ang="0">
+                <a:pos x="connsiteX11" y="connsiteY11"/>
+              </a:cxn>
+              <a:cxn ang="0">
+                <a:pos x="connsiteX12" y="connsiteY12"/>
+              </a:cxn>
+              <a:cxn ang="0">
+                <a:pos x="connsiteX13" y="connsiteY13"/>
+              </a:cxn>
+              <a:cxn ang="0">
+                <a:pos x="connsiteX14" y="connsiteY14"/>
+              </a:cxn>
+              <a:cxn ang="0">
+                <a:pos x="connsiteX15" y="connsiteY15"/>
+              </a:cxn>
+              <a:cxn ang="0">
+                <a:pos x="connsiteX16" y="connsiteY16"/>
+              </a:cxn>
+              <a:cxn ang="0">
+                <a:pos x="connsiteX17" y="connsiteY17"/>
+              </a:cxn>
+              <a:cxn ang="0">
+                <a:pos x="connsiteX18" y="connsiteY18"/>
+              </a:cxn>
+              <a:cxn ang="0">
+                <a:pos x="connsiteX19" y="connsiteY19"/>
+              </a:cxn>
+              <a:cxn ang="0">
+                <a:pos x="connsiteX20" y="connsiteY20"/>
+              </a:cxn>
+              <a:cxn ang="0">
+                <a:pos x="connsiteX21" y="connsiteY21"/>
+              </a:cxn>
+              <a:cxn ang="0">
+                <a:pos x="connsiteX22" y="connsiteY22"/>
+              </a:cxn>
+              <a:cxn ang="0">
+                <a:pos x="connsiteX23" y="connsiteY23"/>
+              </a:cxn>
+              <a:cxn ang="0">
+                <a:pos x="connsiteX24" y="connsiteY24"/>
+              </a:cxn>
+              <a:cxn ang="0">
+                <a:pos x="connsiteX25" y="connsiteY25"/>
+              </a:cxn>
+              <a:cxn ang="0">
+                <a:pos x="connsiteX26" y="connsiteY26"/>
+              </a:cxn>
+              <a:cxn ang="0">
+                <a:pos x="connsiteX27" y="connsiteY27"/>
+              </a:cxn>
+              <a:cxn ang="0">
+                <a:pos x="connsiteX28" y="connsiteY28"/>
+              </a:cxn>
+              <a:cxn ang="0">
+                <a:pos x="connsiteX29" y="connsiteY29"/>
+              </a:cxn>
+              <a:cxn ang="0">
+                <a:pos x="connsiteX30" y="connsiteY30"/>
+              </a:cxn>
+              <a:cxn ang="0">
+                <a:pos x="connsiteX31" y="connsiteY31"/>
+              </a:cxn>
+              <a:cxn ang="0">
+                <a:pos x="connsiteX32" y="connsiteY32"/>
+              </a:cxn>
+              <a:cxn ang="0">
+                <a:pos x="connsiteX33" y="connsiteY33"/>
+              </a:cxn>
+              <a:cxn ang="0">
+                <a:pos x="connsiteX34" y="connsiteY34"/>
+              </a:cxn>
+              <a:cxn ang="0">
+                <a:pos x="connsiteX35" y="connsiteY35"/>
+              </a:cxn>
+              <a:cxn ang="0">
+                <a:pos x="connsiteX36" y="connsiteY36"/>
+              </a:cxn>
+              <a:cxn ang="0">
+                <a:pos x="connsiteX37" y="connsiteY37"/>
+              </a:cxn>
+              <a:cxn ang="0">
+                <a:pos x="connsiteX38" y="connsiteY38"/>
+              </a:cxn>
+              <a:cxn ang="0">
+                <a:pos x="connsiteX39" y="connsiteY39"/>
+              </a:cxn>
+              <a:cxn ang="0">
+                <a:pos x="connsiteX40" y="connsiteY40"/>
+              </a:cxn>
+              <a:cxn ang="0">
+                <a:pos x="connsiteX41" y="connsiteY41"/>
+              </a:cxn>
+              <a:cxn ang="0">
+                <a:pos x="connsiteX42" y="connsiteY42"/>
+              </a:cxn>
+              <a:cxn ang="0">
+                <a:pos x="connsiteX43" y="connsiteY43"/>
+              </a:cxn>
+              <a:cxn ang="0">
+                <a:pos x="connsiteX44" y="connsiteY44"/>
+              </a:cxn>
+              <a:cxn ang="0">
+                <a:pos x="connsiteX45" y="connsiteY45"/>
+              </a:cxn>
+              <a:cxn ang="0">
+                <a:pos x="connsiteX46" y="connsiteY46"/>
+              </a:cxn>
+              <a:cxn ang="0">
+                <a:pos x="connsiteX47" y="connsiteY47"/>
+              </a:cxn>
+              <a:cxn ang="0">
+                <a:pos x="connsiteX48" y="connsiteY48"/>
+              </a:cxn>
+              <a:cxn ang="0">
+                <a:pos x="connsiteX49" y="connsiteY49"/>
+              </a:cxn>
+              <a:cxn ang="0">
+                <a:pos x="connsiteX50" y="connsiteY50"/>
+              </a:cxn>
+              <a:cxn ang="0">
+                <a:pos x="connsiteX51" y="connsiteY51"/>
+              </a:cxn>
+              <a:cxn ang="0">
+                <a:pos x="connsiteX52" y="connsiteY52"/>
+              </a:cxn>
+              <a:cxn ang="0">
+                <a:pos x="connsiteX53" y="connsiteY53"/>
+              </a:cxn>
+              <a:cxn ang="0">
+                <a:pos x="connsiteX54" y="connsiteY54"/>
+              </a:cxn>
+              <a:cxn ang="0">
+                <a:pos x="connsiteX55" y="connsiteY55"/>
+              </a:cxn>
+              <a:cxn ang="0">
+                <a:pos x="connsiteX56" y="connsiteY56"/>
+              </a:cxn>
+              <a:cxn ang="0">
+                <a:pos x="connsiteX57" y="connsiteY57"/>
+              </a:cxn>
+              <a:cxn ang="0">
+                <a:pos x="connsiteX58" y="connsiteY58"/>
+              </a:cxn>
+              <a:cxn ang="0">
+                <a:pos x="connsiteX59" y="connsiteY59"/>
+              </a:cxn>
+              <a:cxn ang="0">
+                <a:pos x="connsiteX60" y="connsiteY60"/>
+              </a:cxn>
+              <a:cxn ang="0">
+                <a:pos x="connsiteX61" y="connsiteY61"/>
+              </a:cxn>
+              <a:cxn ang="0">
+                <a:pos x="connsiteX62" y="connsiteY62"/>
+              </a:cxn>
+              <a:cxn ang="0">
+                <a:pos x="connsiteX63" y="connsiteY63"/>
+              </a:cxn>
+              <a:cxn ang="0">
+                <a:pos x="connsiteX64" y="connsiteY64"/>
+              </a:cxn>
+              <a:cxn ang="0">
+                <a:pos x="connsiteX65" y="connsiteY65"/>
+              </a:cxn>
+            </a:cxnLst>
+            <a:rect l="l" t="t" r="r" b="b"/>
+            <a:pathLst>
+              <a:path w="606580" h="605592">
+                <a:moveTo>
+                  <a:pt x="557093" y="503413"/>
+                </a:moveTo>
+                <a:cubicBezTo>
+                  <a:pt x="557093" y="503413"/>
+                  <a:pt x="606580" y="504062"/>
+                  <a:pt x="606580" y="549588"/>
+                </a:cubicBezTo>
+                <a:lnTo>
+                  <a:pt x="606580" y="605592"/>
+                </a:lnTo>
+                <a:lnTo>
+                  <a:pt x="509835" y="605592"/>
+                </a:lnTo>
+                <a:close/>
+                <a:moveTo>
+                  <a:pt x="473494" y="503413"/>
+                </a:moveTo>
+                <a:lnTo>
+                  <a:pt x="507496" y="503413"/>
+                </a:lnTo>
+                <a:lnTo>
+                  <a:pt x="541590" y="503413"/>
+                </a:lnTo>
+                <a:lnTo>
+                  <a:pt x="507496" y="578636"/>
+                </a:lnTo>
+                <a:close/>
+                <a:moveTo>
+                  <a:pt x="458011" y="503413"/>
+                </a:moveTo>
+                <a:lnTo>
+                  <a:pt x="505177" y="605592"/>
+                </a:lnTo>
+                <a:lnTo>
+                  <a:pt x="408432" y="605592"/>
+                </a:lnTo>
+                <a:lnTo>
+                  <a:pt x="408432" y="549588"/>
+                </a:lnTo>
+                <a:cubicBezTo>
+                  <a:pt x="408432" y="504062"/>
+                  <a:pt x="458011" y="503413"/>
+                  <a:pt x="458011" y="503413"/>
+                </a:cubicBezTo>
+                <a:close/>
+                <a:moveTo>
+                  <a:pt x="148660" y="503413"/>
+                </a:moveTo>
+                <a:cubicBezTo>
+                  <a:pt x="148660" y="503413"/>
+                  <a:pt x="198147" y="504062"/>
+                  <a:pt x="198147" y="549588"/>
+                </a:cubicBezTo>
+                <a:lnTo>
+                  <a:pt x="198147" y="605592"/>
+                </a:lnTo>
+                <a:lnTo>
+                  <a:pt x="101402" y="605592"/>
+                </a:lnTo>
+                <a:close/>
+                <a:moveTo>
+                  <a:pt x="65061" y="503413"/>
+                </a:moveTo>
+                <a:lnTo>
+                  <a:pt x="99038" y="503413"/>
+                </a:lnTo>
+                <a:lnTo>
+                  <a:pt x="133015" y="503413"/>
+                </a:lnTo>
+                <a:lnTo>
+                  <a:pt x="99038" y="578636"/>
+                </a:lnTo>
+                <a:close/>
+                <a:moveTo>
+                  <a:pt x="49579" y="503413"/>
+                </a:moveTo>
+                <a:lnTo>
+                  <a:pt x="96745" y="605592"/>
+                </a:lnTo>
+                <a:lnTo>
+                  <a:pt x="0" y="605592"/>
+                </a:lnTo>
+                <a:lnTo>
+                  <a:pt x="0" y="549588"/>
+                </a:lnTo>
+                <a:cubicBezTo>
+                  <a:pt x="0" y="504062"/>
+                  <a:pt x="49579" y="503413"/>
+                  <a:pt x="49579" y="503413"/>
+                </a:cubicBezTo>
+                <a:close/>
+                <a:moveTo>
+                  <a:pt x="507542" y="394602"/>
+                </a:moveTo>
+                <a:cubicBezTo>
+                  <a:pt x="534530" y="394602"/>
+                  <a:pt x="556409" y="416464"/>
+                  <a:pt x="556409" y="443433"/>
+                </a:cubicBezTo>
+                <a:cubicBezTo>
+                  <a:pt x="556409" y="470402"/>
+                  <a:pt x="534530" y="492264"/>
+                  <a:pt x="507542" y="492264"/>
+                </a:cubicBezTo>
+                <a:cubicBezTo>
+                  <a:pt x="480554" y="492264"/>
+                  <a:pt x="458675" y="470402"/>
+                  <a:pt x="458675" y="443433"/>
+                </a:cubicBezTo>
+                <a:cubicBezTo>
+                  <a:pt x="458675" y="416464"/>
+                  <a:pt x="480554" y="394602"/>
+                  <a:pt x="507542" y="394602"/>
+                </a:cubicBezTo>
+                <a:close/>
+                <a:moveTo>
+                  <a:pt x="99110" y="394602"/>
+                </a:moveTo>
+                <a:cubicBezTo>
+                  <a:pt x="126098" y="394602"/>
+                  <a:pt x="147977" y="416464"/>
+                  <a:pt x="147977" y="443433"/>
+                </a:cubicBezTo>
+                <a:cubicBezTo>
+                  <a:pt x="147977" y="470402"/>
+                  <a:pt x="126098" y="492264"/>
+                  <a:pt x="99110" y="492264"/>
+                </a:cubicBezTo>
+                <a:cubicBezTo>
+                  <a:pt x="72122" y="492264"/>
+                  <a:pt x="50243" y="470402"/>
+                  <a:pt x="50243" y="443433"/>
+                </a:cubicBezTo>
+                <a:cubicBezTo>
+                  <a:pt x="50243" y="416464"/>
+                  <a:pt x="72122" y="394602"/>
+                  <a:pt x="99110" y="394602"/>
+                </a:cubicBezTo>
+                <a:close/>
+                <a:moveTo>
+                  <a:pt x="286589" y="248884"/>
+                </a:moveTo>
+                <a:lnTo>
+                  <a:pt x="324564" y="248884"/>
+                </a:lnTo>
+                <a:lnTo>
+                  <a:pt x="324564" y="283929"/>
+                </a:lnTo>
+                <a:lnTo>
+                  <a:pt x="526418" y="283929"/>
+                </a:lnTo>
+                <a:lnTo>
+                  <a:pt x="526418" y="356708"/>
+                </a:lnTo>
+                <a:lnTo>
+                  <a:pt x="488536" y="356708"/>
+                </a:lnTo>
+                <a:lnTo>
+                  <a:pt x="488536" y="321848"/>
+                </a:lnTo>
+                <a:lnTo>
+                  <a:pt x="117974" y="321848"/>
+                </a:lnTo>
+                <a:lnTo>
+                  <a:pt x="117974" y="356708"/>
+                </a:lnTo>
+                <a:lnTo>
+                  <a:pt x="80092" y="356708"/>
+                </a:lnTo>
+                <a:lnTo>
+                  <a:pt x="80092" y="283929"/>
+                </a:lnTo>
+                <a:lnTo>
+                  <a:pt x="286589" y="283929"/>
+                </a:lnTo>
+                <a:close/>
+                <a:moveTo>
+                  <a:pt x="352785" y="108812"/>
+                </a:moveTo>
+                <a:cubicBezTo>
+                  <a:pt x="352785" y="108812"/>
+                  <a:pt x="402364" y="109461"/>
+                  <a:pt x="402364" y="154977"/>
+                </a:cubicBezTo>
+                <a:cubicBezTo>
+                  <a:pt x="402364" y="200493"/>
+                  <a:pt x="402364" y="211061"/>
+                  <a:pt x="402364" y="211061"/>
+                </a:cubicBezTo>
+                <a:lnTo>
+                  <a:pt x="305619" y="211061"/>
+                </a:lnTo>
+                <a:close/>
+                <a:moveTo>
+                  <a:pt x="269277" y="108812"/>
+                </a:moveTo>
+                <a:lnTo>
+                  <a:pt x="303336" y="108812"/>
+                </a:lnTo>
+                <a:lnTo>
+                  <a:pt x="337302" y="108812"/>
+                </a:lnTo>
+                <a:lnTo>
+                  <a:pt x="303336" y="184035"/>
+                </a:lnTo>
+                <a:close/>
+                <a:moveTo>
+                  <a:pt x="253774" y="108812"/>
+                </a:moveTo>
+                <a:lnTo>
+                  <a:pt x="301032" y="211061"/>
+                </a:lnTo>
+                <a:lnTo>
+                  <a:pt x="204287" y="211061"/>
+                </a:lnTo>
+                <a:lnTo>
+                  <a:pt x="204287" y="154977"/>
+                </a:lnTo>
+                <a:cubicBezTo>
+                  <a:pt x="204287" y="109461"/>
+                  <a:pt x="253774" y="108812"/>
+                  <a:pt x="253774" y="108812"/>
+                </a:cubicBezTo>
+                <a:close/>
+                <a:moveTo>
+                  <a:pt x="303290" y="0"/>
+                </a:moveTo>
+                <a:cubicBezTo>
+                  <a:pt x="330298" y="0"/>
+                  <a:pt x="352192" y="21847"/>
+                  <a:pt x="352192" y="48796"/>
+                </a:cubicBezTo>
+                <a:cubicBezTo>
+                  <a:pt x="352192" y="75745"/>
+                  <a:pt x="330298" y="97592"/>
+                  <a:pt x="303290" y="97592"/>
+                </a:cubicBezTo>
+                <a:cubicBezTo>
+                  <a:pt x="276282" y="97592"/>
+                  <a:pt x="254388" y="75745"/>
+                  <a:pt x="254388" y="48796"/>
+                </a:cubicBezTo>
+                <a:cubicBezTo>
+                  <a:pt x="254388" y="21847"/>
+                  <a:pt x="276282" y="0"/>
+                  <a:pt x="303290" y="0"/>
+                </a:cubicBezTo>
+                <a:close/>
+              </a:path>
+            </a:pathLst>
+          </a:custGeom>
+          <a:solidFill>
+            <a:schemeClr val="accent1"/>
+          </a:solidFill>
+          <a:ln>
+            <a:noFill/>
+          </a:ln>
+        </p:spPr>
+        <p:style>
+          <a:lnRef idx="2">
+            <a:schemeClr val="accent1">
+              <a:shade val="50000"/>
+            </a:schemeClr>
+          </a:lnRef>
+          <a:fillRef idx="1">
+            <a:schemeClr val="accent1"/>
+          </a:fillRef>
+          <a:effectRef idx="0">
+            <a:schemeClr val="accent1"/>
+          </a:effectRef>
+          <a:fontRef idx="minor">
+            <a:schemeClr val="lt1"/>
+          </a:fontRef>
+        </p:style>
+        <p:txBody>
+          <a:bodyPr rtlCol="0" anchor="ctr"/>
+          <a:lstStyle/>
+          <a:p>
+            <a:pPr algn="ctr"/>
+            <a:endParaRPr lang="en-US"/>
+          </a:p>
+        </p:txBody>
+      </p:sp>
+      <p:sp>
+        <p:nvSpPr>
+          <p:cNvPr id="9" name="文本框 8"/>
+          <p:cNvSpPr txBox="1"/>
+          <p:nvPr/>
+        </p:nvSpPr>
+        <p:spPr>
+          <a:xfrm>
+            <a:off x="1861252" y="4480851"/>
+            <a:ext cx="1775209" cy="400110"/>
+          </a:xfrm>
+          <a:prstGeom prst="rect">
+            <a:avLst/>
+          </a:prstGeom>
+          <a:noFill/>
+        </p:spPr>
+        <p:txBody>
+          <a:bodyPr wrap="square" rtlCol="0">
+            <a:spAutoFit/>
+          </a:bodyPr>
+          <a:lstStyle/>
+          <a:p>
+            <a:r>
+              <a:rPr lang="zh-CN" altLang="en-US" sz="2000" b="1" dirty="0" smtClean="0">
+                <a:solidFill>
+                  <a:srgbClr val="1290FC"/>
+                </a:solidFill>
+                <a:latin typeface="微软雅黑" charset="0"/>
+                <a:ea typeface="微软雅黑" charset="0"/>
+                <a:sym typeface="+mn-ea"/>
+              </a:rPr>
+              <a:t>设计图纸</a:t>
+            </a:r>
+            <a:endParaRPr lang="en-US" altLang="zh-CN" sz="2000" b="1" dirty="0">
+              <a:solidFill>
+                <a:srgbClr val="1290FC"/>
+              </a:solidFill>
+              <a:latin typeface="微软雅黑" charset="0"/>
+              <a:ea typeface="微软雅黑" charset="0"/>
+              <a:sym typeface="+mn-ea"/>
+            </a:endParaRPr>
+          </a:p>
+        </p:txBody>
+      </p:sp>
+      <p:sp>
+        <p:nvSpPr>
+          <p:cNvPr id="10" name="文本框 9"/>
+          <p:cNvSpPr txBox="1"/>
+          <p:nvPr/>
+        </p:nvSpPr>
+        <p:spPr>
+          <a:xfrm>
+            <a:off x="6022313" y="4480851"/>
+            <a:ext cx="1037128" cy="400110"/>
+          </a:xfrm>
+          <a:prstGeom prst="rect">
+            <a:avLst/>
+          </a:prstGeom>
+          <a:noFill/>
+        </p:spPr>
+        <p:txBody>
+          <a:bodyPr wrap="square" rtlCol="0">
+            <a:spAutoFit/>
+          </a:bodyPr>
+          <a:lstStyle/>
+          <a:p>
+            <a:r>
+              <a:rPr lang="zh-CN" altLang="en-US" sz="2000" b="1" dirty="0" smtClean="0">
+                <a:solidFill>
+                  <a:srgbClr val="1290FC"/>
+                </a:solidFill>
+                <a:latin typeface="微软雅黑" charset="0"/>
+                <a:ea typeface="微软雅黑" charset="0"/>
+                <a:sym typeface="+mn-ea"/>
+              </a:rPr>
+              <a:t>工具</a:t>
+            </a:r>
+            <a:endParaRPr lang="en-US" altLang="zh-CN" sz="2000" b="1" dirty="0">
+              <a:solidFill>
+                <a:srgbClr val="1290FC"/>
+              </a:solidFill>
+              <a:latin typeface="微软雅黑" charset="0"/>
+              <a:ea typeface="微软雅黑" charset="0"/>
+              <a:sym typeface="+mn-ea"/>
+            </a:endParaRPr>
+          </a:p>
+        </p:txBody>
+      </p:sp>
+      <p:sp>
+        <p:nvSpPr>
+          <p:cNvPr id="11" name="文本框 10"/>
+          <p:cNvSpPr txBox="1"/>
+          <p:nvPr/>
+        </p:nvSpPr>
+        <p:spPr>
+          <a:xfrm>
+            <a:off x="9156355" y="4480851"/>
+            <a:ext cx="1775209" cy="400110"/>
+          </a:xfrm>
+          <a:prstGeom prst="rect">
+            <a:avLst/>
+          </a:prstGeom>
+          <a:noFill/>
+        </p:spPr>
+        <p:txBody>
+          <a:bodyPr wrap="square" rtlCol="0">
+            <a:spAutoFit/>
+          </a:bodyPr>
+          <a:lstStyle/>
+          <a:p>
+            <a:r>
+              <a:rPr lang="zh-CN" altLang="en-US" sz="2000" b="1" dirty="0" smtClean="0">
+                <a:solidFill>
+                  <a:srgbClr val="1290FC"/>
+                </a:solidFill>
+                <a:latin typeface="微软雅黑" charset="0"/>
+                <a:ea typeface="微软雅黑" charset="0"/>
+                <a:sym typeface="+mn-ea"/>
+              </a:rPr>
+              <a:t>施工队伍</a:t>
+            </a:r>
+            <a:endParaRPr lang="en-US" altLang="zh-CN" sz="2000" b="1" dirty="0">
+              <a:solidFill>
+                <a:srgbClr val="1290FC"/>
+              </a:solidFill>
+              <a:latin typeface="微软雅黑" charset="0"/>
+              <a:ea typeface="微软雅黑" charset="0"/>
+              <a:sym typeface="+mn-ea"/>
+            </a:endParaRPr>
+          </a:p>
+        </p:txBody>
+      </p:sp>
+      <p:sp>
+        <p:nvSpPr>
+          <p:cNvPr id="12" name="文本框 11"/>
+          <p:cNvSpPr txBox="1"/>
+          <p:nvPr/>
+        </p:nvSpPr>
+        <p:spPr>
+          <a:xfrm>
+            <a:off x="1493966" y="3676387"/>
+            <a:ext cx="1987267" cy="400110"/>
+          </a:xfrm>
+          <a:prstGeom prst="rect">
+            <a:avLst/>
+          </a:prstGeom>
+          <a:noFill/>
+        </p:spPr>
+        <p:txBody>
+          <a:bodyPr wrap="square" rtlCol="0">
+            <a:spAutoFit/>
+          </a:bodyPr>
+          <a:lstStyle/>
+          <a:p>
+            <a:r>
+              <a:rPr lang="zh-CN" altLang="en-US" sz="2000" b="1" dirty="0">
+                <a:solidFill>
+                  <a:schemeClr val="accent4"/>
+                </a:solidFill>
+                <a:latin typeface="微软雅黑" charset="0"/>
+                <a:ea typeface="微软雅黑" charset="0"/>
+                <a:sym typeface="+mn-ea"/>
+              </a:rPr>
+              <a:t>中</a:t>
+            </a:r>
+            <a:r>
+              <a:rPr lang="zh-CN" altLang="en-US" sz="2000" b="1" dirty="0" smtClean="0">
+                <a:solidFill>
+                  <a:schemeClr val="accent4"/>
+                </a:solidFill>
+                <a:latin typeface="微软雅黑" charset="0"/>
+                <a:ea typeface="微软雅黑" charset="0"/>
+                <a:sym typeface="+mn-ea"/>
+              </a:rPr>
+              <a:t>台建设方法论</a:t>
+            </a:r>
+            <a:endParaRPr lang="en-US" altLang="zh-CN" sz="2000" b="1" dirty="0">
+              <a:solidFill>
+                <a:schemeClr val="accent4"/>
+              </a:solidFill>
+              <a:latin typeface="微软雅黑" charset="0"/>
+              <a:ea typeface="微软雅黑" charset="0"/>
+              <a:sym typeface="+mn-ea"/>
+            </a:endParaRPr>
+          </a:p>
+        </p:txBody>
+      </p:sp>
+      <p:sp>
+        <p:nvSpPr>
+          <p:cNvPr id="13" name="文本框 12"/>
+          <p:cNvSpPr txBox="1"/>
+          <p:nvPr/>
+        </p:nvSpPr>
+        <p:spPr>
+          <a:xfrm>
+            <a:off x="5756506" y="3676387"/>
+            <a:ext cx="1302935" cy="400110"/>
+          </a:xfrm>
+          <a:prstGeom prst="rect">
+            <a:avLst/>
+          </a:prstGeom>
+          <a:noFill/>
+        </p:spPr>
+        <p:txBody>
+          <a:bodyPr wrap="square" rtlCol="0">
+            <a:spAutoFit/>
+          </a:bodyPr>
+          <a:lstStyle/>
+          <a:p>
+            <a:r>
+              <a:rPr lang="zh-CN" altLang="en-US" sz="2000" b="1" dirty="0" smtClean="0">
+                <a:solidFill>
+                  <a:schemeClr val="accent4"/>
+                </a:solidFill>
+                <a:latin typeface="微软雅黑" charset="0"/>
+                <a:ea typeface="微软雅黑" charset="0"/>
+                <a:sym typeface="+mn-ea"/>
+              </a:rPr>
+              <a:t>支撑技术</a:t>
+            </a:r>
+            <a:endParaRPr lang="en-US" altLang="zh-CN" sz="2000" b="1" dirty="0">
+              <a:solidFill>
+                <a:schemeClr val="accent4"/>
+              </a:solidFill>
+              <a:latin typeface="微软雅黑" charset="0"/>
+              <a:ea typeface="微软雅黑" charset="0"/>
+              <a:sym typeface="+mn-ea"/>
+            </a:endParaRPr>
+          </a:p>
+        </p:txBody>
+      </p:sp>
+      <p:sp>
+        <p:nvSpPr>
+          <p:cNvPr id="14" name="文本框 13"/>
+          <p:cNvSpPr txBox="1"/>
+          <p:nvPr/>
+        </p:nvSpPr>
+        <p:spPr>
+          <a:xfrm>
+            <a:off x="9156355" y="3676387"/>
+            <a:ext cx="1775209" cy="400110"/>
+          </a:xfrm>
+          <a:prstGeom prst="rect">
+            <a:avLst/>
+          </a:prstGeom>
+          <a:noFill/>
+        </p:spPr>
+        <p:txBody>
+          <a:bodyPr wrap="square" rtlCol="0">
+            <a:spAutoFit/>
+          </a:bodyPr>
+          <a:lstStyle/>
+          <a:p>
+            <a:r>
+              <a:rPr lang="zh-CN" altLang="en-US" sz="2000" b="1" dirty="0" smtClean="0">
+                <a:solidFill>
+                  <a:schemeClr val="accent4"/>
+                </a:solidFill>
+                <a:latin typeface="微软雅黑" charset="0"/>
+                <a:ea typeface="微软雅黑" charset="0"/>
+                <a:sym typeface="+mn-ea"/>
+              </a:rPr>
+              <a:t>组织架构</a:t>
+            </a:r>
+            <a:endParaRPr lang="en-US" altLang="zh-CN" sz="2000" b="1" dirty="0">
+              <a:solidFill>
+                <a:schemeClr val="accent4"/>
+              </a:solidFill>
+              <a:latin typeface="微软雅黑" charset="0"/>
+              <a:ea typeface="微软雅黑" charset="0"/>
+              <a:sym typeface="+mn-ea"/>
+            </a:endParaRPr>
+          </a:p>
+        </p:txBody>
+      </p:sp>
+    </p:spTree>
+    <p:custDataLst>
+      <p:tags r:id="rId1"/>
+    </p:custDataLst>
+    <p:extLst>
+      <p:ext uri="{BB962C8B-B14F-4D97-AF65-F5344CB8AC3E}">
+        <p14:creationId xmlns:p14="http://schemas.microsoft.com/office/powerpoint/2010/main" val="1323556298"/>
+      </p:ext>
+    </p:extLst>
+  </p:cSld>
+  <p:clrMapOvr>
+    <a:masterClrMapping/>
+  </p:clrMapOvr>
+  <p:timing>
+    <p:tnLst>
+      <p:par>
+        <p:cTn id="1" dur="indefinite" restart="never" nodeType="tmRoot"/>
+      </p:par>
+    </p:tnLst>
+  </p:timing>
+</p:sld>
+</file>
+
+<file path=ppt/slides/slide3.xml><?xml version="1.0" encoding="utf-8"?>
+<p:sld xmlns:a="http://schemas.openxmlformats.org/drawingml/2006/main" xmlns:r="http://schemas.openxmlformats.org/officeDocument/2006/relationships" xmlns:p="http://schemas.openxmlformats.org/presentationml/2006/main">
+  <p:cSld>
+    <p:spTree>
+      <p:nvGrpSpPr>
+        <p:cNvPr id="1" name=""/>
+        <p:cNvGrpSpPr/>
+        <p:nvPr/>
+      </p:nvGrpSpPr>
+      <p:grpSpPr>
+        <a:xfrm>
+          <a:off x="0" y="0"/>
+          <a:ext cx="0" cy="0"/>
+          <a:chOff x="0" y="0"/>
+          <a:chExt cx="0" cy="0"/>
+        </a:xfrm>
+      </p:grpSpPr>
+      <p:sp>
+        <p:nvSpPr>
+          <p:cNvPr id="2" name="文本框 1"/>
+          <p:cNvSpPr txBox="1"/>
+          <p:nvPr/>
+        </p:nvSpPr>
+        <p:spPr>
+          <a:xfrm>
+            <a:off x="309879" y="295275"/>
+            <a:ext cx="10100946" cy="523220"/>
+          </a:xfrm>
+          <a:prstGeom prst="rect">
+            <a:avLst/>
+          </a:prstGeom>
+          <a:noFill/>
+        </p:spPr>
+        <p:txBody>
+          <a:bodyPr wrap="square" rtlCol="0">
+            <a:spAutoFit/>
+          </a:bodyPr>
+          <a:lstStyle/>
+          <a:p>
+            <a:r>
+              <a:rPr lang="zh-CN" altLang="en-US" sz="2800" b="1" dirty="0" smtClean="0">
+                <a:solidFill>
+                  <a:srgbClr val="1290FC"/>
+                </a:solidFill>
+                <a:latin typeface="微软雅黑" charset="0"/>
+                <a:ea typeface="微软雅黑" charset="0"/>
+                <a:sym typeface="+mn-ea"/>
+              </a:rPr>
+              <a:t>数据中台建设</a:t>
+            </a:r>
+            <a:r>
+              <a:rPr lang="zh-CN" altLang="en-US" sz="2800" b="1" dirty="0">
+                <a:solidFill>
+                  <a:srgbClr val="1290FC"/>
+                </a:solidFill>
+                <a:latin typeface="微软雅黑" charset="0"/>
+                <a:ea typeface="微软雅黑" charset="0"/>
+                <a:sym typeface="+mn-ea"/>
+              </a:rPr>
+              <a:t>方法论</a:t>
+            </a:r>
+            <a:endParaRPr lang="en-US" altLang="zh-CN" sz="2800" b="1" dirty="0">
+              <a:solidFill>
+                <a:srgbClr val="1290FC"/>
+              </a:solidFill>
+              <a:latin typeface="微软雅黑" charset="0"/>
+              <a:ea typeface="微软雅黑" charset="0"/>
+              <a:sym typeface="+mn-ea"/>
+            </a:endParaRPr>
+          </a:p>
+        </p:txBody>
+      </p:sp>
+      <p:sp>
+        <p:nvSpPr>
+          <p:cNvPr id="5" name="矩形 4"/>
+          <p:cNvSpPr/>
+          <p:nvPr/>
+        </p:nvSpPr>
+        <p:spPr>
+          <a:xfrm>
+            <a:off x="819933" y="2572678"/>
+            <a:ext cx="2847716" cy="923330"/>
+          </a:xfrm>
+          <a:prstGeom prst="rect">
+            <a:avLst/>
+          </a:prstGeom>
+          <a:solidFill>
+            <a:schemeClr val="accent1">
+              <a:lumMod val="20000"/>
+              <a:lumOff val="80000"/>
+            </a:schemeClr>
+          </a:solidFill>
+        </p:spPr>
+        <p:txBody>
+          <a:bodyPr wrap="square">
+            <a:spAutoFit/>
+          </a:bodyPr>
+          <a:lstStyle/>
+          <a:p>
+            <a:pPr>
+              <a:lnSpc>
+                <a:spcPct val="150000"/>
+              </a:lnSpc>
+            </a:pPr>
+            <a:r>
+              <a:rPr lang="zh-CN" altLang="en-US" dirty="0">
+                <a:solidFill>
+                  <a:srgbClr val="333333"/>
+                </a:solidFill>
+                <a:latin typeface="微软雅黑" panose="020B0503020204020204" pitchFamily="34" charset="-122"/>
+                <a:ea typeface="微软雅黑" panose="020B0503020204020204" pitchFamily="34" charset="-122"/>
+              </a:rPr>
+              <a:t> </a:t>
+            </a:r>
+            <a:r>
+              <a:rPr lang="en-US" altLang="zh-CN" dirty="0" err="1" smtClean="0">
+                <a:solidFill>
+                  <a:srgbClr val="333333"/>
+                </a:solidFill>
+                <a:latin typeface="微软雅黑" panose="020B0503020204020204" pitchFamily="34" charset="-122"/>
+                <a:ea typeface="微软雅黑" panose="020B0503020204020204" pitchFamily="34" charset="-122"/>
+              </a:rPr>
+              <a:t>OneData</a:t>
+            </a:r>
+            <a:r>
+              <a:rPr lang="zh-CN" altLang="en-US" dirty="0" smtClean="0">
+                <a:solidFill>
+                  <a:srgbClr val="333333"/>
+                </a:solidFill>
+                <a:latin typeface="微软雅黑" panose="020B0503020204020204" pitchFamily="34" charset="-122"/>
+                <a:ea typeface="微软雅黑" panose="020B0503020204020204" pitchFamily="34" charset="-122"/>
+              </a:rPr>
+              <a:t>：用</a:t>
+            </a:r>
+            <a:r>
+              <a:rPr lang="zh-CN" altLang="en-US" dirty="0">
+                <a:solidFill>
+                  <a:srgbClr val="333333"/>
+                </a:solidFill>
+                <a:latin typeface="微软雅黑" panose="020B0503020204020204" pitchFamily="34" charset="-122"/>
+                <a:ea typeface="微软雅黑" panose="020B0503020204020204" pitchFamily="34" charset="-122"/>
+              </a:rPr>
+              <a:t>一句话</a:t>
+            </a:r>
+            <a:r>
+              <a:rPr lang="zh-CN" altLang="en-US" dirty="0" smtClean="0">
+                <a:solidFill>
+                  <a:srgbClr val="333333"/>
+                </a:solidFill>
+                <a:latin typeface="微软雅黑" panose="020B0503020204020204" pitchFamily="34" charset="-122"/>
+                <a:ea typeface="微软雅黑" panose="020B0503020204020204" pitchFamily="34" charset="-122"/>
+              </a:rPr>
+              <a:t>定义，</a:t>
+            </a:r>
+            <a:r>
+              <a:rPr lang="zh-CN" altLang="en-US" dirty="0">
+                <a:solidFill>
+                  <a:srgbClr val="333333"/>
+                </a:solidFill>
+                <a:latin typeface="微软雅黑" panose="020B0503020204020204" pitchFamily="34" charset="-122"/>
+                <a:ea typeface="微软雅黑" panose="020B0503020204020204" pitchFamily="34" charset="-122"/>
+              </a:rPr>
+              <a:t>就是所有数据只加工一次</a:t>
+            </a:r>
+          </a:p>
+        </p:txBody>
+      </p:sp>
+      <p:sp>
+        <p:nvSpPr>
+          <p:cNvPr id="6" name="矩形 5"/>
+          <p:cNvSpPr/>
+          <p:nvPr/>
+        </p:nvSpPr>
+        <p:spPr>
+          <a:xfrm>
+            <a:off x="608917" y="1114083"/>
+            <a:ext cx="6789423" cy="369332"/>
+          </a:xfrm>
+          <a:prstGeom prst="rect">
+            <a:avLst/>
+          </a:prstGeom>
+        </p:spPr>
+        <p:txBody>
+          <a:bodyPr wrap="none">
+            <a:spAutoFit/>
+          </a:bodyPr>
+          <a:lstStyle/>
+          <a:p>
+            <a:r>
+              <a:rPr lang="zh-CN" altLang="en-US" dirty="0">
+                <a:solidFill>
+                  <a:srgbClr val="333333"/>
+                </a:solidFill>
+                <a:latin typeface="微软雅黑" panose="020B0503020204020204" pitchFamily="34" charset="-122"/>
+                <a:ea typeface="微软雅黑" panose="020B0503020204020204" pitchFamily="34" charset="-122"/>
+              </a:rPr>
+              <a:t>核心方法论：</a:t>
+            </a:r>
+            <a:r>
+              <a:rPr lang="en-US" altLang="zh-CN" dirty="0" err="1">
+                <a:solidFill>
+                  <a:srgbClr val="333333"/>
+                </a:solidFill>
+                <a:latin typeface="微软雅黑" panose="020B0503020204020204" pitchFamily="34" charset="-122"/>
+                <a:ea typeface="微软雅黑" panose="020B0503020204020204" pitchFamily="34" charset="-122"/>
+              </a:rPr>
+              <a:t>OneData</a:t>
+            </a:r>
+            <a:r>
+              <a:rPr lang="en-US" altLang="zh-CN" dirty="0">
+                <a:solidFill>
+                  <a:srgbClr val="333333"/>
+                </a:solidFill>
+                <a:latin typeface="微软雅黑" panose="020B0503020204020204" pitchFamily="34" charset="-122"/>
+                <a:ea typeface="微软雅黑" panose="020B0503020204020204" pitchFamily="34" charset="-122"/>
+              </a:rPr>
+              <a:t> </a:t>
+            </a:r>
+            <a:r>
+              <a:rPr lang="zh-CN" altLang="en-US" dirty="0">
+                <a:solidFill>
+                  <a:srgbClr val="333333"/>
+                </a:solidFill>
+                <a:latin typeface="微软雅黑" panose="020B0503020204020204" pitchFamily="34" charset="-122"/>
+                <a:ea typeface="微软雅黑" panose="020B0503020204020204" pitchFamily="34" charset="-122"/>
+              </a:rPr>
+              <a:t>和 </a:t>
+            </a:r>
+            <a:r>
+              <a:rPr lang="en-US" altLang="zh-CN" dirty="0" err="1" smtClean="0">
+                <a:solidFill>
+                  <a:srgbClr val="333333"/>
+                </a:solidFill>
+                <a:latin typeface="微软雅黑" panose="020B0503020204020204" pitchFamily="34" charset="-122"/>
+                <a:ea typeface="微软雅黑" panose="020B0503020204020204" pitchFamily="34" charset="-122"/>
+              </a:rPr>
+              <a:t>OneService</a:t>
+            </a:r>
+            <a:r>
+              <a:rPr lang="zh-CN" altLang="en-US" dirty="0" smtClean="0">
+                <a:solidFill>
+                  <a:srgbClr val="333333"/>
+                </a:solidFill>
+                <a:latin typeface="微软雅黑" panose="020B0503020204020204" pitchFamily="34" charset="-122"/>
+                <a:ea typeface="微软雅黑" panose="020B0503020204020204" pitchFamily="34" charset="-122"/>
+              </a:rPr>
+              <a:t>（早在</a:t>
+            </a:r>
+            <a:r>
+              <a:rPr lang="en-US" altLang="zh-CN" dirty="0" smtClean="0">
+                <a:solidFill>
+                  <a:srgbClr val="333333"/>
+                </a:solidFill>
+                <a:latin typeface="微软雅黑" panose="020B0503020204020204" pitchFamily="34" charset="-122"/>
+                <a:ea typeface="微软雅黑" panose="020B0503020204020204" pitchFamily="34" charset="-122"/>
+              </a:rPr>
+              <a:t>2016</a:t>
+            </a:r>
+            <a:r>
+              <a:rPr lang="zh-CN" altLang="en-US" dirty="0" smtClean="0">
+                <a:solidFill>
+                  <a:srgbClr val="333333"/>
+                </a:solidFill>
+                <a:latin typeface="微软雅黑" panose="020B0503020204020204" pitchFamily="34" charset="-122"/>
+                <a:ea typeface="微软雅黑" panose="020B0503020204020204" pitchFamily="34" charset="-122"/>
+              </a:rPr>
+              <a:t>年阿里提出）</a:t>
+            </a:r>
+            <a:endParaRPr lang="zh-CN" altLang="en-US" dirty="0">
+              <a:latin typeface="微软雅黑" panose="020B0503020204020204" pitchFamily="34" charset="-122"/>
+              <a:ea typeface="微软雅黑" panose="020B0503020204020204" pitchFamily="34" charset="-122"/>
+            </a:endParaRPr>
+          </a:p>
+        </p:txBody>
+      </p:sp>
+      <p:sp>
+        <p:nvSpPr>
+          <p:cNvPr id="16" name="矩形 15"/>
+          <p:cNvSpPr/>
+          <p:nvPr/>
+        </p:nvSpPr>
+        <p:spPr>
+          <a:xfrm>
+            <a:off x="6609799" y="4954604"/>
+            <a:ext cx="3219505" cy="1338828"/>
+          </a:xfrm>
+          <a:prstGeom prst="rect">
+            <a:avLst/>
+          </a:prstGeom>
+          <a:solidFill>
+            <a:schemeClr val="accent1">
+              <a:lumMod val="20000"/>
+              <a:lumOff val="80000"/>
+            </a:schemeClr>
+          </a:solidFill>
+        </p:spPr>
+        <p:txBody>
+          <a:bodyPr wrap="square">
+            <a:spAutoFit/>
+          </a:bodyPr>
+          <a:lstStyle/>
+          <a:p>
+            <a:pPr>
+              <a:lnSpc>
+                <a:spcPct val="150000"/>
+              </a:lnSpc>
+            </a:pPr>
+            <a:r>
+              <a:rPr lang="en-US" altLang="zh-CN" dirty="0" err="1">
+                <a:solidFill>
+                  <a:srgbClr val="333333"/>
+                </a:solidFill>
+                <a:latin typeface="微软雅黑" panose="020B0503020204020204" pitchFamily="34" charset="-122"/>
+                <a:ea typeface="微软雅黑" panose="020B0503020204020204" pitchFamily="34" charset="-122"/>
+              </a:rPr>
+              <a:t>OneService</a:t>
+            </a:r>
+            <a:r>
+              <a:rPr lang="zh-CN" altLang="en-US" dirty="0">
+                <a:solidFill>
+                  <a:srgbClr val="333333"/>
+                </a:solidFill>
+                <a:latin typeface="微软雅黑" panose="020B0503020204020204" pitchFamily="34" charset="-122"/>
+                <a:ea typeface="微软雅黑" panose="020B0503020204020204" pitchFamily="34" charset="-122"/>
+              </a:rPr>
+              <a:t>，数据即服务，强调数据中台中的数据应该是通过 </a:t>
+            </a:r>
+            <a:r>
+              <a:rPr lang="en-US" altLang="zh-CN" dirty="0">
+                <a:solidFill>
+                  <a:srgbClr val="333333"/>
+                </a:solidFill>
+                <a:latin typeface="微软雅黑" panose="020B0503020204020204" pitchFamily="34" charset="-122"/>
+                <a:ea typeface="微软雅黑" panose="020B0503020204020204" pitchFamily="34" charset="-122"/>
+              </a:rPr>
+              <a:t>API </a:t>
+            </a:r>
+            <a:r>
+              <a:rPr lang="zh-CN" altLang="en-US" dirty="0">
+                <a:solidFill>
+                  <a:srgbClr val="333333"/>
+                </a:solidFill>
+                <a:latin typeface="微软雅黑" panose="020B0503020204020204" pitchFamily="34" charset="-122"/>
+                <a:ea typeface="微软雅黑" panose="020B0503020204020204" pitchFamily="34" charset="-122"/>
+              </a:rPr>
+              <a:t>接口的方式被访问</a:t>
+            </a:r>
+          </a:p>
+        </p:txBody>
+      </p:sp>
+      <p:pic>
+        <p:nvPicPr>
+          <p:cNvPr id="17" name="图片 16"/>
+          <p:cNvPicPr>
+            <a:picLocks noChangeAspect="1"/>
+          </p:cNvPicPr>
+          <p:nvPr/>
+        </p:nvPicPr>
+        <p:blipFill>
+          <a:blip r:embed="rId4" cstate="print">
+            <a:extLst>
+              <a:ext uri="{28A0092B-C50C-407E-A947-70E740481C1C}">
+                <a14:useLocalDpi xmlns:a14="http://schemas.microsoft.com/office/drawing/2010/main" val="0"/>
+              </a:ext>
+            </a:extLst>
+          </a:blip>
+          <a:stretch>
+            <a:fillRect/>
+          </a:stretch>
+        </p:blipFill>
+        <p:spPr>
+          <a:xfrm>
+            <a:off x="5127622" y="1483415"/>
+            <a:ext cx="4541436" cy="3101857"/>
+          </a:xfrm>
+          <a:prstGeom prst="rect">
+            <a:avLst/>
+          </a:prstGeom>
+        </p:spPr>
+      </p:pic>
+      <p:sp>
+        <p:nvSpPr>
+          <p:cNvPr id="18" name="矩形 17"/>
+          <p:cNvSpPr/>
+          <p:nvPr/>
+        </p:nvSpPr>
+        <p:spPr>
+          <a:xfrm>
+            <a:off x="8219552" y="4220308"/>
+            <a:ext cx="1215850" cy="364964"/>
+          </a:xfrm>
+          <a:prstGeom prst="rect">
+            <a:avLst/>
+          </a:prstGeom>
+          <a:solidFill>
+            <a:schemeClr val="bg1"/>
+          </a:solidFill>
+          <a:ln>
+            <a:noFill/>
+          </a:ln>
+        </p:spPr>
+        <p:style>
+          <a:lnRef idx="2">
+            <a:schemeClr val="lt1">
+              <a:hueOff val="0"/>
+              <a:satOff val="0"/>
+              <a:lumOff val="0"/>
+              <a:alphaOff val="0"/>
+            </a:schemeClr>
+          </a:lnRef>
+          <a:fillRef idx="1">
+            <a:schemeClr val="accent1">
+              <a:hueOff val="0"/>
+              <a:satOff val="0"/>
+              <a:lumOff val="0"/>
+              <a:alphaOff val="0"/>
+            </a:schemeClr>
+          </a:fillRef>
+          <a:effectRef idx="0">
+            <a:schemeClr val="accent1">
+              <a:hueOff val="0"/>
+              <a:satOff val="0"/>
+              <a:lumOff val="0"/>
+              <a:alphaOff val="0"/>
+            </a:schemeClr>
+          </a:effectRef>
+          <a:fontRef idx="minor">
+            <a:schemeClr val="lt1"/>
+          </a:fontRef>
+        </p:style>
+        <p:txBody>
+          <a:bodyPr spcFirstLastPara="0" vert="horz" wrap="square" lIns="316122" tIns="316122" rIns="316122" bIns="316122" numCol="1" spcCol="1270" rtlCol="0" anchor="ctr" anchorCtr="0">
+            <a:noAutofit/>
+          </a:bodyPr>
+          <a:lstStyle/>
+          <a:p>
+            <a:pPr marL="0" marR="0" indent="0" algn="ctr" defTabSz="1778000" rtl="0" eaLnBrk="1" fontAlgn="auto" latinLnBrk="0" hangingPunct="1">
+              <a:lnSpc>
+                <a:spcPct val="90000"/>
+              </a:lnSpc>
+              <a:spcBef>
+                <a:spcPct val="0"/>
+              </a:spcBef>
+              <a:spcAft>
+                <a:spcPct val="35000"/>
+              </a:spcAft>
+              <a:buClrTx/>
+              <a:buSzTx/>
+              <a:buFontTx/>
+              <a:buNone/>
+            </a:pPr>
+            <a:endParaRPr kumimoji="0" lang="zh-CN" altLang="en-US" sz="4000" b="0" i="0" u="none" strike="noStrike" kern="1200" cap="none" spc="0" normalizeH="0" baseline="0" noProof="0" dirty="0">
+              <a:ln>
+                <a:noFill/>
+              </a:ln>
+              <a:solidFill>
+                <a:srgbClr val="FFFFFF"/>
+              </a:solidFill>
+              <a:effectLst/>
+              <a:uLnTx/>
+              <a:uFillTx/>
+              <a:latin typeface="Arial" panose="020B0604020202090204" pitchFamily="34" charset="0"/>
+              <a:ea typeface="+mn-ea"/>
+              <a:cs typeface="Arial" panose="020B0604020202090204" pitchFamily="34" charset="0"/>
+            </a:endParaRPr>
+          </a:p>
+        </p:txBody>
+      </p:sp>
+      <p:grpSp>
+        <p:nvGrpSpPr>
+          <p:cNvPr id="22" name="组合 21"/>
+          <p:cNvGrpSpPr/>
+          <p:nvPr/>
+        </p:nvGrpSpPr>
+        <p:grpSpPr>
+          <a:xfrm>
+            <a:off x="700016" y="3755507"/>
+            <a:ext cx="5260184" cy="2989369"/>
+            <a:chOff x="959745" y="3605532"/>
+            <a:chExt cx="5260184" cy="2989369"/>
+          </a:xfrm>
+        </p:grpSpPr>
+        <p:pic>
+          <p:nvPicPr>
+            <p:cNvPr id="20" name="图片 19"/>
+            <p:cNvPicPr>
+              <a:picLocks noChangeAspect="1"/>
+            </p:cNvPicPr>
+            <p:nvPr/>
+          </p:nvPicPr>
+          <p:blipFill>
+            <a:blip r:embed="rId5">
+              <a:extLst>
+                <a:ext uri="{28A0092B-C50C-407E-A947-70E740481C1C}">
+                  <a14:useLocalDpi xmlns:a14="http://schemas.microsoft.com/office/drawing/2010/main" val="0"/>
+                </a:ext>
+              </a:extLst>
+            </a:blip>
+            <a:stretch>
+              <a:fillRect/>
+            </a:stretch>
+          </p:blipFill>
+          <p:spPr>
+            <a:xfrm>
+              <a:off x="959745" y="3605532"/>
+              <a:ext cx="5260184" cy="2989369"/>
+            </a:xfrm>
+            <a:prstGeom prst="rect">
+              <a:avLst/>
+            </a:prstGeom>
+          </p:spPr>
+        </p:pic>
+        <p:sp>
+          <p:nvSpPr>
+            <p:cNvPr id="21" name="矩形 20"/>
+            <p:cNvSpPr/>
+            <p:nvPr/>
+          </p:nvSpPr>
+          <p:spPr>
+            <a:xfrm>
+              <a:off x="4654062" y="6179697"/>
+              <a:ext cx="1215850" cy="364964"/>
+            </a:xfrm>
+            <a:prstGeom prst="rect">
+              <a:avLst/>
+            </a:prstGeom>
+            <a:solidFill>
+              <a:schemeClr val="bg1"/>
+            </a:solidFill>
+            <a:ln>
+              <a:noFill/>
+            </a:ln>
+          </p:spPr>
+          <p:style>
+            <a:lnRef idx="2">
+              <a:schemeClr val="lt1">
+                <a:hueOff val="0"/>
+                <a:satOff val="0"/>
+                <a:lumOff val="0"/>
+                <a:alphaOff val="0"/>
+              </a:schemeClr>
+            </a:lnRef>
+            <a:fillRef idx="1">
+              <a:schemeClr val="accent1">
+                <a:hueOff val="0"/>
+                <a:satOff val="0"/>
+                <a:lumOff val="0"/>
+                <a:alphaOff val="0"/>
+              </a:schemeClr>
+            </a:fillRef>
+            <a:effectRef idx="0">
+              <a:schemeClr val="accent1">
+                <a:hueOff val="0"/>
+                <a:satOff val="0"/>
+                <a:lumOff val="0"/>
+                <a:alphaOff val="0"/>
+              </a:schemeClr>
+            </a:effectRef>
+            <a:fontRef idx="minor">
+              <a:schemeClr val="lt1"/>
+            </a:fontRef>
+          </p:style>
+          <p:txBody>
+            <a:bodyPr spcFirstLastPara="0" vert="horz" wrap="square" lIns="316122" tIns="316122" rIns="316122" bIns="316122" numCol="1" spcCol="1270" rtlCol="0" anchor="ctr" anchorCtr="0">
+              <a:noAutofit/>
+            </a:bodyPr>
+            <a:lstStyle/>
+            <a:p>
+              <a:pPr marL="0" marR="0" indent="0" algn="ctr" defTabSz="1778000" rtl="0" eaLnBrk="1" fontAlgn="auto" latinLnBrk="0" hangingPunct="1">
+                <a:lnSpc>
+                  <a:spcPct val="90000"/>
+                </a:lnSpc>
+                <a:spcBef>
+                  <a:spcPct val="0"/>
+                </a:spcBef>
+                <a:spcAft>
+                  <a:spcPct val="35000"/>
+                </a:spcAft>
+                <a:buClrTx/>
+                <a:buSzTx/>
+                <a:buFontTx/>
+                <a:buNone/>
+              </a:pPr>
+              <a:endParaRPr kumimoji="0" lang="zh-CN" altLang="en-US" sz="4000" b="0" i="0" u="none" strike="noStrike" kern="1200" cap="none" spc="0" normalizeH="0" baseline="0" noProof="0" dirty="0">
+                <a:ln>
+                  <a:noFill/>
+                </a:ln>
+                <a:solidFill>
+                  <a:srgbClr val="FFFFFF"/>
+                </a:solidFill>
+                <a:effectLst/>
+                <a:uLnTx/>
+                <a:uFillTx/>
+                <a:latin typeface="Arial" panose="020B0604020202090204" pitchFamily="34" charset="0"/>
+                <a:ea typeface="+mn-ea"/>
+                <a:cs typeface="Arial" panose="020B0604020202090204" pitchFamily="34" charset="0"/>
+              </a:endParaRPr>
+            </a:p>
+          </p:txBody>
+        </p:sp>
+      </p:grpSp>
+    </p:spTree>
+    <p:custDataLst>
+      <p:tags r:id="rId1"/>
+    </p:custDataLst>
+    <p:extLst>
+      <p:ext uri="{BB962C8B-B14F-4D97-AF65-F5344CB8AC3E}">
+        <p14:creationId xmlns:p14="http://schemas.microsoft.com/office/powerpoint/2010/main" val="1105919874"/>
+      </p:ext>
+    </p:extLst>
+  </p:cSld>
+  <p:clrMapOvr>
+    <a:masterClrMapping/>
+  </p:clrMapOvr>
+  <p:timing>
+    <p:tnLst>
+      <p:par>
+        <p:cTn id="1" dur="indefinite" restart="never" nodeType="tmRoot"/>
+      </p:par>
+    </p:tnLst>
+  </p:timing>
+</p:sld>
+</file>
+
+<file path=ppt/slides/slide4.xml><?xml version="1.0" encoding="utf-8"?>
+<p:sld xmlns:a="http://schemas.openxmlformats.org/drawingml/2006/main" xmlns:r="http://schemas.openxmlformats.org/officeDocument/2006/relationships" xmlns:p="http://schemas.openxmlformats.org/presentationml/2006/main">
+  <p:cSld>
+    <p:spTree>
+      <p:nvGrpSpPr>
+        <p:cNvPr id="1" name=""/>
+        <p:cNvGrpSpPr/>
+        <p:nvPr/>
+      </p:nvGrpSpPr>
+      <p:grpSpPr>
+        <a:xfrm>
+          <a:off x="0" y="0"/>
+          <a:ext cx="0" cy="0"/>
+          <a:chOff x="0" y="0"/>
+          <a:chExt cx="0" cy="0"/>
+        </a:xfrm>
+      </p:grpSpPr>
+      <p:sp>
+        <p:nvSpPr>
+          <p:cNvPr id="2" name="文本框 1"/>
+          <p:cNvSpPr txBox="1"/>
+          <p:nvPr/>
+        </p:nvSpPr>
+        <p:spPr>
+          <a:xfrm>
+            <a:off x="309879" y="295275"/>
+            <a:ext cx="10100946" cy="523220"/>
+          </a:xfrm>
+          <a:prstGeom prst="rect">
+            <a:avLst/>
+          </a:prstGeom>
+          <a:noFill/>
+        </p:spPr>
+        <p:txBody>
+          <a:bodyPr wrap="square" rtlCol="0">
+            <a:spAutoFit/>
+          </a:bodyPr>
+          <a:lstStyle/>
+          <a:p>
+            <a:r>
+              <a:rPr lang="zh-CN" altLang="en-US" sz="2800" b="1" dirty="0" smtClean="0">
+                <a:solidFill>
+                  <a:srgbClr val="1290FC"/>
+                </a:solidFill>
+                <a:latin typeface="微软雅黑" charset="0"/>
+                <a:ea typeface="微软雅黑" charset="0"/>
+                <a:sym typeface="+mn-ea"/>
+              </a:rPr>
+              <a:t>数据中台支撑技术</a:t>
+            </a:r>
+            <a:endParaRPr lang="en-US" altLang="zh-CN" sz="2800" b="1" dirty="0">
+              <a:solidFill>
+                <a:srgbClr val="1290FC"/>
+              </a:solidFill>
+              <a:latin typeface="微软雅黑" charset="0"/>
+              <a:ea typeface="微软雅黑" charset="0"/>
+              <a:sym typeface="+mn-ea"/>
+            </a:endParaRPr>
+          </a:p>
+        </p:txBody>
+      </p:sp>
+      <p:pic>
+        <p:nvPicPr>
+          <p:cNvPr id="3" name="图片 2"/>
+          <p:cNvPicPr>
+            <a:picLocks noChangeAspect="1"/>
+          </p:cNvPicPr>
+          <p:nvPr/>
+        </p:nvPicPr>
+        <p:blipFill>
+          <a:blip r:embed="rId4">
+            <a:extLst>
+              <a:ext uri="{28A0092B-C50C-407E-A947-70E740481C1C}">
+                <a14:useLocalDpi xmlns:a14="http://schemas.microsoft.com/office/drawing/2010/main" val="0"/>
+              </a:ext>
+            </a:extLst>
+          </a:blip>
+          <a:stretch>
+            <a:fillRect/>
+          </a:stretch>
+        </p:blipFill>
+        <p:spPr>
+          <a:xfrm>
+            <a:off x="606983" y="1236575"/>
+            <a:ext cx="10877550" cy="4686300"/>
+          </a:xfrm>
+          <a:prstGeom prst="rect">
+            <a:avLst/>
+          </a:prstGeom>
+        </p:spPr>
+      </p:pic>
+      <p:sp>
+        <p:nvSpPr>
+          <p:cNvPr id="4" name="文本框 3"/>
+          <p:cNvSpPr txBox="1"/>
+          <p:nvPr/>
+        </p:nvSpPr>
+        <p:spPr>
+          <a:xfrm>
+            <a:off x="5260928" y="6156289"/>
+            <a:ext cx="1569660" cy="369332"/>
+          </a:xfrm>
+          <a:prstGeom prst="rect">
+            <a:avLst/>
+          </a:prstGeom>
+          <a:noFill/>
+        </p:spPr>
+        <p:txBody>
+          <a:bodyPr wrap="none" rtlCol="0">
+            <a:spAutoFit/>
+          </a:bodyPr>
+          <a:lstStyle/>
+          <a:p>
+            <a:r>
+              <a:rPr lang="zh-CN" altLang="en-US" dirty="0" smtClean="0">
+                <a:latin typeface="微软雅黑" panose="020B0503020204020204" pitchFamily="34" charset="-122"/>
+                <a:ea typeface="微软雅黑" panose="020B0503020204020204" pitchFamily="34" charset="-122"/>
+              </a:rPr>
+              <a:t>网易数据中台</a:t>
+            </a:r>
+            <a:endParaRPr lang="zh-CN" altLang="en-US" dirty="0">
+              <a:latin typeface="微软雅黑" panose="020B0503020204020204" pitchFamily="34" charset="-122"/>
+              <a:ea typeface="微软雅黑" panose="020B0503020204020204" pitchFamily="34" charset="-122"/>
+            </a:endParaRPr>
+          </a:p>
+        </p:txBody>
+      </p:sp>
+    </p:spTree>
+    <p:custDataLst>
+      <p:tags r:id="rId1"/>
+    </p:custDataLst>
+    <p:extLst>
+      <p:ext uri="{BB962C8B-B14F-4D97-AF65-F5344CB8AC3E}">
+        <p14:creationId xmlns:p14="http://schemas.microsoft.com/office/powerpoint/2010/main" val="1932566824"/>
+      </p:ext>
+    </p:extLst>
+  </p:cSld>
+  <p:clrMapOvr>
+    <a:masterClrMapping/>
+  </p:clrMapOvr>
+  <p:timing>
+    <p:tnLst>
+      <p:par>
+        <p:cTn id="1" dur="indefinite" restart="never" nodeType="tmRoot"/>
+      </p:par>
+    </p:tnLst>
+  </p:timing>
+</p:sld>
+</file>
+
+<file path=ppt/slides/slide5.xml><?xml version="1.0" encoding="utf-8"?>
+<p:sld xmlns:a="http://schemas.openxmlformats.org/drawingml/2006/main" xmlns:r="http://schemas.openxmlformats.org/officeDocument/2006/relationships" xmlns:p="http://schemas.openxmlformats.org/presentationml/2006/main">
+  <p:cSld>
+    <p:spTree>
+      <p:nvGrpSpPr>
+        <p:cNvPr id="1" name=""/>
+        <p:cNvGrpSpPr/>
+        <p:nvPr/>
+      </p:nvGrpSpPr>
+      <p:grpSpPr>
+        <a:xfrm>
+          <a:off x="0" y="0"/>
+          <a:ext cx="0" cy="0"/>
+          <a:chOff x="0" y="0"/>
+          <a:chExt cx="0" cy="0"/>
+        </a:xfrm>
+      </p:grpSpPr>
+      <p:sp>
+        <p:nvSpPr>
+          <p:cNvPr id="2" name="文本框 1"/>
+          <p:cNvSpPr txBox="1"/>
+          <p:nvPr/>
+        </p:nvSpPr>
+        <p:spPr>
+          <a:xfrm>
+            <a:off x="309879" y="295275"/>
+            <a:ext cx="10100946" cy="523220"/>
+          </a:xfrm>
+          <a:prstGeom prst="rect">
+            <a:avLst/>
+          </a:prstGeom>
+          <a:noFill/>
+        </p:spPr>
+        <p:txBody>
+          <a:bodyPr wrap="square" rtlCol="0">
+            <a:spAutoFit/>
+          </a:bodyPr>
+          <a:lstStyle/>
+          <a:p>
+            <a:r>
+              <a:rPr lang="zh-CN" altLang="en-US" sz="2800" b="1" dirty="0" smtClean="0">
+                <a:solidFill>
+                  <a:srgbClr val="1290FC"/>
+                </a:solidFill>
+                <a:latin typeface="微软雅黑" charset="0"/>
+                <a:ea typeface="微软雅黑" charset="0"/>
+                <a:sym typeface="+mn-ea"/>
+              </a:rPr>
+              <a:t>数据中台组织架构</a:t>
+            </a:r>
+            <a:endParaRPr lang="en-US" altLang="zh-CN" sz="2800" b="1" dirty="0">
+              <a:solidFill>
+                <a:srgbClr val="1290FC"/>
+              </a:solidFill>
+              <a:latin typeface="微软雅黑" charset="0"/>
+              <a:ea typeface="微软雅黑" charset="0"/>
+              <a:sym typeface="+mn-ea"/>
+            </a:endParaRPr>
+          </a:p>
+        </p:txBody>
+      </p:sp>
+      <p:grpSp>
+        <p:nvGrpSpPr>
+          <p:cNvPr id="7" name="组合 6"/>
+          <p:cNvGrpSpPr/>
+          <p:nvPr/>
+        </p:nvGrpSpPr>
+        <p:grpSpPr>
+          <a:xfrm>
+            <a:off x="627079" y="1280798"/>
+            <a:ext cx="10877550" cy="3552825"/>
+            <a:chOff x="707466" y="1702829"/>
+            <a:chExt cx="10877550" cy="3552825"/>
+          </a:xfrm>
+        </p:grpSpPr>
+        <p:pic>
+          <p:nvPicPr>
+            <p:cNvPr id="5" name="图片 4"/>
+            <p:cNvPicPr>
+              <a:picLocks noChangeAspect="1"/>
+            </p:cNvPicPr>
+            <p:nvPr/>
+          </p:nvPicPr>
+          <p:blipFill>
+            <a:blip r:embed="rId4">
+              <a:extLst>
+                <a:ext uri="{28A0092B-C50C-407E-A947-70E740481C1C}">
+                  <a14:useLocalDpi xmlns:a14="http://schemas.microsoft.com/office/drawing/2010/main" val="0"/>
+                </a:ext>
+              </a:extLst>
+            </a:blip>
+            <a:stretch>
+              <a:fillRect/>
+            </a:stretch>
+          </p:blipFill>
+          <p:spPr>
+            <a:xfrm>
+              <a:off x="707466" y="1702829"/>
+              <a:ext cx="10877550" cy="3552825"/>
+            </a:xfrm>
+            <a:prstGeom prst="rect">
+              <a:avLst/>
+            </a:prstGeom>
+          </p:spPr>
+        </p:pic>
+        <p:sp>
+          <p:nvSpPr>
+            <p:cNvPr id="6" name="矩形 5"/>
+            <p:cNvSpPr/>
+            <p:nvPr/>
+          </p:nvSpPr>
+          <p:spPr>
+            <a:xfrm>
+              <a:off x="9937820" y="4762918"/>
+              <a:ext cx="1457011" cy="381838"/>
+            </a:xfrm>
+            <a:prstGeom prst="rect">
+              <a:avLst/>
+            </a:prstGeom>
+            <a:solidFill>
+              <a:schemeClr val="bg1"/>
+            </a:solidFill>
+            <a:ln>
+              <a:noFill/>
+            </a:ln>
+          </p:spPr>
+          <p:style>
+            <a:lnRef idx="2">
+              <a:schemeClr val="lt1">
+                <a:hueOff val="0"/>
+                <a:satOff val="0"/>
+                <a:lumOff val="0"/>
+                <a:alphaOff val="0"/>
+              </a:schemeClr>
+            </a:lnRef>
+            <a:fillRef idx="1">
+              <a:schemeClr val="accent1">
+                <a:hueOff val="0"/>
+                <a:satOff val="0"/>
+                <a:lumOff val="0"/>
+                <a:alphaOff val="0"/>
+              </a:schemeClr>
+            </a:fillRef>
+            <a:effectRef idx="0">
+              <a:schemeClr val="accent1">
+                <a:hueOff val="0"/>
+                <a:satOff val="0"/>
+                <a:lumOff val="0"/>
+                <a:alphaOff val="0"/>
+              </a:schemeClr>
+            </a:effectRef>
+            <a:fontRef idx="minor">
+              <a:schemeClr val="lt1"/>
+            </a:fontRef>
+          </p:style>
+          <p:txBody>
+            <a:bodyPr spcFirstLastPara="0" vert="horz" wrap="square" lIns="316122" tIns="316122" rIns="316122" bIns="316122" numCol="1" spcCol="1270" rtlCol="0" anchor="ctr" anchorCtr="0">
+              <a:noAutofit/>
+            </a:bodyPr>
+            <a:lstStyle/>
+            <a:p>
+              <a:pPr marL="0" marR="0" indent="0" algn="ctr" defTabSz="1778000" rtl="0" eaLnBrk="1" fontAlgn="auto" latinLnBrk="0" hangingPunct="1">
+                <a:lnSpc>
+                  <a:spcPct val="90000"/>
+                </a:lnSpc>
+                <a:spcBef>
+                  <a:spcPct val="0"/>
+                </a:spcBef>
+                <a:spcAft>
+                  <a:spcPct val="35000"/>
+                </a:spcAft>
+                <a:buClrTx/>
+                <a:buSzTx/>
+                <a:buFontTx/>
+                <a:buNone/>
+              </a:pPr>
+              <a:endParaRPr kumimoji="0" lang="zh-CN" altLang="en-US" sz="4000" b="0" i="0" u="none" strike="noStrike" kern="1200" cap="none" spc="0" normalizeH="0" baseline="0" noProof="0" dirty="0">
+                <a:ln>
+                  <a:noFill/>
+                </a:ln>
+                <a:solidFill>
+                  <a:srgbClr val="FFFFFF"/>
+                </a:solidFill>
+                <a:effectLst/>
+                <a:uLnTx/>
+                <a:uFillTx/>
+                <a:latin typeface="Arial" panose="020B0604020202090204" pitchFamily="34" charset="0"/>
+                <a:ea typeface="+mn-ea"/>
+                <a:cs typeface="Arial" panose="020B0604020202090204" pitchFamily="34" charset="0"/>
+              </a:endParaRPr>
+            </a:p>
+          </p:txBody>
+        </p:sp>
+      </p:grpSp>
+      <p:sp>
+        <p:nvSpPr>
+          <p:cNvPr id="8" name="矩形 7"/>
+          <p:cNvSpPr/>
+          <p:nvPr/>
+        </p:nvSpPr>
+        <p:spPr>
+          <a:xfrm>
+            <a:off x="2440074" y="6253056"/>
+            <a:ext cx="6472814" cy="369332"/>
+          </a:xfrm>
+          <a:prstGeom prst="rect">
+            <a:avLst/>
+          </a:prstGeom>
+          <a:solidFill>
+            <a:schemeClr val="accent1">
+              <a:lumMod val="20000"/>
+              <a:lumOff val="80000"/>
+            </a:schemeClr>
+          </a:solidFill>
+        </p:spPr>
+        <p:txBody>
+          <a:bodyPr wrap="square">
+            <a:spAutoFit/>
+          </a:bodyPr>
+          <a:lstStyle/>
+          <a:p>
+            <a:r>
+              <a:rPr lang="zh-CN" altLang="en-US" dirty="0">
+                <a:solidFill>
+                  <a:srgbClr val="333333"/>
+                </a:solidFill>
+                <a:latin typeface="微软雅黑" panose="020B0503020204020204" pitchFamily="34" charset="-122"/>
+                <a:ea typeface="微软雅黑" panose="020B0503020204020204" pitchFamily="34" charset="-122"/>
+              </a:rPr>
+              <a:t>对数据中台的组织定位是：懂业务，能够深入业务，扎根业务</a:t>
+            </a:r>
+          </a:p>
+        </p:txBody>
+      </p:sp>
+      <p:sp>
+        <p:nvSpPr>
+          <p:cNvPr id="9" name="矩形 8"/>
+          <p:cNvSpPr/>
+          <p:nvPr/>
+        </p:nvSpPr>
+        <p:spPr>
+          <a:xfrm>
+            <a:off x="2440074" y="4911482"/>
+            <a:ext cx="3877985" cy="369332"/>
+          </a:xfrm>
+          <a:prstGeom prst="rect">
+            <a:avLst/>
+          </a:prstGeom>
+          <a:solidFill>
+            <a:schemeClr val="accent1">
+              <a:lumMod val="20000"/>
+              <a:lumOff val="80000"/>
+            </a:schemeClr>
+          </a:solidFill>
+        </p:spPr>
+        <p:txBody>
+          <a:bodyPr wrap="square">
+            <a:spAutoFit/>
+          </a:bodyPr>
+          <a:lstStyle/>
+          <a:p>
+            <a:r>
+              <a:rPr lang="zh-CN" altLang="en-US" dirty="0">
+                <a:solidFill>
+                  <a:srgbClr val="333333"/>
+                </a:solidFill>
+                <a:latin typeface="微软雅黑" panose="020B0503020204020204" pitchFamily="34" charset="-122"/>
+                <a:ea typeface="微软雅黑" panose="020B0503020204020204" pitchFamily="34" charset="-122"/>
+              </a:rPr>
+              <a:t>要有一个独立于业务部门的中台团队</a:t>
+            </a:r>
+          </a:p>
+        </p:txBody>
+      </p:sp>
+      <p:sp>
+        <p:nvSpPr>
+          <p:cNvPr id="10" name="矩形 9"/>
+          <p:cNvSpPr/>
+          <p:nvPr/>
+        </p:nvSpPr>
+        <p:spPr>
+          <a:xfrm>
+            <a:off x="2440074" y="5582269"/>
+            <a:ext cx="5262979" cy="369332"/>
+          </a:xfrm>
+          <a:prstGeom prst="rect">
+            <a:avLst/>
+          </a:prstGeom>
+          <a:solidFill>
+            <a:schemeClr val="accent1">
+              <a:lumMod val="20000"/>
+              <a:lumOff val="80000"/>
+            </a:schemeClr>
+          </a:solidFill>
+        </p:spPr>
+        <p:txBody>
+          <a:bodyPr wrap="square">
+            <a:spAutoFit/>
+          </a:bodyPr>
+          <a:lstStyle/>
+          <a:p>
+            <a:r>
+              <a:rPr lang="zh-CN" altLang="en-US" dirty="0">
+                <a:solidFill>
+                  <a:srgbClr val="333333"/>
+                </a:solidFill>
+                <a:latin typeface="微软雅黑" panose="020B0503020204020204" pitchFamily="34" charset="-122"/>
+                <a:ea typeface="微软雅黑" panose="020B0503020204020204" pitchFamily="34" charset="-122"/>
+              </a:rPr>
+              <a:t>中台组织的绩效目标一定是要与业务落地价值绑定</a:t>
+            </a:r>
+          </a:p>
+        </p:txBody>
+      </p:sp>
+    </p:spTree>
+    <p:custDataLst>
+      <p:tags r:id="rId1"/>
+    </p:custDataLst>
+    <p:extLst>
+      <p:ext uri="{BB962C8B-B14F-4D97-AF65-F5344CB8AC3E}">
+        <p14:creationId xmlns:p14="http://schemas.microsoft.com/office/powerpoint/2010/main" val="1362111478"/>
+      </p:ext>
+    </p:extLst>
+  </p:cSld>
+  <p:clrMapOvr>
+    <a:masterClrMapping/>
+  </p:clrMapOvr>
+  <p:timing>
+    <p:tnLst>
+      <p:par>
+        <p:cTn id="1" dur="indefinite" restart="never" nodeType="tmRoot"/>
+      </p:par>
+    </p:tnLst>
+  </p:timing>
+</p:sld>
+</file>
+
+<file path=ppt/slides/slide6.xml><?xml version="1.0" encoding="utf-8"?>
+<p:sld xmlns:a="http://schemas.openxmlformats.org/drawingml/2006/main" xmlns:r="http://schemas.openxmlformats.org/officeDocument/2006/relationships" xmlns:p="http://schemas.openxmlformats.org/presentationml/2006/main">
+  <p:cSld>
+    <p:spTree>
+      <p:nvGrpSpPr>
+        <p:cNvPr id="1" name=""/>
+        <p:cNvGrpSpPr/>
+        <p:nvPr/>
+      </p:nvGrpSpPr>
+      <p:grpSpPr>
+        <a:xfrm>
+          <a:off x="0" y="0"/>
+          <a:ext cx="0" cy="0"/>
+          <a:chOff x="0" y="0"/>
+          <a:chExt cx="0" cy="0"/>
+        </a:xfrm>
+      </p:grpSpPr>
+      <p:sp>
+        <p:nvSpPr>
+          <p:cNvPr id="2" name="文本框 1"/>
+          <p:cNvSpPr txBox="1"/>
+          <p:nvPr/>
+        </p:nvSpPr>
+        <p:spPr>
+          <a:xfrm>
+            <a:off x="309879" y="295275"/>
+            <a:ext cx="10100946" cy="523220"/>
+          </a:xfrm>
+          <a:prstGeom prst="rect">
+            <a:avLst/>
+          </a:prstGeom>
+          <a:noFill/>
+        </p:spPr>
+        <p:txBody>
+          <a:bodyPr wrap="square" rtlCol="0">
+            <a:spAutoFit/>
+          </a:bodyPr>
+          <a:lstStyle/>
+          <a:p>
+            <a:r>
+              <a:rPr lang="zh-CN" altLang="en-US" sz="2800" b="1" dirty="0" smtClean="0">
+                <a:solidFill>
+                  <a:srgbClr val="1290FC"/>
+                </a:solidFill>
+                <a:latin typeface="微软雅黑" charset="0"/>
+                <a:ea typeface="微软雅黑" charset="0"/>
+                <a:sym typeface="+mn-ea"/>
+              </a:rPr>
+              <a:t>数据中台建设</a:t>
+            </a:r>
+            <a:r>
+              <a:rPr lang="en-US" altLang="zh-CN" sz="2800" b="1" dirty="0" smtClean="0">
+                <a:solidFill>
+                  <a:srgbClr val="1290FC"/>
+                </a:solidFill>
+                <a:latin typeface="微软雅黑" charset="0"/>
+                <a:ea typeface="微软雅黑" charset="0"/>
+                <a:sym typeface="+mn-ea"/>
+              </a:rPr>
+              <a:t>-</a:t>
+            </a:r>
+            <a:r>
+              <a:rPr lang="zh-CN" altLang="en-US" sz="2800" b="1" dirty="0" smtClean="0">
+                <a:solidFill>
+                  <a:srgbClr val="1290FC"/>
+                </a:solidFill>
+                <a:latin typeface="微软雅黑" charset="0"/>
+                <a:ea typeface="微软雅黑" charset="0"/>
+                <a:sym typeface="+mn-ea"/>
+              </a:rPr>
+              <a:t>小结</a:t>
+            </a:r>
+            <a:endParaRPr lang="en-US" altLang="zh-CN" sz="2800" b="1" dirty="0">
+              <a:solidFill>
+                <a:srgbClr val="1290FC"/>
+              </a:solidFill>
+              <a:latin typeface="微软雅黑" charset="0"/>
+              <a:ea typeface="微软雅黑" charset="0"/>
+              <a:sym typeface="+mn-ea"/>
+            </a:endParaRPr>
+          </a:p>
+        </p:txBody>
+      </p:sp>
+      <p:pic>
+        <p:nvPicPr>
+          <p:cNvPr id="3" name="图片 2"/>
+          <p:cNvPicPr>
+            <a:picLocks noChangeAspect="1"/>
+          </p:cNvPicPr>
+          <p:nvPr/>
+        </p:nvPicPr>
+        <p:blipFill>
+          <a:blip r:embed="rId4">
+            <a:extLst>
+              <a:ext uri="{28A0092B-C50C-407E-A947-70E740481C1C}">
+                <a14:useLocalDpi xmlns:a14="http://schemas.microsoft.com/office/drawing/2010/main" val="0"/>
+              </a:ext>
+            </a:extLst>
+          </a:blip>
+          <a:stretch>
+            <a:fillRect/>
+          </a:stretch>
+        </p:blipFill>
+        <p:spPr>
+          <a:xfrm>
+            <a:off x="2723103" y="818495"/>
+            <a:ext cx="6913620" cy="5805746"/>
+          </a:xfrm>
+          <a:prstGeom prst="rect">
+            <a:avLst/>
+          </a:prstGeom>
+        </p:spPr>
+      </p:pic>
+      <p:sp>
+        <p:nvSpPr>
+          <p:cNvPr id="4" name="矩形 3"/>
+          <p:cNvSpPr/>
+          <p:nvPr/>
+        </p:nvSpPr>
+        <p:spPr>
+          <a:xfrm>
+            <a:off x="8571244" y="6209881"/>
+            <a:ext cx="944545" cy="414360"/>
+          </a:xfrm>
+          <a:prstGeom prst="rect">
+            <a:avLst/>
+          </a:prstGeom>
+          <a:solidFill>
+            <a:schemeClr val="bg1"/>
+          </a:solidFill>
+          <a:ln>
+            <a:noFill/>
+          </a:ln>
+        </p:spPr>
+        <p:style>
+          <a:lnRef idx="2">
+            <a:schemeClr val="lt1">
+              <a:hueOff val="0"/>
+              <a:satOff val="0"/>
+              <a:lumOff val="0"/>
+              <a:alphaOff val="0"/>
+            </a:schemeClr>
+          </a:lnRef>
+          <a:fillRef idx="1">
+            <a:schemeClr val="accent1">
+              <a:hueOff val="0"/>
+              <a:satOff val="0"/>
+              <a:lumOff val="0"/>
+              <a:alphaOff val="0"/>
+            </a:schemeClr>
+          </a:fillRef>
+          <a:effectRef idx="0">
+            <a:schemeClr val="accent1">
+              <a:hueOff val="0"/>
+              <a:satOff val="0"/>
+              <a:lumOff val="0"/>
+              <a:alphaOff val="0"/>
+            </a:schemeClr>
+          </a:effectRef>
+          <a:fontRef idx="minor">
+            <a:schemeClr val="lt1"/>
+          </a:fontRef>
+        </p:style>
+        <p:txBody>
+          <a:bodyPr spcFirstLastPara="0" vert="horz" wrap="square" lIns="316122" tIns="316122" rIns="316122" bIns="316122" numCol="1" spcCol="1270" rtlCol="0" anchor="ctr" anchorCtr="0">
+            <a:noAutofit/>
+          </a:bodyPr>
+          <a:lstStyle/>
+          <a:p>
+            <a:pPr marL="0" marR="0" indent="0" algn="ctr" defTabSz="1778000" rtl="0" eaLnBrk="1" fontAlgn="auto" latinLnBrk="0" hangingPunct="1">
+              <a:lnSpc>
+                <a:spcPct val="90000"/>
+              </a:lnSpc>
+              <a:spcBef>
+                <a:spcPct val="0"/>
+              </a:spcBef>
+              <a:spcAft>
+                <a:spcPct val="35000"/>
+              </a:spcAft>
+              <a:buClrTx/>
+              <a:buSzTx/>
+              <a:buFontTx/>
+              <a:buNone/>
+            </a:pPr>
+            <a:endParaRPr kumimoji="0" lang="zh-CN" altLang="en-US" sz="4000" b="0" i="0" u="none" strike="noStrike" kern="1200" cap="none" spc="0" normalizeH="0" baseline="0" noProof="0" dirty="0">
+              <a:ln>
+                <a:noFill/>
+              </a:ln>
+              <a:solidFill>
+                <a:srgbClr val="FFFFFF"/>
+              </a:solidFill>
+              <a:effectLst/>
+              <a:uLnTx/>
+              <a:uFillTx/>
+              <a:latin typeface="Arial" panose="020B0604020202090204" pitchFamily="34" charset="0"/>
+              <a:ea typeface="+mn-ea"/>
+              <a:cs typeface="Arial" panose="020B0604020202090204" pitchFamily="34" charset="0"/>
+            </a:endParaRPr>
+          </a:p>
+        </p:txBody>
+      </p:sp>
+    </p:spTree>
+    <p:custDataLst>
+      <p:tags r:id="rId1"/>
+    </p:custDataLst>
+    <p:extLst>
+      <p:ext uri="{BB962C8B-B14F-4D97-AF65-F5344CB8AC3E}">
+        <p14:creationId xmlns:p14="http://schemas.microsoft.com/office/powerpoint/2010/main" val="3917148678"/>
+      </p:ext>
+    </p:extLst>
+  </p:cSld>
+  <p:clrMapOvr>
+    <a:masterClrMapping/>
+  </p:clrMapOvr>
+  <p:timing>
+    <p:tnLst>
+      <p:par>
+        <p:cTn id="1" dur="indefinite" restart="never" nodeType="tmRoot"/>
+      </p:par>
+    </p:tnLst>
+  </p:timing>
+</p:sld>
+</file>
+
+<file path=ppt/slides/slide7.xml><?xml version="1.0" encoding="utf-8"?>
+<p:sld xmlns:a="http://schemas.openxmlformats.org/drawingml/2006/main" xmlns:r="http://schemas.openxmlformats.org/officeDocument/2006/relationships" xmlns:p="http://schemas.openxmlformats.org/presentationml/2006/main">
+  <p:cSld>
+    <p:spTree>
+      <p:nvGrpSpPr>
+        <p:cNvPr id="1" name=""/>
+        <p:cNvGrpSpPr/>
+        <p:nvPr/>
+      </p:nvGrpSpPr>
+      <p:grpSpPr>
+        <a:xfrm>
+          <a:off x="0" y="0"/>
+          <a:ext cx="0" cy="0"/>
+          <a:chOff x="0" y="0"/>
+          <a:chExt cx="0" cy="0"/>
+        </a:xfrm>
+      </p:grpSpPr>
+      <p:sp>
+        <p:nvSpPr>
+          <p:cNvPr id="18" name="object 2"/>
+          <p:cNvSpPr txBox="1">
+            <a:spLocks noGrp="1"/>
+          </p:cNvSpPr>
+          <p:nvPr>
+            <p:ph type="title"/>
+          </p:nvPr>
+        </p:nvSpPr>
+        <p:spPr>
+          <a:xfrm>
+            <a:off x="5369941" y="949769"/>
+            <a:ext cx="1422400" cy="1028700"/>
+          </a:xfrm>
+          <a:prstGeom prst="rect">
+            <a:avLst/>
+          </a:prstGeom>
+        </p:spPr>
+        <p:txBody>
+          <a:bodyPr vert="horz" wrap="square" lIns="0" tIns="12065" rIns="0" bIns="0" rtlCol="0">
+            <a:spAutoFit/>
+          </a:bodyPr>
+          <a:lstStyle/>
+          <a:p>
+            <a:pPr marL="132715">
+              <a:lnSpc>
+                <a:spcPct val="100000"/>
+              </a:lnSpc>
+              <a:spcBef>
+                <a:spcPts val="95"/>
+              </a:spcBef>
+            </a:pPr>
+            <a:r>
+              <a:rPr sz="4550" b="1" spc="-5" dirty="0">
+                <a:solidFill>
+                  <a:srgbClr val="2C8BF0"/>
+                </a:solidFill>
+                <a:latin typeface="微软雅黑" charset="0"/>
+                <a:ea typeface="微软雅黑" charset="0"/>
+                <a:cs typeface="微软雅黑" charset="0"/>
+              </a:rPr>
+              <a:t>目录</a:t>
+            </a:r>
+            <a:endParaRPr sz="4550" b="1" dirty="0">
+              <a:latin typeface="微软雅黑" charset="0"/>
+              <a:ea typeface="微软雅黑" charset="0"/>
+              <a:cs typeface="微软雅黑" charset="0"/>
+            </a:endParaRPr>
+          </a:p>
+          <a:p>
+            <a:pPr marL="12700">
+              <a:lnSpc>
+                <a:spcPct val="100000"/>
+              </a:lnSpc>
+              <a:spcBef>
+                <a:spcPts val="70"/>
+              </a:spcBef>
+            </a:pPr>
+            <a:r>
+              <a:rPr sz="2000" b="1" spc="-15" dirty="0">
+                <a:solidFill>
+                  <a:srgbClr val="2C8BF1"/>
+                </a:solidFill>
+                <a:latin typeface="微软雅黑" charset="0"/>
+                <a:ea typeface="微软雅黑" charset="0"/>
+                <a:cs typeface="微软雅黑" charset="0"/>
+              </a:rPr>
+              <a:t>CONTENTS</a:t>
+            </a:r>
+            <a:endParaRPr sz="2000" b="1" dirty="0">
+              <a:latin typeface="微软雅黑" charset="0"/>
+              <a:ea typeface="微软雅黑" charset="0"/>
+              <a:cs typeface="微软雅黑" charset="0"/>
+            </a:endParaRPr>
+          </a:p>
+        </p:txBody>
+      </p:sp>
+      <p:sp>
+        <p:nvSpPr>
+          <p:cNvPr id="22" name="object 4"/>
+          <p:cNvSpPr txBox="1"/>
+          <p:nvPr/>
+        </p:nvSpPr>
+        <p:spPr>
+          <a:xfrm>
+            <a:off x="3353124" y="4299636"/>
+            <a:ext cx="1184910" cy="289823"/>
+          </a:xfrm>
+          <a:prstGeom prst="rect">
+            <a:avLst/>
+          </a:prstGeom>
+        </p:spPr>
+        <p:txBody>
+          <a:bodyPr vert="horz" wrap="square" lIns="0" tIns="12700" rIns="0" bIns="0" rtlCol="0">
+            <a:spAutoFit/>
+          </a:bodyPr>
+          <a:lstStyle/>
+          <a:p>
+            <a:pPr marL="12700" algn="ctr">
+              <a:lnSpc>
+                <a:spcPct val="100000"/>
+              </a:lnSpc>
+              <a:spcBef>
+                <a:spcPts val="100"/>
+              </a:spcBef>
+            </a:pPr>
+            <a:r>
+              <a:rPr b="1" spc="-15" dirty="0">
+                <a:solidFill>
+                  <a:schemeClr val="tx1">
+                    <a:lumMod val="75000"/>
+                    <a:lumOff val="25000"/>
+                  </a:schemeClr>
+                </a:solidFill>
+                <a:latin typeface="Microsoft YaHei" panose="020B0503020204020204" pitchFamily="34" charset="-122"/>
+                <a:ea typeface="Microsoft YaHei" panose="020B0503020204020204" pitchFamily="34" charset="-122"/>
+                <a:cs typeface="+mn-lt"/>
+              </a:rPr>
+              <a:t>Part</a:t>
+            </a:r>
+            <a:r>
+              <a:rPr b="1" spc="-70" dirty="0">
+                <a:solidFill>
+                  <a:schemeClr val="tx1">
+                    <a:lumMod val="75000"/>
+                    <a:lumOff val="25000"/>
+                  </a:schemeClr>
+                </a:solidFill>
+                <a:latin typeface="Microsoft YaHei" panose="020B0503020204020204" pitchFamily="34" charset="-122"/>
+                <a:ea typeface="Microsoft YaHei" panose="020B0503020204020204" pitchFamily="34" charset="-122"/>
+                <a:cs typeface="+mn-lt"/>
+              </a:rPr>
+              <a:t> </a:t>
+            </a:r>
+            <a:r>
+              <a:rPr b="1" dirty="0">
+                <a:solidFill>
+                  <a:schemeClr val="tx1">
+                    <a:lumMod val="75000"/>
+                    <a:lumOff val="25000"/>
+                  </a:schemeClr>
+                </a:solidFill>
+                <a:latin typeface="Microsoft YaHei" panose="020B0503020204020204" pitchFamily="34" charset="-122"/>
+                <a:ea typeface="Microsoft YaHei" panose="020B0503020204020204" pitchFamily="34" charset="-122"/>
+                <a:cs typeface="+mn-lt"/>
+              </a:rPr>
+              <a:t>0</a:t>
+            </a:r>
+            <a:r>
+              <a:rPr lang="en-US" b="1" dirty="0">
+                <a:solidFill>
+                  <a:schemeClr val="tx1">
+                    <a:lumMod val="75000"/>
+                    <a:lumOff val="25000"/>
+                  </a:schemeClr>
+                </a:solidFill>
+                <a:latin typeface="Microsoft YaHei" panose="020B0503020204020204" pitchFamily="34" charset="-122"/>
+                <a:ea typeface="Microsoft YaHei" panose="020B0503020204020204" pitchFamily="34" charset="-122"/>
+                <a:cs typeface="+mn-lt"/>
+              </a:rPr>
+              <a:t>2</a:t>
+            </a:r>
+            <a:endParaRPr dirty="0">
+              <a:solidFill>
+                <a:schemeClr val="tx1">
+                  <a:lumMod val="75000"/>
+                  <a:lumOff val="25000"/>
+                </a:schemeClr>
+              </a:solidFill>
+              <a:latin typeface="Microsoft YaHei" panose="020B0503020204020204" pitchFamily="34" charset="-122"/>
+              <a:ea typeface="Microsoft YaHei" panose="020B0503020204020204" pitchFamily="34" charset="-122"/>
+              <a:cs typeface="+mn-lt"/>
+            </a:endParaRPr>
+          </a:p>
+        </p:txBody>
+      </p:sp>
+      <p:sp>
+        <p:nvSpPr>
+          <p:cNvPr id="25" name="object 7"/>
+          <p:cNvSpPr/>
+          <p:nvPr/>
+        </p:nvSpPr>
+        <p:spPr>
+          <a:xfrm>
+            <a:off x="3223345" y="3263953"/>
+            <a:ext cx="5789930" cy="0"/>
+          </a:xfrm>
+          <a:custGeom>
+            <a:avLst/>
+            <a:gdLst/>
+            <a:ahLst/>
+            <a:cxnLst/>
+            <a:rect l="l" t="t" r="r" b="b"/>
+            <a:pathLst>
+              <a:path w="5789930">
+                <a:moveTo>
+                  <a:pt x="0" y="0"/>
+                </a:moveTo>
+                <a:lnTo>
+                  <a:pt x="5789422" y="0"/>
+                </a:lnTo>
+              </a:path>
+            </a:pathLst>
+          </a:custGeom>
+          <a:ln w="6096">
+            <a:solidFill>
+              <a:srgbClr val="2C8BF1"/>
+            </a:solidFill>
+          </a:ln>
+        </p:spPr>
+        <p:txBody>
+          <a:bodyPr wrap="square" lIns="0" tIns="0" rIns="0" bIns="0" rtlCol="0"/>
+          <a:lstStyle/>
+          <a:p>
+            <a:endParaRPr>
+              <a:latin typeface="微软雅黑" charset="0"/>
+              <a:ea typeface="微软雅黑" charset="0"/>
+            </a:endParaRPr>
+          </a:p>
+        </p:txBody>
+      </p:sp>
+      <p:sp>
+        <p:nvSpPr>
+          <p:cNvPr id="26" name="object 8"/>
+          <p:cNvSpPr/>
+          <p:nvPr/>
+        </p:nvSpPr>
+        <p:spPr>
+          <a:xfrm>
+            <a:off x="3223345" y="4679465"/>
+            <a:ext cx="5789930" cy="0"/>
+          </a:xfrm>
+          <a:custGeom>
+            <a:avLst/>
+            <a:gdLst/>
+            <a:ahLst/>
+            <a:cxnLst/>
+            <a:rect l="l" t="t" r="r" b="b"/>
+            <a:pathLst>
+              <a:path w="5789930">
+                <a:moveTo>
+                  <a:pt x="0" y="0"/>
+                </a:moveTo>
+                <a:lnTo>
+                  <a:pt x="5789422" y="0"/>
+                </a:lnTo>
+              </a:path>
+            </a:pathLst>
+          </a:custGeom>
+          <a:ln w="6096">
+            <a:solidFill>
+              <a:srgbClr val="2C8BF1"/>
+            </a:solidFill>
+          </a:ln>
+        </p:spPr>
+        <p:txBody>
+          <a:bodyPr wrap="square" lIns="0" tIns="0" rIns="0" bIns="0" rtlCol="0"/>
+          <a:lstStyle/>
+          <a:p>
+            <a:endParaRPr>
+              <a:latin typeface="微软雅黑" charset="0"/>
+              <a:ea typeface="微软雅黑" charset="0"/>
+            </a:endParaRPr>
+          </a:p>
+        </p:txBody>
+      </p:sp>
+      <p:sp>
+        <p:nvSpPr>
+          <p:cNvPr id="17" name="object 3"/>
+          <p:cNvSpPr txBox="1"/>
+          <p:nvPr/>
+        </p:nvSpPr>
+        <p:spPr>
+          <a:xfrm>
+            <a:off x="4933507" y="3590708"/>
+            <a:ext cx="3993515" cy="289560"/>
+          </a:xfrm>
+          <a:prstGeom prst="rect">
+            <a:avLst/>
+          </a:prstGeom>
+        </p:spPr>
+        <p:txBody>
+          <a:bodyPr vert="horz" wrap="square" lIns="0" tIns="12700" rIns="0" bIns="0" rtlCol="0">
+            <a:spAutoFit/>
+          </a:bodyPr>
+          <a:lstStyle/>
+          <a:p>
+            <a:pPr marL="12700">
+              <a:lnSpc>
+                <a:spcPct val="100000"/>
+              </a:lnSpc>
+              <a:spcBef>
+                <a:spcPts val="100"/>
+              </a:spcBef>
+            </a:pPr>
+            <a:r>
+              <a:rPr lang="zh-CN" altLang="en-US" b="1" spc="-5" dirty="0" smtClean="0">
+                <a:solidFill>
+                  <a:schemeClr val="bg2">
+                    <a:lumMod val="25000"/>
+                  </a:schemeClr>
+                </a:solidFill>
+                <a:latin typeface="微软雅黑" charset="0"/>
+                <a:ea typeface="微软雅黑" charset="0"/>
+                <a:cs typeface="微软雅黑" charset="0"/>
+              </a:rPr>
+              <a:t>数据运营的整体策略</a:t>
+            </a:r>
+            <a:endParaRPr lang="zh-CN" altLang="en-US" sz="1800" b="1" spc="-5" dirty="0">
+              <a:solidFill>
+                <a:schemeClr val="bg2">
+                  <a:lumMod val="25000"/>
+                </a:schemeClr>
+              </a:solidFill>
+              <a:latin typeface="微软雅黑" charset="0"/>
+              <a:ea typeface="微软雅黑" charset="0"/>
+              <a:cs typeface="微软雅黑" charset="0"/>
+            </a:endParaRPr>
+          </a:p>
+        </p:txBody>
+      </p:sp>
+      <p:sp>
+        <p:nvSpPr>
+          <p:cNvPr id="21" name="object 4"/>
+          <p:cNvSpPr txBox="1"/>
+          <p:nvPr/>
+        </p:nvSpPr>
+        <p:spPr>
+          <a:xfrm>
+            <a:off x="3371775" y="3590708"/>
+            <a:ext cx="1184910" cy="289823"/>
+          </a:xfrm>
+          <a:prstGeom prst="rect">
+            <a:avLst/>
+          </a:prstGeom>
+        </p:spPr>
+        <p:txBody>
+          <a:bodyPr vert="horz" wrap="square" lIns="0" tIns="12700" rIns="0" bIns="0" rtlCol="0">
+            <a:spAutoFit/>
+          </a:bodyPr>
+          <a:lstStyle/>
+          <a:p>
+            <a:pPr marL="12700" algn="ctr">
+              <a:lnSpc>
+                <a:spcPct val="100000"/>
+              </a:lnSpc>
+              <a:spcBef>
+                <a:spcPts val="100"/>
+              </a:spcBef>
+            </a:pPr>
+            <a:r>
+              <a:rPr b="1" spc="-15" dirty="0">
+                <a:solidFill>
+                  <a:schemeClr val="tx1">
+                    <a:lumMod val="75000"/>
+                    <a:lumOff val="25000"/>
+                  </a:schemeClr>
+                </a:solidFill>
+                <a:latin typeface="Microsoft YaHei" panose="020B0503020204020204" pitchFamily="34" charset="-122"/>
+                <a:ea typeface="Microsoft YaHei" panose="020B0503020204020204" pitchFamily="34" charset="-122"/>
+                <a:cs typeface="+mn-lt"/>
+              </a:rPr>
+              <a:t>Part</a:t>
+            </a:r>
+            <a:r>
+              <a:rPr b="1" spc="-70" dirty="0">
+                <a:solidFill>
+                  <a:schemeClr val="tx1">
+                    <a:lumMod val="75000"/>
+                    <a:lumOff val="25000"/>
+                  </a:schemeClr>
+                </a:solidFill>
+                <a:latin typeface="Microsoft YaHei" panose="020B0503020204020204" pitchFamily="34" charset="-122"/>
+                <a:ea typeface="Microsoft YaHei" panose="020B0503020204020204" pitchFamily="34" charset="-122"/>
+                <a:cs typeface="+mn-lt"/>
+              </a:rPr>
+              <a:t> </a:t>
+            </a:r>
+            <a:r>
+              <a:rPr b="1" dirty="0">
+                <a:solidFill>
+                  <a:schemeClr val="tx1">
+                    <a:lumMod val="75000"/>
+                    <a:lumOff val="25000"/>
+                  </a:schemeClr>
+                </a:solidFill>
+                <a:latin typeface="Microsoft YaHei" panose="020B0503020204020204" pitchFamily="34" charset="-122"/>
+                <a:ea typeface="Microsoft YaHei" panose="020B0503020204020204" pitchFamily="34" charset="-122"/>
+                <a:cs typeface="+mn-lt"/>
+              </a:rPr>
+              <a:t>01</a:t>
+            </a:r>
+            <a:endParaRPr dirty="0">
+              <a:solidFill>
+                <a:schemeClr val="tx1">
+                  <a:lumMod val="75000"/>
+                  <a:lumOff val="25000"/>
+                </a:schemeClr>
+              </a:solidFill>
+              <a:latin typeface="Microsoft YaHei" panose="020B0503020204020204" pitchFamily="34" charset="-122"/>
+              <a:ea typeface="Microsoft YaHei" panose="020B0503020204020204" pitchFamily="34" charset="-122"/>
+              <a:cs typeface="+mn-lt"/>
+            </a:endParaRPr>
+          </a:p>
+        </p:txBody>
+      </p:sp>
+      <p:sp>
+        <p:nvSpPr>
+          <p:cNvPr id="30" name="object 8"/>
+          <p:cNvSpPr/>
+          <p:nvPr/>
+        </p:nvSpPr>
+        <p:spPr>
+          <a:xfrm>
+            <a:off x="3241996" y="3971709"/>
+            <a:ext cx="5789930" cy="0"/>
+          </a:xfrm>
+          <a:custGeom>
+            <a:avLst/>
+            <a:gdLst/>
+            <a:ahLst/>
+            <a:cxnLst/>
+            <a:rect l="l" t="t" r="r" b="b"/>
+            <a:pathLst>
+              <a:path w="5789930">
+                <a:moveTo>
+                  <a:pt x="0" y="0"/>
+                </a:moveTo>
+                <a:lnTo>
+                  <a:pt x="5789422" y="0"/>
+                </a:lnTo>
+              </a:path>
+            </a:pathLst>
+          </a:custGeom>
+          <a:ln w="6096">
+            <a:solidFill>
+              <a:srgbClr val="2C8BF1"/>
+            </a:solidFill>
+          </a:ln>
+        </p:spPr>
+        <p:txBody>
+          <a:bodyPr wrap="square" lIns="0" tIns="0" rIns="0" bIns="0" rtlCol="0"/>
+          <a:lstStyle/>
+          <a:p>
+            <a:endParaRPr>
+              <a:latin typeface="微软雅黑" charset="0"/>
+              <a:ea typeface="微软雅黑" charset="0"/>
+            </a:endParaRPr>
+          </a:p>
+        </p:txBody>
+      </p:sp>
+      <p:sp>
+        <p:nvSpPr>
+          <p:cNvPr id="32" name="object 11"/>
+          <p:cNvSpPr txBox="1"/>
+          <p:nvPr/>
+        </p:nvSpPr>
+        <p:spPr>
+          <a:xfrm>
+            <a:off x="4933505" y="4299669"/>
+            <a:ext cx="3961129" cy="289560"/>
+          </a:xfrm>
+          <a:prstGeom prst="rect">
+            <a:avLst/>
+          </a:prstGeom>
+        </p:spPr>
+        <p:txBody>
+          <a:bodyPr vert="horz" wrap="square" lIns="0" tIns="12700" rIns="0" bIns="0" rtlCol="0">
+            <a:spAutoFit/>
+          </a:bodyPr>
+          <a:lstStyle/>
+          <a:p>
+            <a:pPr marL="12700">
+              <a:lnSpc>
+                <a:spcPct val="100000"/>
+              </a:lnSpc>
+              <a:spcBef>
+                <a:spcPts val="100"/>
+              </a:spcBef>
+            </a:pPr>
+            <a:r>
+              <a:rPr lang="zh-CN" altLang="en-US" b="1" spc="-5" dirty="0" smtClean="0">
+                <a:solidFill>
+                  <a:schemeClr val="bg2">
+                    <a:lumMod val="25000"/>
+                  </a:schemeClr>
+                </a:solidFill>
+                <a:latin typeface="微软雅黑" charset="0"/>
+                <a:ea typeface="微软雅黑" charset="0"/>
+                <a:cs typeface="微软雅黑" charset="0"/>
+              </a:rPr>
+              <a:t>优化方案</a:t>
+            </a:r>
+            <a:endParaRPr lang="zh-CN" altLang="en-US" sz="1800" b="1" spc="-5" dirty="0">
+              <a:solidFill>
+                <a:schemeClr val="bg2">
+                  <a:lumMod val="25000"/>
+                </a:schemeClr>
+              </a:solidFill>
+              <a:latin typeface="微软雅黑" charset="0"/>
+              <a:ea typeface="微软雅黑" charset="0"/>
+              <a:cs typeface="微软雅黑" charset="0"/>
+            </a:endParaRPr>
+          </a:p>
+        </p:txBody>
+      </p:sp>
+      <p:sp>
+        <p:nvSpPr>
+          <p:cNvPr id="10" name="object 4"/>
+          <p:cNvSpPr txBox="1"/>
+          <p:nvPr/>
+        </p:nvSpPr>
+        <p:spPr>
+          <a:xfrm>
+            <a:off x="3353124" y="5007392"/>
+            <a:ext cx="1184910" cy="289823"/>
+          </a:xfrm>
+          <a:prstGeom prst="rect">
+            <a:avLst/>
+          </a:prstGeom>
+        </p:spPr>
+        <p:txBody>
+          <a:bodyPr vert="horz" wrap="square" lIns="0" tIns="12700" rIns="0" bIns="0" rtlCol="0">
+            <a:spAutoFit/>
+          </a:bodyPr>
+          <a:lstStyle/>
+          <a:p>
+            <a:pPr marL="12700" algn="ctr">
+              <a:lnSpc>
+                <a:spcPct val="100000"/>
+              </a:lnSpc>
+              <a:spcBef>
+                <a:spcPts val="100"/>
+              </a:spcBef>
+            </a:pPr>
+            <a:r>
+              <a:rPr b="1" spc="-15" dirty="0">
+                <a:solidFill>
+                  <a:schemeClr val="tx1">
+                    <a:lumMod val="75000"/>
+                    <a:lumOff val="25000"/>
+                  </a:schemeClr>
+                </a:solidFill>
+                <a:latin typeface="Microsoft YaHei" panose="020B0503020204020204" pitchFamily="34" charset="-122"/>
+                <a:ea typeface="Microsoft YaHei" panose="020B0503020204020204" pitchFamily="34" charset="-122"/>
+                <a:cs typeface="+mn-lt"/>
+              </a:rPr>
+              <a:t>Part</a:t>
+            </a:r>
+            <a:r>
+              <a:rPr b="1" spc="-70" dirty="0">
+                <a:solidFill>
+                  <a:schemeClr val="tx1">
+                    <a:lumMod val="75000"/>
+                    <a:lumOff val="25000"/>
+                  </a:schemeClr>
+                </a:solidFill>
+                <a:latin typeface="Microsoft YaHei" panose="020B0503020204020204" pitchFamily="34" charset="-122"/>
+                <a:ea typeface="Microsoft YaHei" panose="020B0503020204020204" pitchFamily="34" charset="-122"/>
+                <a:cs typeface="+mn-lt"/>
+              </a:rPr>
+              <a:t> </a:t>
+            </a:r>
+            <a:r>
+              <a:rPr b="1" dirty="0">
+                <a:solidFill>
+                  <a:schemeClr val="tx1">
+                    <a:lumMod val="75000"/>
+                    <a:lumOff val="25000"/>
+                  </a:schemeClr>
+                </a:solidFill>
+                <a:latin typeface="Microsoft YaHei" panose="020B0503020204020204" pitchFamily="34" charset="-122"/>
+                <a:ea typeface="Microsoft YaHei" panose="020B0503020204020204" pitchFamily="34" charset="-122"/>
+                <a:cs typeface="+mn-lt"/>
+              </a:rPr>
+              <a:t>0</a:t>
+            </a:r>
+            <a:r>
+              <a:rPr lang="en-US" b="1" dirty="0">
+                <a:solidFill>
+                  <a:schemeClr val="tx1">
+                    <a:lumMod val="75000"/>
+                    <a:lumOff val="25000"/>
+                  </a:schemeClr>
+                </a:solidFill>
+                <a:latin typeface="Microsoft YaHei" panose="020B0503020204020204" pitchFamily="34" charset="-122"/>
+                <a:ea typeface="Microsoft YaHei" panose="020B0503020204020204" pitchFamily="34" charset="-122"/>
+                <a:cs typeface="+mn-lt"/>
+              </a:rPr>
+              <a:t>2</a:t>
+            </a:r>
+            <a:endParaRPr dirty="0">
+              <a:solidFill>
+                <a:schemeClr val="tx1">
+                  <a:lumMod val="75000"/>
+                  <a:lumOff val="25000"/>
+                </a:schemeClr>
+              </a:solidFill>
+              <a:latin typeface="Microsoft YaHei" panose="020B0503020204020204" pitchFamily="34" charset="-122"/>
+              <a:ea typeface="Microsoft YaHei" panose="020B0503020204020204" pitchFamily="34" charset="-122"/>
+              <a:cs typeface="+mn-lt"/>
+            </a:endParaRPr>
+          </a:p>
+        </p:txBody>
+      </p:sp>
+      <p:sp>
+        <p:nvSpPr>
+          <p:cNvPr id="11" name="object 8"/>
+          <p:cNvSpPr/>
+          <p:nvPr/>
+        </p:nvSpPr>
+        <p:spPr>
+          <a:xfrm>
+            <a:off x="3223345" y="5387221"/>
+            <a:ext cx="5789930" cy="0"/>
+          </a:xfrm>
+          <a:custGeom>
+            <a:avLst/>
+            <a:gdLst/>
+            <a:ahLst/>
+            <a:cxnLst/>
+            <a:rect l="l" t="t" r="r" b="b"/>
+            <a:pathLst>
+              <a:path w="5789930">
+                <a:moveTo>
+                  <a:pt x="0" y="0"/>
+                </a:moveTo>
+                <a:lnTo>
+                  <a:pt x="5789422" y="0"/>
+                </a:lnTo>
+              </a:path>
+            </a:pathLst>
+          </a:custGeom>
+          <a:ln w="6096">
+            <a:solidFill>
+              <a:srgbClr val="2C8BF1"/>
+            </a:solidFill>
+          </a:ln>
+        </p:spPr>
+        <p:txBody>
+          <a:bodyPr wrap="square" lIns="0" tIns="0" rIns="0" bIns="0" rtlCol="0"/>
+          <a:lstStyle/>
+          <a:p>
+            <a:endParaRPr>
+              <a:latin typeface="微软雅黑" charset="0"/>
+              <a:ea typeface="微软雅黑" charset="0"/>
+            </a:endParaRPr>
+          </a:p>
+        </p:txBody>
+      </p:sp>
+      <p:sp>
+        <p:nvSpPr>
+          <p:cNvPr id="12" name="object 11"/>
+          <p:cNvSpPr txBox="1"/>
+          <p:nvPr/>
+        </p:nvSpPr>
+        <p:spPr>
+          <a:xfrm>
+            <a:off x="4933505" y="5007425"/>
+            <a:ext cx="3961129" cy="289560"/>
+          </a:xfrm>
+          <a:prstGeom prst="rect">
+            <a:avLst/>
+          </a:prstGeom>
+        </p:spPr>
+        <p:txBody>
+          <a:bodyPr vert="horz" wrap="square" lIns="0" tIns="12700" rIns="0" bIns="0" rtlCol="0">
+            <a:spAutoFit/>
+          </a:bodyPr>
+          <a:lstStyle/>
+          <a:p>
+            <a:pPr marL="12700">
+              <a:lnSpc>
+                <a:spcPct val="100000"/>
+              </a:lnSpc>
+              <a:spcBef>
+                <a:spcPts val="100"/>
+              </a:spcBef>
+            </a:pPr>
+            <a:r>
+              <a:rPr lang="zh-CN" altLang="en-US" b="1" spc="-5" dirty="0">
+                <a:solidFill>
+                  <a:schemeClr val="bg2">
+                    <a:lumMod val="25000"/>
+                  </a:schemeClr>
+                </a:solidFill>
+                <a:latin typeface="微软雅黑" charset="0"/>
+                <a:ea typeface="微软雅黑" charset="0"/>
+                <a:cs typeface="微软雅黑" charset="0"/>
+              </a:rPr>
+              <a:t>数据</a:t>
+            </a:r>
+            <a:r>
+              <a:rPr lang="zh-CN" altLang="en-US" b="1" spc="-5" dirty="0" smtClean="0">
+                <a:solidFill>
+                  <a:schemeClr val="bg2">
+                    <a:lumMod val="25000"/>
+                  </a:schemeClr>
+                </a:solidFill>
+                <a:latin typeface="微软雅黑" charset="0"/>
+                <a:ea typeface="微软雅黑" charset="0"/>
+                <a:cs typeface="微软雅黑" charset="0"/>
+              </a:rPr>
+              <a:t>需求具体情况</a:t>
+            </a:r>
+            <a:endParaRPr lang="zh-CN" altLang="en-US" sz="1800" b="1" spc="-5" dirty="0">
+              <a:solidFill>
+                <a:schemeClr val="bg2">
+                  <a:lumMod val="25000"/>
+                </a:schemeClr>
+              </a:solidFill>
+              <a:latin typeface="微软雅黑" charset="0"/>
+              <a:ea typeface="微软雅黑" charset="0"/>
+              <a:cs typeface="微软雅黑" charset="0"/>
+            </a:endParaRPr>
+          </a:p>
+        </p:txBody>
+      </p:sp>
+    </p:spTree>
+  </p:cSld>
+  <p:clrMapOvr>
+    <a:masterClrMapping/>
+  </p:clrMapOvr>
+  <p:timing>
+    <p:tnLst>
+      <p:par>
+        <p:cTn id="1" dur="indefinite" restart="never" nodeType="tmRoot"/>
+      </p:par>
+    </p:tnLst>
+  </p:timing>
+</p:sld>
+</file>
+
+<file path=ppt/slides/slide8.xml><?xml version="1.0" encoding="utf-8"?>
+<p:sld xmlns:a="http://schemas.openxmlformats.org/drawingml/2006/main" xmlns:r="http://schemas.openxmlformats.org/officeDocument/2006/relationships" xmlns:p="http://schemas.openxmlformats.org/presentationml/2006/main">
+  <p:cSld>
+    <p:spTree>
+      <p:nvGrpSpPr>
+        <p:cNvPr id="1" name=""/>
+        <p:cNvGrpSpPr/>
+        <p:nvPr/>
+      </p:nvGrpSpPr>
+      <p:grpSpPr>
+        <a:xfrm>
+          <a:off x="0" y="0"/>
+          <a:ext cx="0" cy="0"/>
+          <a:chOff x="0" y="0"/>
+          <a:chExt cx="0" cy="0"/>
+        </a:xfrm>
+      </p:grpSpPr>
+      <p:sp>
+        <p:nvSpPr>
+          <p:cNvPr id="2" name="文本框 1"/>
+          <p:cNvSpPr txBox="1"/>
+          <p:nvPr/>
+        </p:nvSpPr>
+        <p:spPr>
+          <a:xfrm>
+            <a:off x="309879" y="295275"/>
+            <a:ext cx="10100946" cy="523220"/>
+          </a:xfrm>
+          <a:prstGeom prst="rect">
+            <a:avLst/>
+          </a:prstGeom>
+          <a:noFill/>
+        </p:spPr>
+        <p:txBody>
+          <a:bodyPr wrap="square" rtlCol="0">
+            <a:spAutoFit/>
+          </a:bodyPr>
+          <a:lstStyle/>
+          <a:p>
+            <a:r>
+              <a:rPr lang="zh-CN" altLang="en-US" sz="2800" b="1" dirty="0" smtClean="0">
+                <a:solidFill>
+                  <a:srgbClr val="1290FC"/>
+                </a:solidFill>
+                <a:latin typeface="微软雅黑" charset="0"/>
+                <a:ea typeface="微软雅黑" charset="0"/>
+                <a:sym typeface="+mn-ea"/>
+              </a:rPr>
+              <a:t>元数据中心</a:t>
+            </a:r>
+            <a:endParaRPr lang="en-US" altLang="zh-CN" sz="2800" b="1" dirty="0">
+              <a:solidFill>
+                <a:srgbClr val="1290FC"/>
+              </a:solidFill>
+              <a:latin typeface="微软雅黑" charset="0"/>
+              <a:ea typeface="微软雅黑" charset="0"/>
+              <a:sym typeface="+mn-ea"/>
+            </a:endParaRPr>
+          </a:p>
+        </p:txBody>
+      </p:sp>
+      <p:sp>
+        <p:nvSpPr>
+          <p:cNvPr id="3" name="矩形 2"/>
+          <p:cNvSpPr/>
+          <p:nvPr/>
+        </p:nvSpPr>
+        <p:spPr>
+          <a:xfrm>
+            <a:off x="590682" y="1007145"/>
+            <a:ext cx="5262979" cy="369332"/>
+          </a:xfrm>
+          <a:prstGeom prst="rect">
+            <a:avLst/>
+          </a:prstGeom>
+        </p:spPr>
+        <p:txBody>
+          <a:bodyPr wrap="none">
+            <a:spAutoFit/>
+          </a:bodyPr>
+          <a:lstStyle/>
+          <a:p>
+            <a:r>
+              <a:rPr lang="zh-CN" altLang="en-US" dirty="0">
+                <a:solidFill>
+                  <a:schemeClr val="accent1"/>
+                </a:solidFill>
+                <a:latin typeface="微软雅黑" panose="020B0503020204020204" pitchFamily="34" charset="-122"/>
+                <a:ea typeface="微软雅黑" panose="020B0503020204020204" pitchFamily="34" charset="-122"/>
+              </a:rPr>
+              <a:t>元数据划为三类：</a:t>
+            </a:r>
+            <a:r>
+              <a:rPr lang="zh-CN" altLang="en-US" dirty="0">
+                <a:solidFill>
+                  <a:schemeClr val="accent4"/>
+                </a:solidFill>
+                <a:latin typeface="微软雅黑" panose="020B0503020204020204" pitchFamily="34" charset="-122"/>
+                <a:ea typeface="微软雅黑" panose="020B0503020204020204" pitchFamily="34" charset="-122"/>
+              </a:rPr>
+              <a:t>数据字典、数据血缘</a:t>
+            </a:r>
+            <a:r>
+              <a:rPr lang="zh-CN" altLang="en-US" dirty="0">
+                <a:solidFill>
+                  <a:schemeClr val="accent1"/>
+                </a:solidFill>
+                <a:latin typeface="微软雅黑" panose="020B0503020204020204" pitchFamily="34" charset="-122"/>
+                <a:ea typeface="微软雅黑" panose="020B0503020204020204" pitchFamily="34" charset="-122"/>
+              </a:rPr>
+              <a:t>和数据特征</a:t>
+            </a:r>
+          </a:p>
+        </p:txBody>
+      </p:sp>
+      <p:pic>
+        <p:nvPicPr>
+          <p:cNvPr id="4" name="图片 3"/>
+          <p:cNvPicPr>
+            <a:picLocks noChangeAspect="1"/>
+          </p:cNvPicPr>
+          <p:nvPr/>
+        </p:nvPicPr>
+        <p:blipFill>
+          <a:blip r:embed="rId3">
+            <a:extLst>
+              <a:ext uri="{28A0092B-C50C-407E-A947-70E740481C1C}">
+                <a14:useLocalDpi xmlns:a14="http://schemas.microsoft.com/office/drawing/2010/main" val="0"/>
+              </a:ext>
+            </a:extLst>
+          </a:blip>
+          <a:stretch>
+            <a:fillRect/>
+          </a:stretch>
+        </p:blipFill>
+        <p:spPr>
+          <a:xfrm>
+            <a:off x="151571" y="1635465"/>
+            <a:ext cx="6631064" cy="4622003"/>
+          </a:xfrm>
+          <a:prstGeom prst="rect">
+            <a:avLst/>
+          </a:prstGeom>
+        </p:spPr>
+      </p:pic>
+      <p:pic>
+        <p:nvPicPr>
+          <p:cNvPr id="5" name="图片 4"/>
+          <p:cNvPicPr>
+            <a:picLocks noChangeAspect="1"/>
+          </p:cNvPicPr>
+          <p:nvPr/>
+        </p:nvPicPr>
+        <p:blipFill>
+          <a:blip r:embed="rId4">
+            <a:extLst>
+              <a:ext uri="{28A0092B-C50C-407E-A947-70E740481C1C}">
+                <a14:useLocalDpi xmlns:a14="http://schemas.microsoft.com/office/drawing/2010/main" val="0"/>
+              </a:ext>
+            </a:extLst>
+          </a:blip>
+          <a:stretch>
+            <a:fillRect/>
+          </a:stretch>
+        </p:blipFill>
+        <p:spPr>
+          <a:xfrm>
+            <a:off x="3467103" y="3845983"/>
+            <a:ext cx="8366478" cy="2871856"/>
+          </a:xfrm>
+          <a:prstGeom prst="rect">
+            <a:avLst/>
+          </a:prstGeom>
+        </p:spPr>
+      </p:pic>
+    </p:spTree>
+    <p:extLst>
+      <p:ext uri="{BB962C8B-B14F-4D97-AF65-F5344CB8AC3E}">
+        <p14:creationId xmlns:p14="http://schemas.microsoft.com/office/powerpoint/2010/main" val="1985382062"/>
+      </p:ext>
+    </p:extLst>
+  </p:cSld>
+  <p:clrMapOvr>
+    <a:masterClrMapping/>
+  </p:clrMapOvr>
+  <p:timing>
+    <p:tnLst>
+      <p:par>
+        <p:cTn id="1" dur="indefinite" restart="never" nodeType="tmRoot"/>
+      </p:par>
+    </p:tnLst>
+  </p:timing>
+</p:sld>
+</file>
+
+<file path=ppt/slides/slide9.xml><?xml version="1.0" encoding="utf-8"?>
+<p:sld xmlns:a="http://schemas.openxmlformats.org/drawingml/2006/main" xmlns:r="http://schemas.openxmlformats.org/officeDocument/2006/relationships" xmlns:p="http://schemas.openxmlformats.org/presentationml/2006/main">
+  <p:cSld>
+    <p:spTree>
+      <p:nvGrpSpPr>
+        <p:cNvPr id="1" name=""/>
+        <p:cNvGrpSpPr/>
+        <p:nvPr/>
+      </p:nvGrpSpPr>
+      <p:grpSpPr>
+        <a:xfrm>
+          <a:off x="0" y="0"/>
+          <a:ext cx="0" cy="0"/>
+          <a:chOff x="0" y="0"/>
+          <a:chExt cx="0" cy="0"/>
+        </a:xfrm>
+      </p:grpSpPr>
+      <p:sp>
+        <p:nvSpPr>
+          <p:cNvPr id="2" name="文本框 1"/>
+          <p:cNvSpPr txBox="1"/>
+          <p:nvPr/>
+        </p:nvSpPr>
+        <p:spPr>
+          <a:xfrm>
+            <a:off x="309879" y="295275"/>
+            <a:ext cx="10100946" cy="523220"/>
+          </a:xfrm>
+          <a:prstGeom prst="rect">
+            <a:avLst/>
+          </a:prstGeom>
+          <a:noFill/>
+        </p:spPr>
+        <p:txBody>
+          <a:bodyPr wrap="square" rtlCol="0">
+            <a:spAutoFit/>
+          </a:bodyPr>
+          <a:lstStyle/>
+          <a:p>
+            <a:r>
+              <a:rPr lang="zh-CN" altLang="en-US" sz="2800" b="1" dirty="0" smtClean="0">
+                <a:solidFill>
+                  <a:srgbClr val="1290FC"/>
+                </a:solidFill>
+                <a:latin typeface="微软雅黑" charset="0"/>
+                <a:ea typeface="微软雅黑" charset="0"/>
+                <a:sym typeface="+mn-ea"/>
+              </a:rPr>
+              <a:t>元数据中心</a:t>
+            </a:r>
+            <a:endParaRPr lang="en-US" altLang="zh-CN" sz="2800" b="1" dirty="0">
+              <a:solidFill>
+                <a:srgbClr val="1290FC"/>
+              </a:solidFill>
+              <a:latin typeface="微软雅黑" charset="0"/>
+              <a:ea typeface="微软雅黑" charset="0"/>
+              <a:sym typeface="+mn-ea"/>
+            </a:endParaRPr>
+          </a:p>
+        </p:txBody>
+      </p:sp>
+      <p:sp>
+        <p:nvSpPr>
+          <p:cNvPr id="3" name="矩形 2"/>
+          <p:cNvSpPr/>
+          <p:nvPr/>
+        </p:nvSpPr>
+        <p:spPr>
+          <a:xfrm>
+            <a:off x="590682" y="1007145"/>
+            <a:ext cx="5262979" cy="369332"/>
+          </a:xfrm>
+          <a:prstGeom prst="rect">
+            <a:avLst/>
+          </a:prstGeom>
+        </p:spPr>
+        <p:txBody>
+          <a:bodyPr wrap="none">
+            <a:spAutoFit/>
+          </a:bodyPr>
+          <a:lstStyle/>
+          <a:p>
+            <a:r>
+              <a:rPr lang="zh-CN" altLang="en-US" dirty="0">
+                <a:solidFill>
+                  <a:schemeClr val="accent1"/>
+                </a:solidFill>
+                <a:latin typeface="微软雅黑" panose="020B0503020204020204" pitchFamily="34" charset="-122"/>
+                <a:ea typeface="微软雅黑" panose="020B0503020204020204" pitchFamily="34" charset="-122"/>
+              </a:rPr>
+              <a:t>元数据划为三类：数据字典、数据血缘和</a:t>
+            </a:r>
+            <a:r>
+              <a:rPr lang="zh-CN" altLang="en-US" dirty="0">
+                <a:solidFill>
+                  <a:schemeClr val="accent4"/>
+                </a:solidFill>
+                <a:latin typeface="微软雅黑" panose="020B0503020204020204" pitchFamily="34" charset="-122"/>
+                <a:ea typeface="微软雅黑" panose="020B0503020204020204" pitchFamily="34" charset="-122"/>
+              </a:rPr>
+              <a:t>数据特征</a:t>
+            </a:r>
+          </a:p>
+        </p:txBody>
+      </p:sp>
+      <p:pic>
+        <p:nvPicPr>
+          <p:cNvPr id="6" name="图片 5"/>
+          <p:cNvPicPr>
+            <a:picLocks noChangeAspect="1"/>
+          </p:cNvPicPr>
+          <p:nvPr/>
+        </p:nvPicPr>
+        <p:blipFill>
+          <a:blip r:embed="rId3">
+            <a:extLst>
+              <a:ext uri="{28A0092B-C50C-407E-A947-70E740481C1C}">
+                <a14:useLocalDpi xmlns:a14="http://schemas.microsoft.com/office/drawing/2010/main" val="0"/>
+              </a:ext>
+            </a:extLst>
+          </a:blip>
+          <a:stretch>
+            <a:fillRect/>
+          </a:stretch>
+        </p:blipFill>
+        <p:spPr>
+          <a:xfrm>
+            <a:off x="1916618" y="1910327"/>
+            <a:ext cx="8494207" cy="2923138"/>
+          </a:xfrm>
+          <a:prstGeom prst="rect">
+            <a:avLst/>
+          </a:prstGeom>
+        </p:spPr>
+      </p:pic>
+    </p:spTree>
+    <p:extLst>
+      <p:ext uri="{BB962C8B-B14F-4D97-AF65-F5344CB8AC3E}">
+        <p14:creationId xmlns:p14="http://schemas.microsoft.com/office/powerpoint/2010/main" val="3567841059"/>
+      </p:ext>
+    </p:extLst>
+  </p:cSld>
+  <p:clrMapOvr>
+    <a:masterClrMapping/>
+  </p:clrMapOvr>
+  <p:timing>
+    <p:tnLst>
+      <p:par>
+        <p:cTn id="1" dur="indefinite" restart="never" nodeType="tmRoot"/>
+      </p:par>
+    </p:tnLst>
+  </p:timing>
+</p:sld>
+</file>
+
 <file path=ppt/tags/tag1.xml><?xml version="1.0" encoding="utf-8"?>
 <p:tagLst xmlns:a="http://schemas.openxmlformats.org/drawingml/2006/main" xmlns:r="http://schemas.openxmlformats.org/officeDocument/2006/relationships" xmlns:p="http://schemas.openxmlformats.org/presentationml/2006/main">
   <p:tag name="KSO_WM_SLIDE_MODEL_TYPE" val="cover"/>
+</p:tagLst>
+</file>
+
+<file path=ppt/tags/tag2.xml><?xml version="1.0" encoding="utf-8"?>
+<p:tagLst xmlns:a="http://schemas.openxmlformats.org/drawingml/2006/main" xmlns:r="http://schemas.openxmlformats.org/officeDocument/2006/relationships" xmlns:p="http://schemas.openxmlformats.org/presentationml/2006/main">
+  <p:tag name="ISLIDE.ICON" val="#50213;#401179;#402186;#399558;#170793;"/>
+</p:tagLst>
+</file>
+
+<file path=ppt/tags/tag3.xml><?xml version="1.0" encoding="utf-8"?>
+<p:tagLst xmlns:a="http://schemas.openxmlformats.org/drawingml/2006/main" xmlns:r="http://schemas.openxmlformats.org/officeDocument/2006/relationships" xmlns:p="http://schemas.openxmlformats.org/presentationml/2006/main">
+  <p:tag name="ISLIDE.ICON" val="#50213;#401179;#402186;#399558;#170793;"/>
+</p:tagLst>
+</file>
+
+<file path=ppt/tags/tag4.xml><?xml version="1.0" encoding="utf-8"?>
+<p:tagLst xmlns:a="http://schemas.openxmlformats.org/drawingml/2006/main" xmlns:r="http://schemas.openxmlformats.org/officeDocument/2006/relationships" xmlns:p="http://schemas.openxmlformats.org/presentationml/2006/main">
+  <p:tag name="ISLIDE.ICON" val="#50213;#401179;#402186;#399558;#170793;"/>
+</p:tagLst>
+</file>
+
+<file path=ppt/tags/tag5.xml><?xml version="1.0" encoding="utf-8"?>
+<p:tagLst xmlns:a="http://schemas.openxmlformats.org/drawingml/2006/main" xmlns:r="http://schemas.openxmlformats.org/officeDocument/2006/relationships" xmlns:p="http://schemas.openxmlformats.org/presentationml/2006/main">
+  <p:tag name="ISLIDE.ICON" val="#50213;#401179;#402186;#399558;#170793;"/>
+</p:tagLst>
+</file>
+
+<file path=ppt/tags/tag6.xml><?xml version="1.0" encoding="utf-8"?>
+<p:tagLst xmlns:a="http://schemas.openxmlformats.org/drawingml/2006/main" xmlns:r="http://schemas.openxmlformats.org/officeDocument/2006/relationships" xmlns:p="http://schemas.openxmlformats.org/presentationml/2006/main">
+  <p:tag name="ISLIDE.ICON" val="#50213;#401179;#402186;#399558;#170793;"/>
 </p:tagLst>
 </file>
 
